--- a/presentations/session_1/Components of a Data Center [Autosaved].pptx
+++ b/presentations/session_1/Components of a Data Center [Autosaved].pptx
@@ -5,20 +5,28 @@
     <p:sldMasterId id="2147483648" r:id="rId1"/>
   </p:sldMasterIdLst>
   <p:sldIdLst>
-    <p:sldId id="264" r:id="rId2"/>
-    <p:sldId id="265" r:id="rId3"/>
-    <p:sldId id="266" r:id="rId4"/>
-    <p:sldId id="273" r:id="rId5"/>
-    <p:sldId id="268" r:id="rId6"/>
-    <p:sldId id="269" r:id="rId7"/>
-    <p:sldId id="270" r:id="rId8"/>
-    <p:sldId id="271" r:id="rId9"/>
-    <p:sldId id="258" r:id="rId10"/>
-    <p:sldId id="274" r:id="rId11"/>
-    <p:sldId id="257" r:id="rId12"/>
-    <p:sldId id="259" r:id="rId13"/>
-    <p:sldId id="260" r:id="rId14"/>
-    <p:sldId id="262" r:id="rId15"/>
+    <p:sldId id="256" r:id="rId2"/>
+    <p:sldId id="278" r:id="rId3"/>
+    <p:sldId id="271" r:id="rId4"/>
+    <p:sldId id="257" r:id="rId5"/>
+    <p:sldId id="262" r:id="rId6"/>
+    <p:sldId id="263" r:id="rId7"/>
+    <p:sldId id="258" r:id="rId8"/>
+    <p:sldId id="259" r:id="rId9"/>
+    <p:sldId id="261" r:id="rId10"/>
+    <p:sldId id="260" r:id="rId11"/>
+    <p:sldId id="264" r:id="rId12"/>
+    <p:sldId id="266" r:id="rId13"/>
+    <p:sldId id="272" r:id="rId14"/>
+    <p:sldId id="267" r:id="rId15"/>
+    <p:sldId id="268" r:id="rId16"/>
+    <p:sldId id="270" r:id="rId17"/>
+    <p:sldId id="273" r:id="rId18"/>
+    <p:sldId id="274" r:id="rId19"/>
+    <p:sldId id="275" r:id="rId20"/>
+    <p:sldId id="276" r:id="rId21"/>
+    <p:sldId id="277" r:id="rId22"/>
+    <p:sldId id="265" r:id="rId23"/>
   </p:sldIdLst>
   <p:sldSz cx="12192000" cy="6858000"/>
   <p:notesSz cx="7010400" cy="9296400"/>
@@ -151,7 +159,7 @@
           <p:cNvPr id="2" name="Title 1">
             <a:extLst>
               <a:ext uri="{FF2B5EF4-FFF2-40B4-BE49-F238E27FC236}">
-                <a16:creationId xmlns:a16="http://schemas.microsoft.com/office/drawing/2014/main" id="{E01AC9A9-72F4-4ACD-AC33-5034D390179B}"/>
+                <a16:creationId xmlns:a16="http://schemas.microsoft.com/office/drawing/2014/main" id="{8944232C-2E8C-4424-BD99-3A812FA884AB}"/>
               </a:ext>
             </a:extLst>
           </p:cNvPr>
@@ -188,7 +196,7 @@
           <p:cNvPr id="3" name="Subtitle 2">
             <a:extLst>
               <a:ext uri="{FF2B5EF4-FFF2-40B4-BE49-F238E27FC236}">
-                <a16:creationId xmlns:a16="http://schemas.microsoft.com/office/drawing/2014/main" id="{9CE64CC7-D2F0-4B15-AF3B-0392B0C99369}"/>
+                <a16:creationId xmlns:a16="http://schemas.microsoft.com/office/drawing/2014/main" id="{3026E255-FAA6-4650-8EC0-32D781609B11}"/>
               </a:ext>
             </a:extLst>
           </p:cNvPr>
@@ -258,7 +266,7 @@
           <p:cNvPr id="4" name="Date Placeholder 3">
             <a:extLst>
               <a:ext uri="{FF2B5EF4-FFF2-40B4-BE49-F238E27FC236}">
-                <a16:creationId xmlns:a16="http://schemas.microsoft.com/office/drawing/2014/main" id="{76C1D6F9-43D6-47BB-8375-306B276433FA}"/>
+                <a16:creationId xmlns:a16="http://schemas.microsoft.com/office/drawing/2014/main" id="{0C97334A-BB90-40FB-96F4-20C466013A02}"/>
               </a:ext>
             </a:extLst>
           </p:cNvPr>
@@ -274,9 +282,9 @@
           <a:bodyPr/>
           <a:lstStyle/>
           <a:p>
-            <a:fld id="{0815E080-E428-451B-9050-4F4DF215FDEE}" type="datetimeFigureOut">
+            <a:fld id="{4B04329C-8883-4FAC-A93E-C3F36DF5B3DE}" type="datetimeFigureOut">
               <a:rPr lang="en-US" smtClean="0"/>
-              <a:t>1/29/2018</a:t>
+              <a:t>2/2/2018</a:t>
             </a:fld>
             <a:endParaRPr lang="en-US"/>
           </a:p>
@@ -287,7 +295,7 @@
           <p:cNvPr id="5" name="Footer Placeholder 4">
             <a:extLst>
               <a:ext uri="{FF2B5EF4-FFF2-40B4-BE49-F238E27FC236}">
-                <a16:creationId xmlns:a16="http://schemas.microsoft.com/office/drawing/2014/main" id="{123D53EC-4D22-41EC-8A48-5B6E1F7A8E77}"/>
+                <a16:creationId xmlns:a16="http://schemas.microsoft.com/office/drawing/2014/main" id="{1DFB45F4-E296-4212-85EF-317051D4C882}"/>
               </a:ext>
             </a:extLst>
           </p:cNvPr>
@@ -312,7 +320,7 @@
           <p:cNvPr id="6" name="Slide Number Placeholder 5">
             <a:extLst>
               <a:ext uri="{FF2B5EF4-FFF2-40B4-BE49-F238E27FC236}">
-                <a16:creationId xmlns:a16="http://schemas.microsoft.com/office/drawing/2014/main" id="{555BDCC8-E1B6-4A18-BF65-390EFA7B5057}"/>
+                <a16:creationId xmlns:a16="http://schemas.microsoft.com/office/drawing/2014/main" id="{35F9DEDD-B23E-45F4-B1F2-881CF9BEC720}"/>
               </a:ext>
             </a:extLst>
           </p:cNvPr>
@@ -328,7 +336,7 @@
           <a:bodyPr/>
           <a:lstStyle/>
           <a:p>
-            <a:fld id="{817DBBD0-737B-4FEB-A79E-C2BC95583E76}" type="slidenum">
+            <a:fld id="{42900223-9876-4A03-AE44-D6D0472BBFBE}" type="slidenum">
               <a:rPr lang="en-US" smtClean="0"/>
               <a:t>‹#›</a:t>
             </a:fld>
@@ -339,7 +347,7 @@
     </p:spTree>
     <p:extLst>
       <p:ext uri="{BB962C8B-B14F-4D97-AF65-F5344CB8AC3E}">
-        <p14:creationId xmlns:p14="http://schemas.microsoft.com/office/powerpoint/2010/main" val="1249144978"/>
+        <p14:creationId xmlns:p14="http://schemas.microsoft.com/office/powerpoint/2010/main" val="2084545216"/>
       </p:ext>
     </p:extLst>
   </p:cSld>
@@ -371,7 +379,7 @@
           <p:cNvPr id="2" name="Title 1">
             <a:extLst>
               <a:ext uri="{FF2B5EF4-FFF2-40B4-BE49-F238E27FC236}">
-                <a16:creationId xmlns:a16="http://schemas.microsoft.com/office/drawing/2014/main" id="{775CDB79-98F3-404A-8EA2-76DFEE6DB521}"/>
+                <a16:creationId xmlns:a16="http://schemas.microsoft.com/office/drawing/2014/main" id="{C76B72F3-A566-40F7-8521-EAB2D1E1A1A0}"/>
               </a:ext>
             </a:extLst>
           </p:cNvPr>
@@ -399,7 +407,7 @@
           <p:cNvPr id="3" name="Vertical Text Placeholder 2">
             <a:extLst>
               <a:ext uri="{FF2B5EF4-FFF2-40B4-BE49-F238E27FC236}">
-                <a16:creationId xmlns:a16="http://schemas.microsoft.com/office/drawing/2014/main" id="{608CF39D-1E6F-4EE1-B30C-144D4FF46AD7}"/>
+                <a16:creationId xmlns:a16="http://schemas.microsoft.com/office/drawing/2014/main" id="{D024FFEC-70CF-41BA-861F-DF3D5977DBEC}"/>
               </a:ext>
             </a:extLst>
           </p:cNvPr>
@@ -456,7 +464,7 @@
           <p:cNvPr id="4" name="Date Placeholder 3">
             <a:extLst>
               <a:ext uri="{FF2B5EF4-FFF2-40B4-BE49-F238E27FC236}">
-                <a16:creationId xmlns:a16="http://schemas.microsoft.com/office/drawing/2014/main" id="{0DA37290-D327-4C2F-AEA0-35DB35175064}"/>
+                <a16:creationId xmlns:a16="http://schemas.microsoft.com/office/drawing/2014/main" id="{086C0D34-53AD-4876-8073-C191EE78960B}"/>
               </a:ext>
             </a:extLst>
           </p:cNvPr>
@@ -472,9 +480,9 @@
           <a:bodyPr/>
           <a:lstStyle/>
           <a:p>
-            <a:fld id="{0815E080-E428-451B-9050-4F4DF215FDEE}" type="datetimeFigureOut">
+            <a:fld id="{4B04329C-8883-4FAC-A93E-C3F36DF5B3DE}" type="datetimeFigureOut">
               <a:rPr lang="en-US" smtClean="0"/>
-              <a:t>1/29/2018</a:t>
+              <a:t>2/2/2018</a:t>
             </a:fld>
             <a:endParaRPr lang="en-US"/>
           </a:p>
@@ -485,7 +493,7 @@
           <p:cNvPr id="5" name="Footer Placeholder 4">
             <a:extLst>
               <a:ext uri="{FF2B5EF4-FFF2-40B4-BE49-F238E27FC236}">
-                <a16:creationId xmlns:a16="http://schemas.microsoft.com/office/drawing/2014/main" id="{07CF1056-6A65-4092-B390-D0C7B14CBABD}"/>
+                <a16:creationId xmlns:a16="http://schemas.microsoft.com/office/drawing/2014/main" id="{B104189C-8EEA-4F63-8A53-D45F7BAA043B}"/>
               </a:ext>
             </a:extLst>
           </p:cNvPr>
@@ -510,7 +518,7 @@
           <p:cNvPr id="6" name="Slide Number Placeholder 5">
             <a:extLst>
               <a:ext uri="{FF2B5EF4-FFF2-40B4-BE49-F238E27FC236}">
-                <a16:creationId xmlns:a16="http://schemas.microsoft.com/office/drawing/2014/main" id="{D849F549-BDBF-4686-B3EE-AEBE5788F944}"/>
+                <a16:creationId xmlns:a16="http://schemas.microsoft.com/office/drawing/2014/main" id="{44973B23-859E-4363-9B09-0E5F7BDFC000}"/>
               </a:ext>
             </a:extLst>
           </p:cNvPr>
@@ -526,7 +534,7 @@
           <a:bodyPr/>
           <a:lstStyle/>
           <a:p>
-            <a:fld id="{817DBBD0-737B-4FEB-A79E-C2BC95583E76}" type="slidenum">
+            <a:fld id="{42900223-9876-4A03-AE44-D6D0472BBFBE}" type="slidenum">
               <a:rPr lang="en-US" smtClean="0"/>
               <a:t>‹#›</a:t>
             </a:fld>
@@ -537,7 +545,7 @@
     </p:spTree>
     <p:extLst>
       <p:ext uri="{BB962C8B-B14F-4D97-AF65-F5344CB8AC3E}">
-        <p14:creationId xmlns:p14="http://schemas.microsoft.com/office/powerpoint/2010/main" val="3775983469"/>
+        <p14:creationId xmlns:p14="http://schemas.microsoft.com/office/powerpoint/2010/main" val="552305641"/>
       </p:ext>
     </p:extLst>
   </p:cSld>
@@ -569,7 +577,7 @@
           <p:cNvPr id="2" name="Vertical Title 1">
             <a:extLst>
               <a:ext uri="{FF2B5EF4-FFF2-40B4-BE49-F238E27FC236}">
-                <a16:creationId xmlns:a16="http://schemas.microsoft.com/office/drawing/2014/main" id="{CAD275B0-3840-407C-A35A-75D63B426FD2}"/>
+                <a16:creationId xmlns:a16="http://schemas.microsoft.com/office/drawing/2014/main" id="{40C8CF10-7801-4948-9546-49B17110490D}"/>
               </a:ext>
             </a:extLst>
           </p:cNvPr>
@@ -602,7 +610,7 @@
           <p:cNvPr id="3" name="Vertical Text Placeholder 2">
             <a:extLst>
               <a:ext uri="{FF2B5EF4-FFF2-40B4-BE49-F238E27FC236}">
-                <a16:creationId xmlns:a16="http://schemas.microsoft.com/office/drawing/2014/main" id="{BAA4D81D-28E8-404C-B32C-F9AB47EDDA4B}"/>
+                <a16:creationId xmlns:a16="http://schemas.microsoft.com/office/drawing/2014/main" id="{1C034DAD-9F2E-4B3D-B14F-EA7827F30832}"/>
               </a:ext>
             </a:extLst>
           </p:cNvPr>
@@ -664,7 +672,7 @@
           <p:cNvPr id="4" name="Date Placeholder 3">
             <a:extLst>
               <a:ext uri="{FF2B5EF4-FFF2-40B4-BE49-F238E27FC236}">
-                <a16:creationId xmlns:a16="http://schemas.microsoft.com/office/drawing/2014/main" id="{33394BF2-CCA2-4F15-8365-79BA712FD7CC}"/>
+                <a16:creationId xmlns:a16="http://schemas.microsoft.com/office/drawing/2014/main" id="{7C559053-DC4A-463C-9C23-3647B3D87F42}"/>
               </a:ext>
             </a:extLst>
           </p:cNvPr>
@@ -680,9 +688,9 @@
           <a:bodyPr/>
           <a:lstStyle/>
           <a:p>
-            <a:fld id="{0815E080-E428-451B-9050-4F4DF215FDEE}" type="datetimeFigureOut">
+            <a:fld id="{4B04329C-8883-4FAC-A93E-C3F36DF5B3DE}" type="datetimeFigureOut">
               <a:rPr lang="en-US" smtClean="0"/>
-              <a:t>1/29/2018</a:t>
+              <a:t>2/2/2018</a:t>
             </a:fld>
             <a:endParaRPr lang="en-US"/>
           </a:p>
@@ -693,7 +701,7 @@
           <p:cNvPr id="5" name="Footer Placeholder 4">
             <a:extLst>
               <a:ext uri="{FF2B5EF4-FFF2-40B4-BE49-F238E27FC236}">
-                <a16:creationId xmlns:a16="http://schemas.microsoft.com/office/drawing/2014/main" id="{F66667E8-3B68-4805-A304-5A6B3F9AD27C}"/>
+                <a16:creationId xmlns:a16="http://schemas.microsoft.com/office/drawing/2014/main" id="{38C2198E-B5AD-4A26-BFBB-BDAF1D957845}"/>
               </a:ext>
             </a:extLst>
           </p:cNvPr>
@@ -718,7 +726,7 @@
           <p:cNvPr id="6" name="Slide Number Placeholder 5">
             <a:extLst>
               <a:ext uri="{FF2B5EF4-FFF2-40B4-BE49-F238E27FC236}">
-                <a16:creationId xmlns:a16="http://schemas.microsoft.com/office/drawing/2014/main" id="{340D8AE9-DB7C-4F53-BBCE-C7B0BAF2B8BA}"/>
+                <a16:creationId xmlns:a16="http://schemas.microsoft.com/office/drawing/2014/main" id="{2D6B044B-9789-47EA-8A7A-052198FB44FD}"/>
               </a:ext>
             </a:extLst>
           </p:cNvPr>
@@ -734,7 +742,7 @@
           <a:bodyPr/>
           <a:lstStyle/>
           <a:p>
-            <a:fld id="{817DBBD0-737B-4FEB-A79E-C2BC95583E76}" type="slidenum">
+            <a:fld id="{42900223-9876-4A03-AE44-D6D0472BBFBE}" type="slidenum">
               <a:rPr lang="en-US" smtClean="0"/>
               <a:t>‹#›</a:t>
             </a:fld>
@@ -745,7 +753,7 @@
     </p:spTree>
     <p:extLst>
       <p:ext uri="{BB962C8B-B14F-4D97-AF65-F5344CB8AC3E}">
-        <p14:creationId xmlns:p14="http://schemas.microsoft.com/office/powerpoint/2010/main" val="18101504"/>
+        <p14:creationId xmlns:p14="http://schemas.microsoft.com/office/powerpoint/2010/main" val="960410365"/>
       </p:ext>
     </p:extLst>
   </p:cSld>
@@ -777,7 +785,7 @@
           <p:cNvPr id="2" name="Title 1">
             <a:extLst>
               <a:ext uri="{FF2B5EF4-FFF2-40B4-BE49-F238E27FC236}">
-                <a16:creationId xmlns:a16="http://schemas.microsoft.com/office/drawing/2014/main" id="{1CAFB9C2-B0CD-4DC0-AEE9-18641441884C}"/>
+                <a16:creationId xmlns:a16="http://schemas.microsoft.com/office/drawing/2014/main" id="{2828DA4E-2046-476B-BDF9-53AE10DC7F94}"/>
               </a:ext>
             </a:extLst>
           </p:cNvPr>
@@ -805,7 +813,7 @@
           <p:cNvPr id="3" name="Content Placeholder 2">
             <a:extLst>
               <a:ext uri="{FF2B5EF4-FFF2-40B4-BE49-F238E27FC236}">
-                <a16:creationId xmlns:a16="http://schemas.microsoft.com/office/drawing/2014/main" id="{853DD797-A8D0-499A-AD0F-14270DC67230}"/>
+                <a16:creationId xmlns:a16="http://schemas.microsoft.com/office/drawing/2014/main" id="{446DC565-1D80-4734-A2A7-C260FC9C547C}"/>
               </a:ext>
             </a:extLst>
           </p:cNvPr>
@@ -862,7 +870,7 @@
           <p:cNvPr id="4" name="Date Placeholder 3">
             <a:extLst>
               <a:ext uri="{FF2B5EF4-FFF2-40B4-BE49-F238E27FC236}">
-                <a16:creationId xmlns:a16="http://schemas.microsoft.com/office/drawing/2014/main" id="{035DAFF7-AF0A-4A18-A083-F50147DFB099}"/>
+                <a16:creationId xmlns:a16="http://schemas.microsoft.com/office/drawing/2014/main" id="{A15FA42B-1556-41C6-96DA-2C45314CEA1D}"/>
               </a:ext>
             </a:extLst>
           </p:cNvPr>
@@ -878,9 +886,9 @@
           <a:bodyPr/>
           <a:lstStyle/>
           <a:p>
-            <a:fld id="{0815E080-E428-451B-9050-4F4DF215FDEE}" type="datetimeFigureOut">
+            <a:fld id="{4B04329C-8883-4FAC-A93E-C3F36DF5B3DE}" type="datetimeFigureOut">
               <a:rPr lang="en-US" smtClean="0"/>
-              <a:t>1/29/2018</a:t>
+              <a:t>2/2/2018</a:t>
             </a:fld>
             <a:endParaRPr lang="en-US"/>
           </a:p>
@@ -891,7 +899,7 @@
           <p:cNvPr id="5" name="Footer Placeholder 4">
             <a:extLst>
               <a:ext uri="{FF2B5EF4-FFF2-40B4-BE49-F238E27FC236}">
-                <a16:creationId xmlns:a16="http://schemas.microsoft.com/office/drawing/2014/main" id="{AFC72456-F24E-4E54-A760-643622CFA7E8}"/>
+                <a16:creationId xmlns:a16="http://schemas.microsoft.com/office/drawing/2014/main" id="{8AE88846-79F0-4311-85A7-74CFC533A450}"/>
               </a:ext>
             </a:extLst>
           </p:cNvPr>
@@ -916,7 +924,7 @@
           <p:cNvPr id="6" name="Slide Number Placeholder 5">
             <a:extLst>
               <a:ext uri="{FF2B5EF4-FFF2-40B4-BE49-F238E27FC236}">
-                <a16:creationId xmlns:a16="http://schemas.microsoft.com/office/drawing/2014/main" id="{5CD30B7F-8C7A-4D0C-9B01-B020710BA6A8}"/>
+                <a16:creationId xmlns:a16="http://schemas.microsoft.com/office/drawing/2014/main" id="{AEB3A0B7-8266-427B-AB68-92C4E0541271}"/>
               </a:ext>
             </a:extLst>
           </p:cNvPr>
@@ -932,7 +940,7 @@
           <a:bodyPr/>
           <a:lstStyle/>
           <a:p>
-            <a:fld id="{817DBBD0-737B-4FEB-A79E-C2BC95583E76}" type="slidenum">
+            <a:fld id="{42900223-9876-4A03-AE44-D6D0472BBFBE}" type="slidenum">
               <a:rPr lang="en-US" smtClean="0"/>
               <a:t>‹#›</a:t>
             </a:fld>
@@ -943,7 +951,7 @@
     </p:spTree>
     <p:extLst>
       <p:ext uri="{BB962C8B-B14F-4D97-AF65-F5344CB8AC3E}">
-        <p14:creationId xmlns:p14="http://schemas.microsoft.com/office/powerpoint/2010/main" val="984815739"/>
+        <p14:creationId xmlns:p14="http://schemas.microsoft.com/office/powerpoint/2010/main" val="1126358353"/>
       </p:ext>
     </p:extLst>
   </p:cSld>
@@ -975,7 +983,7 @@
           <p:cNvPr id="2" name="Title 1">
             <a:extLst>
               <a:ext uri="{FF2B5EF4-FFF2-40B4-BE49-F238E27FC236}">
-                <a16:creationId xmlns:a16="http://schemas.microsoft.com/office/drawing/2014/main" id="{06DDD0AA-5932-484F-93FE-5E181A1112F8}"/>
+                <a16:creationId xmlns:a16="http://schemas.microsoft.com/office/drawing/2014/main" id="{B62525ED-363B-4065-A658-C6226E91B6E2}"/>
               </a:ext>
             </a:extLst>
           </p:cNvPr>
@@ -1012,7 +1020,7 @@
           <p:cNvPr id="3" name="Text Placeholder 2">
             <a:extLst>
               <a:ext uri="{FF2B5EF4-FFF2-40B4-BE49-F238E27FC236}">
-                <a16:creationId xmlns:a16="http://schemas.microsoft.com/office/drawing/2014/main" id="{A6F43913-E646-4019-8FD1-A11E0F7C9CEC}"/>
+                <a16:creationId xmlns:a16="http://schemas.microsoft.com/office/drawing/2014/main" id="{97519CB2-5781-401B-A9C2-2E2CE45874F2}"/>
               </a:ext>
             </a:extLst>
           </p:cNvPr>
@@ -1137,7 +1145,7 @@
           <p:cNvPr id="4" name="Date Placeholder 3">
             <a:extLst>
               <a:ext uri="{FF2B5EF4-FFF2-40B4-BE49-F238E27FC236}">
-                <a16:creationId xmlns:a16="http://schemas.microsoft.com/office/drawing/2014/main" id="{6BF7986F-9653-49B6-80F7-402368FFA7A6}"/>
+                <a16:creationId xmlns:a16="http://schemas.microsoft.com/office/drawing/2014/main" id="{129E333A-66D7-404E-9B30-701515B5C12B}"/>
               </a:ext>
             </a:extLst>
           </p:cNvPr>
@@ -1153,9 +1161,9 @@
           <a:bodyPr/>
           <a:lstStyle/>
           <a:p>
-            <a:fld id="{0815E080-E428-451B-9050-4F4DF215FDEE}" type="datetimeFigureOut">
+            <a:fld id="{4B04329C-8883-4FAC-A93E-C3F36DF5B3DE}" type="datetimeFigureOut">
               <a:rPr lang="en-US" smtClean="0"/>
-              <a:t>1/29/2018</a:t>
+              <a:t>2/2/2018</a:t>
             </a:fld>
             <a:endParaRPr lang="en-US"/>
           </a:p>
@@ -1166,7 +1174,7 @@
           <p:cNvPr id="5" name="Footer Placeholder 4">
             <a:extLst>
               <a:ext uri="{FF2B5EF4-FFF2-40B4-BE49-F238E27FC236}">
-                <a16:creationId xmlns:a16="http://schemas.microsoft.com/office/drawing/2014/main" id="{33D97086-EB18-47C0-B11B-07791D5249C8}"/>
+                <a16:creationId xmlns:a16="http://schemas.microsoft.com/office/drawing/2014/main" id="{73C54E98-A5C8-45A6-A76A-B5F4E75BBB69}"/>
               </a:ext>
             </a:extLst>
           </p:cNvPr>
@@ -1191,7 +1199,7 @@
           <p:cNvPr id="6" name="Slide Number Placeholder 5">
             <a:extLst>
               <a:ext uri="{FF2B5EF4-FFF2-40B4-BE49-F238E27FC236}">
-                <a16:creationId xmlns:a16="http://schemas.microsoft.com/office/drawing/2014/main" id="{F2AD9989-6225-4D6E-960F-2888C1AE9DFC}"/>
+                <a16:creationId xmlns:a16="http://schemas.microsoft.com/office/drawing/2014/main" id="{5C6B5E43-3325-470A-A1D0-3531C1E4934A}"/>
               </a:ext>
             </a:extLst>
           </p:cNvPr>
@@ -1207,7 +1215,7 @@
           <a:bodyPr/>
           <a:lstStyle/>
           <a:p>
-            <a:fld id="{817DBBD0-737B-4FEB-A79E-C2BC95583E76}" type="slidenum">
+            <a:fld id="{42900223-9876-4A03-AE44-D6D0472BBFBE}" type="slidenum">
               <a:rPr lang="en-US" smtClean="0"/>
               <a:t>‹#›</a:t>
             </a:fld>
@@ -1218,7 +1226,7 @@
     </p:spTree>
     <p:extLst>
       <p:ext uri="{BB962C8B-B14F-4D97-AF65-F5344CB8AC3E}">
-        <p14:creationId xmlns:p14="http://schemas.microsoft.com/office/powerpoint/2010/main" val="3115540817"/>
+        <p14:creationId xmlns:p14="http://schemas.microsoft.com/office/powerpoint/2010/main" val="1052987926"/>
       </p:ext>
     </p:extLst>
   </p:cSld>
@@ -1250,7 +1258,7 @@
           <p:cNvPr id="2" name="Title 1">
             <a:extLst>
               <a:ext uri="{FF2B5EF4-FFF2-40B4-BE49-F238E27FC236}">
-                <a16:creationId xmlns:a16="http://schemas.microsoft.com/office/drawing/2014/main" id="{150F9769-25F2-433A-9A72-23F19B2FC5A1}"/>
+                <a16:creationId xmlns:a16="http://schemas.microsoft.com/office/drawing/2014/main" id="{0875559D-1760-43BA-9272-8AEEBA341D97}"/>
               </a:ext>
             </a:extLst>
           </p:cNvPr>
@@ -1278,7 +1286,7 @@
           <p:cNvPr id="3" name="Content Placeholder 2">
             <a:extLst>
               <a:ext uri="{FF2B5EF4-FFF2-40B4-BE49-F238E27FC236}">
-                <a16:creationId xmlns:a16="http://schemas.microsoft.com/office/drawing/2014/main" id="{F2607821-A99C-408D-8CAE-B0121D4885D4}"/>
+                <a16:creationId xmlns:a16="http://schemas.microsoft.com/office/drawing/2014/main" id="{DD4A4DA7-E6B8-49E7-80F3-EA2109EC9B34}"/>
               </a:ext>
             </a:extLst>
           </p:cNvPr>
@@ -1340,7 +1348,7 @@
           <p:cNvPr id="4" name="Content Placeholder 3">
             <a:extLst>
               <a:ext uri="{FF2B5EF4-FFF2-40B4-BE49-F238E27FC236}">
-                <a16:creationId xmlns:a16="http://schemas.microsoft.com/office/drawing/2014/main" id="{1B1709F4-C4C0-49C1-AC7E-F92C7D975C4B}"/>
+                <a16:creationId xmlns:a16="http://schemas.microsoft.com/office/drawing/2014/main" id="{7DE814F6-2819-4A6D-A251-C9541482900E}"/>
               </a:ext>
             </a:extLst>
           </p:cNvPr>
@@ -1402,7 +1410,7 @@
           <p:cNvPr id="5" name="Date Placeholder 4">
             <a:extLst>
               <a:ext uri="{FF2B5EF4-FFF2-40B4-BE49-F238E27FC236}">
-                <a16:creationId xmlns:a16="http://schemas.microsoft.com/office/drawing/2014/main" id="{CF665D7E-6C0B-4924-B56F-81AC649C0D13}"/>
+                <a16:creationId xmlns:a16="http://schemas.microsoft.com/office/drawing/2014/main" id="{7C8353AD-CB4E-40C2-B7DF-5A819CC998C6}"/>
               </a:ext>
             </a:extLst>
           </p:cNvPr>
@@ -1418,9 +1426,9 @@
           <a:bodyPr/>
           <a:lstStyle/>
           <a:p>
-            <a:fld id="{0815E080-E428-451B-9050-4F4DF215FDEE}" type="datetimeFigureOut">
+            <a:fld id="{4B04329C-8883-4FAC-A93E-C3F36DF5B3DE}" type="datetimeFigureOut">
               <a:rPr lang="en-US" smtClean="0"/>
-              <a:t>1/29/2018</a:t>
+              <a:t>2/2/2018</a:t>
             </a:fld>
             <a:endParaRPr lang="en-US"/>
           </a:p>
@@ -1431,7 +1439,7 @@
           <p:cNvPr id="6" name="Footer Placeholder 5">
             <a:extLst>
               <a:ext uri="{FF2B5EF4-FFF2-40B4-BE49-F238E27FC236}">
-                <a16:creationId xmlns:a16="http://schemas.microsoft.com/office/drawing/2014/main" id="{7E68ECDE-0470-4F71-A2AB-058F7D976DF7}"/>
+                <a16:creationId xmlns:a16="http://schemas.microsoft.com/office/drawing/2014/main" id="{21C530F9-E238-4FD4-8C6D-19DEA3E04C9A}"/>
               </a:ext>
             </a:extLst>
           </p:cNvPr>
@@ -1456,7 +1464,7 @@
           <p:cNvPr id="7" name="Slide Number Placeholder 6">
             <a:extLst>
               <a:ext uri="{FF2B5EF4-FFF2-40B4-BE49-F238E27FC236}">
-                <a16:creationId xmlns:a16="http://schemas.microsoft.com/office/drawing/2014/main" id="{50A67902-DAC8-4FBD-9359-A8B11040BDDE}"/>
+                <a16:creationId xmlns:a16="http://schemas.microsoft.com/office/drawing/2014/main" id="{43FBF0D2-567A-4E6B-9FCE-9C14059DA3E5}"/>
               </a:ext>
             </a:extLst>
           </p:cNvPr>
@@ -1472,7 +1480,7 @@
           <a:bodyPr/>
           <a:lstStyle/>
           <a:p>
-            <a:fld id="{817DBBD0-737B-4FEB-A79E-C2BC95583E76}" type="slidenum">
+            <a:fld id="{42900223-9876-4A03-AE44-D6D0472BBFBE}" type="slidenum">
               <a:rPr lang="en-US" smtClean="0"/>
               <a:t>‹#›</a:t>
             </a:fld>
@@ -1483,7 +1491,7 @@
     </p:spTree>
     <p:extLst>
       <p:ext uri="{BB962C8B-B14F-4D97-AF65-F5344CB8AC3E}">
-        <p14:creationId xmlns:p14="http://schemas.microsoft.com/office/powerpoint/2010/main" val="2781739534"/>
+        <p14:creationId xmlns:p14="http://schemas.microsoft.com/office/powerpoint/2010/main" val="3559239434"/>
       </p:ext>
     </p:extLst>
   </p:cSld>
@@ -1515,7 +1523,7 @@
           <p:cNvPr id="2" name="Title 1">
             <a:extLst>
               <a:ext uri="{FF2B5EF4-FFF2-40B4-BE49-F238E27FC236}">
-                <a16:creationId xmlns:a16="http://schemas.microsoft.com/office/drawing/2014/main" id="{09E9D1E3-73C3-4663-A014-D23569F5AEF2}"/>
+                <a16:creationId xmlns:a16="http://schemas.microsoft.com/office/drawing/2014/main" id="{61E2C648-E4D1-4669-912F-176B173D486E}"/>
               </a:ext>
             </a:extLst>
           </p:cNvPr>
@@ -1548,7 +1556,7 @@
           <p:cNvPr id="3" name="Text Placeholder 2">
             <a:extLst>
               <a:ext uri="{FF2B5EF4-FFF2-40B4-BE49-F238E27FC236}">
-                <a16:creationId xmlns:a16="http://schemas.microsoft.com/office/drawing/2014/main" id="{38C18093-DAA0-4C71-998F-D034BEE974AC}"/>
+                <a16:creationId xmlns:a16="http://schemas.microsoft.com/office/drawing/2014/main" id="{5DE73BC4-6865-471A-8BF4-A3F701C9D3E2}"/>
               </a:ext>
             </a:extLst>
           </p:cNvPr>
@@ -1619,7 +1627,7 @@
           <p:cNvPr id="4" name="Content Placeholder 3">
             <a:extLst>
               <a:ext uri="{FF2B5EF4-FFF2-40B4-BE49-F238E27FC236}">
-                <a16:creationId xmlns:a16="http://schemas.microsoft.com/office/drawing/2014/main" id="{F0107F69-D284-4E07-9797-455CD95E512A}"/>
+                <a16:creationId xmlns:a16="http://schemas.microsoft.com/office/drawing/2014/main" id="{1EFDC74D-F84C-4550-8DAB-67812D6AA92B}"/>
               </a:ext>
             </a:extLst>
           </p:cNvPr>
@@ -1681,7 +1689,7 @@
           <p:cNvPr id="5" name="Text Placeholder 4">
             <a:extLst>
               <a:ext uri="{FF2B5EF4-FFF2-40B4-BE49-F238E27FC236}">
-                <a16:creationId xmlns:a16="http://schemas.microsoft.com/office/drawing/2014/main" id="{94EDFBDE-C220-403D-A1C1-4F4C5F57C2F1}"/>
+                <a16:creationId xmlns:a16="http://schemas.microsoft.com/office/drawing/2014/main" id="{5B010E38-DDAD-48B5-8188-D8C074E868C4}"/>
               </a:ext>
             </a:extLst>
           </p:cNvPr>
@@ -1752,7 +1760,7 @@
           <p:cNvPr id="6" name="Content Placeholder 5">
             <a:extLst>
               <a:ext uri="{FF2B5EF4-FFF2-40B4-BE49-F238E27FC236}">
-                <a16:creationId xmlns:a16="http://schemas.microsoft.com/office/drawing/2014/main" id="{D9B5CE66-F093-4CC7-ACB5-D204B0D84AAA}"/>
+                <a16:creationId xmlns:a16="http://schemas.microsoft.com/office/drawing/2014/main" id="{0DFFA111-DD24-4D67-9EE7-F2DFABADEE98}"/>
               </a:ext>
             </a:extLst>
           </p:cNvPr>
@@ -1814,7 +1822,7 @@
           <p:cNvPr id="7" name="Date Placeholder 6">
             <a:extLst>
               <a:ext uri="{FF2B5EF4-FFF2-40B4-BE49-F238E27FC236}">
-                <a16:creationId xmlns:a16="http://schemas.microsoft.com/office/drawing/2014/main" id="{3178FE33-DCFE-4E2E-B59E-CAD63F58D392}"/>
+                <a16:creationId xmlns:a16="http://schemas.microsoft.com/office/drawing/2014/main" id="{90FCFDF5-6321-4346-A4D4-9408BF914710}"/>
               </a:ext>
             </a:extLst>
           </p:cNvPr>
@@ -1830,9 +1838,9 @@
           <a:bodyPr/>
           <a:lstStyle/>
           <a:p>
-            <a:fld id="{0815E080-E428-451B-9050-4F4DF215FDEE}" type="datetimeFigureOut">
+            <a:fld id="{4B04329C-8883-4FAC-A93E-C3F36DF5B3DE}" type="datetimeFigureOut">
               <a:rPr lang="en-US" smtClean="0"/>
-              <a:t>1/29/2018</a:t>
+              <a:t>2/2/2018</a:t>
             </a:fld>
             <a:endParaRPr lang="en-US"/>
           </a:p>
@@ -1843,7 +1851,7 @@
           <p:cNvPr id="8" name="Footer Placeholder 7">
             <a:extLst>
               <a:ext uri="{FF2B5EF4-FFF2-40B4-BE49-F238E27FC236}">
-                <a16:creationId xmlns:a16="http://schemas.microsoft.com/office/drawing/2014/main" id="{28762945-6F9D-458C-96E4-1B4287F928A0}"/>
+                <a16:creationId xmlns:a16="http://schemas.microsoft.com/office/drawing/2014/main" id="{67C6E394-D3BE-4B08-8126-F1E7BD28A01E}"/>
               </a:ext>
             </a:extLst>
           </p:cNvPr>
@@ -1868,7 +1876,7 @@
           <p:cNvPr id="9" name="Slide Number Placeholder 8">
             <a:extLst>
               <a:ext uri="{FF2B5EF4-FFF2-40B4-BE49-F238E27FC236}">
-                <a16:creationId xmlns:a16="http://schemas.microsoft.com/office/drawing/2014/main" id="{4A69A862-3871-43DD-A662-3AC9D161DDC7}"/>
+                <a16:creationId xmlns:a16="http://schemas.microsoft.com/office/drawing/2014/main" id="{97BA6E5F-75A4-493A-B065-26E276B723E2}"/>
               </a:ext>
             </a:extLst>
           </p:cNvPr>
@@ -1884,7 +1892,7 @@
           <a:bodyPr/>
           <a:lstStyle/>
           <a:p>
-            <a:fld id="{817DBBD0-737B-4FEB-A79E-C2BC95583E76}" type="slidenum">
+            <a:fld id="{42900223-9876-4A03-AE44-D6D0472BBFBE}" type="slidenum">
               <a:rPr lang="en-US" smtClean="0"/>
               <a:t>‹#›</a:t>
             </a:fld>
@@ -1895,7 +1903,7 @@
     </p:spTree>
     <p:extLst>
       <p:ext uri="{BB962C8B-B14F-4D97-AF65-F5344CB8AC3E}">
-        <p14:creationId xmlns:p14="http://schemas.microsoft.com/office/powerpoint/2010/main" val="1158827847"/>
+        <p14:creationId xmlns:p14="http://schemas.microsoft.com/office/powerpoint/2010/main" val="2211528983"/>
       </p:ext>
     </p:extLst>
   </p:cSld>
@@ -1927,7 +1935,7 @@
           <p:cNvPr id="2" name="Title 1">
             <a:extLst>
               <a:ext uri="{FF2B5EF4-FFF2-40B4-BE49-F238E27FC236}">
-                <a16:creationId xmlns:a16="http://schemas.microsoft.com/office/drawing/2014/main" id="{13260A17-6874-4314-9C9B-AB442A56CC71}"/>
+                <a16:creationId xmlns:a16="http://schemas.microsoft.com/office/drawing/2014/main" id="{C6E9B4DE-7355-419B-9D8F-3950C5DE415F}"/>
               </a:ext>
             </a:extLst>
           </p:cNvPr>
@@ -1955,7 +1963,7 @@
           <p:cNvPr id="3" name="Date Placeholder 2">
             <a:extLst>
               <a:ext uri="{FF2B5EF4-FFF2-40B4-BE49-F238E27FC236}">
-                <a16:creationId xmlns:a16="http://schemas.microsoft.com/office/drawing/2014/main" id="{12A4E708-245F-4CAA-827D-8D4F4B35F845}"/>
+                <a16:creationId xmlns:a16="http://schemas.microsoft.com/office/drawing/2014/main" id="{D2094A6B-B7EC-4A7E-98A1-AECA06282234}"/>
               </a:ext>
             </a:extLst>
           </p:cNvPr>
@@ -1971,9 +1979,9 @@
           <a:bodyPr/>
           <a:lstStyle/>
           <a:p>
-            <a:fld id="{0815E080-E428-451B-9050-4F4DF215FDEE}" type="datetimeFigureOut">
+            <a:fld id="{4B04329C-8883-4FAC-A93E-C3F36DF5B3DE}" type="datetimeFigureOut">
               <a:rPr lang="en-US" smtClean="0"/>
-              <a:t>1/29/2018</a:t>
+              <a:t>2/2/2018</a:t>
             </a:fld>
             <a:endParaRPr lang="en-US"/>
           </a:p>
@@ -1984,7 +1992,7 @@
           <p:cNvPr id="4" name="Footer Placeholder 3">
             <a:extLst>
               <a:ext uri="{FF2B5EF4-FFF2-40B4-BE49-F238E27FC236}">
-                <a16:creationId xmlns:a16="http://schemas.microsoft.com/office/drawing/2014/main" id="{9E79BA09-1CC2-4BEF-85BF-039B1A167ECA}"/>
+                <a16:creationId xmlns:a16="http://schemas.microsoft.com/office/drawing/2014/main" id="{A07FC784-59E2-40CC-88D6-4CDAA335E82C}"/>
               </a:ext>
             </a:extLst>
           </p:cNvPr>
@@ -2009,7 +2017,7 @@
           <p:cNvPr id="5" name="Slide Number Placeholder 4">
             <a:extLst>
               <a:ext uri="{FF2B5EF4-FFF2-40B4-BE49-F238E27FC236}">
-                <a16:creationId xmlns:a16="http://schemas.microsoft.com/office/drawing/2014/main" id="{C682025B-CBA4-432D-BE6A-46A49E87EE6D}"/>
+                <a16:creationId xmlns:a16="http://schemas.microsoft.com/office/drawing/2014/main" id="{F12D8756-4095-4916-ADFB-1D87F9FD710B}"/>
               </a:ext>
             </a:extLst>
           </p:cNvPr>
@@ -2025,7 +2033,7 @@
           <a:bodyPr/>
           <a:lstStyle/>
           <a:p>
-            <a:fld id="{817DBBD0-737B-4FEB-A79E-C2BC95583E76}" type="slidenum">
+            <a:fld id="{42900223-9876-4A03-AE44-D6D0472BBFBE}" type="slidenum">
               <a:rPr lang="en-US" smtClean="0"/>
               <a:t>‹#›</a:t>
             </a:fld>
@@ -2036,7 +2044,7 @@
     </p:spTree>
     <p:extLst>
       <p:ext uri="{BB962C8B-B14F-4D97-AF65-F5344CB8AC3E}">
-        <p14:creationId xmlns:p14="http://schemas.microsoft.com/office/powerpoint/2010/main" val="3321686132"/>
+        <p14:creationId xmlns:p14="http://schemas.microsoft.com/office/powerpoint/2010/main" val="2105990061"/>
       </p:ext>
     </p:extLst>
   </p:cSld>
@@ -2068,7 +2076,7 @@
           <p:cNvPr id="2" name="Date Placeholder 1">
             <a:extLst>
               <a:ext uri="{FF2B5EF4-FFF2-40B4-BE49-F238E27FC236}">
-                <a16:creationId xmlns:a16="http://schemas.microsoft.com/office/drawing/2014/main" id="{691E0D69-6483-44D0-8AE9-63C991CF94BD}"/>
+                <a16:creationId xmlns:a16="http://schemas.microsoft.com/office/drawing/2014/main" id="{A641A07E-425B-4D92-A38D-13D3640538D6}"/>
               </a:ext>
             </a:extLst>
           </p:cNvPr>
@@ -2084,9 +2092,9 @@
           <a:bodyPr/>
           <a:lstStyle/>
           <a:p>
-            <a:fld id="{0815E080-E428-451B-9050-4F4DF215FDEE}" type="datetimeFigureOut">
+            <a:fld id="{4B04329C-8883-4FAC-A93E-C3F36DF5B3DE}" type="datetimeFigureOut">
               <a:rPr lang="en-US" smtClean="0"/>
-              <a:t>1/29/2018</a:t>
+              <a:t>2/2/2018</a:t>
             </a:fld>
             <a:endParaRPr lang="en-US"/>
           </a:p>
@@ -2097,7 +2105,7 @@
           <p:cNvPr id="3" name="Footer Placeholder 2">
             <a:extLst>
               <a:ext uri="{FF2B5EF4-FFF2-40B4-BE49-F238E27FC236}">
-                <a16:creationId xmlns:a16="http://schemas.microsoft.com/office/drawing/2014/main" id="{03F9CB96-A4FE-488E-A84E-88785640FE88}"/>
+                <a16:creationId xmlns:a16="http://schemas.microsoft.com/office/drawing/2014/main" id="{FE180F54-C538-4996-99BC-D0F8BD3CB6C2}"/>
               </a:ext>
             </a:extLst>
           </p:cNvPr>
@@ -2122,7 +2130,7 @@
           <p:cNvPr id="4" name="Slide Number Placeholder 3">
             <a:extLst>
               <a:ext uri="{FF2B5EF4-FFF2-40B4-BE49-F238E27FC236}">
-                <a16:creationId xmlns:a16="http://schemas.microsoft.com/office/drawing/2014/main" id="{2BA4525A-831D-4864-B07C-AAB4DF838FE4}"/>
+                <a16:creationId xmlns:a16="http://schemas.microsoft.com/office/drawing/2014/main" id="{70367BA7-6AE5-4F58-81E3-323A6478A63D}"/>
               </a:ext>
             </a:extLst>
           </p:cNvPr>
@@ -2138,7 +2146,7 @@
           <a:bodyPr/>
           <a:lstStyle/>
           <a:p>
-            <a:fld id="{817DBBD0-737B-4FEB-A79E-C2BC95583E76}" type="slidenum">
+            <a:fld id="{42900223-9876-4A03-AE44-D6D0472BBFBE}" type="slidenum">
               <a:rPr lang="en-US" smtClean="0"/>
               <a:t>‹#›</a:t>
             </a:fld>
@@ -2149,7 +2157,7 @@
     </p:spTree>
     <p:extLst>
       <p:ext uri="{BB962C8B-B14F-4D97-AF65-F5344CB8AC3E}">
-        <p14:creationId xmlns:p14="http://schemas.microsoft.com/office/powerpoint/2010/main" val="1651476364"/>
+        <p14:creationId xmlns:p14="http://schemas.microsoft.com/office/powerpoint/2010/main" val="2814298760"/>
       </p:ext>
     </p:extLst>
   </p:cSld>
@@ -2181,7 +2189,7 @@
           <p:cNvPr id="2" name="Title 1">
             <a:extLst>
               <a:ext uri="{FF2B5EF4-FFF2-40B4-BE49-F238E27FC236}">
-                <a16:creationId xmlns:a16="http://schemas.microsoft.com/office/drawing/2014/main" id="{0508D2AA-B20E-4D41-8A70-34C146F17C6D}"/>
+                <a16:creationId xmlns:a16="http://schemas.microsoft.com/office/drawing/2014/main" id="{43DBB222-6EB1-45F9-9C14-0AC6E64F2460}"/>
               </a:ext>
             </a:extLst>
           </p:cNvPr>
@@ -2218,7 +2226,7 @@
           <p:cNvPr id="3" name="Content Placeholder 2">
             <a:extLst>
               <a:ext uri="{FF2B5EF4-FFF2-40B4-BE49-F238E27FC236}">
-                <a16:creationId xmlns:a16="http://schemas.microsoft.com/office/drawing/2014/main" id="{F9E76085-0AA4-4F2D-889F-B4EBF7CDA0BD}"/>
+                <a16:creationId xmlns:a16="http://schemas.microsoft.com/office/drawing/2014/main" id="{CFFF880E-4721-4735-9F63-CAD17AB71F2D}"/>
               </a:ext>
             </a:extLst>
           </p:cNvPr>
@@ -2308,7 +2316,7 @@
           <p:cNvPr id="4" name="Text Placeholder 3">
             <a:extLst>
               <a:ext uri="{FF2B5EF4-FFF2-40B4-BE49-F238E27FC236}">
-                <a16:creationId xmlns:a16="http://schemas.microsoft.com/office/drawing/2014/main" id="{BB02F3D7-4F62-45BD-BA82-3BB26855735C}"/>
+                <a16:creationId xmlns:a16="http://schemas.microsoft.com/office/drawing/2014/main" id="{78C191EB-55FE-40D8-B2E4-26E5B88BCAAB}"/>
               </a:ext>
             </a:extLst>
           </p:cNvPr>
@@ -2379,7 +2387,7 @@
           <p:cNvPr id="5" name="Date Placeholder 4">
             <a:extLst>
               <a:ext uri="{FF2B5EF4-FFF2-40B4-BE49-F238E27FC236}">
-                <a16:creationId xmlns:a16="http://schemas.microsoft.com/office/drawing/2014/main" id="{89C7A9EF-CEED-4ACC-8C39-93C8EB644121}"/>
+                <a16:creationId xmlns:a16="http://schemas.microsoft.com/office/drawing/2014/main" id="{289182AF-2D67-4F75-9BF8-9925D2A3230A}"/>
               </a:ext>
             </a:extLst>
           </p:cNvPr>
@@ -2395,9 +2403,9 @@
           <a:bodyPr/>
           <a:lstStyle/>
           <a:p>
-            <a:fld id="{0815E080-E428-451B-9050-4F4DF215FDEE}" type="datetimeFigureOut">
+            <a:fld id="{4B04329C-8883-4FAC-A93E-C3F36DF5B3DE}" type="datetimeFigureOut">
               <a:rPr lang="en-US" smtClean="0"/>
-              <a:t>1/29/2018</a:t>
+              <a:t>2/2/2018</a:t>
             </a:fld>
             <a:endParaRPr lang="en-US"/>
           </a:p>
@@ -2408,7 +2416,7 @@
           <p:cNvPr id="6" name="Footer Placeholder 5">
             <a:extLst>
               <a:ext uri="{FF2B5EF4-FFF2-40B4-BE49-F238E27FC236}">
-                <a16:creationId xmlns:a16="http://schemas.microsoft.com/office/drawing/2014/main" id="{19AE62CF-6ECE-4351-BEC9-444794B08C87}"/>
+                <a16:creationId xmlns:a16="http://schemas.microsoft.com/office/drawing/2014/main" id="{F11F2A68-5C92-43AB-9247-B0D8EAEFED0C}"/>
               </a:ext>
             </a:extLst>
           </p:cNvPr>
@@ -2433,7 +2441,7 @@
           <p:cNvPr id="7" name="Slide Number Placeholder 6">
             <a:extLst>
               <a:ext uri="{FF2B5EF4-FFF2-40B4-BE49-F238E27FC236}">
-                <a16:creationId xmlns:a16="http://schemas.microsoft.com/office/drawing/2014/main" id="{5FD588A2-BB2E-40BE-959B-55E8B89A97CF}"/>
+                <a16:creationId xmlns:a16="http://schemas.microsoft.com/office/drawing/2014/main" id="{B1C96EE8-BA55-46E5-8B96-401FEA854254}"/>
               </a:ext>
             </a:extLst>
           </p:cNvPr>
@@ -2449,7 +2457,7 @@
           <a:bodyPr/>
           <a:lstStyle/>
           <a:p>
-            <a:fld id="{817DBBD0-737B-4FEB-A79E-C2BC95583E76}" type="slidenum">
+            <a:fld id="{42900223-9876-4A03-AE44-D6D0472BBFBE}" type="slidenum">
               <a:rPr lang="en-US" smtClean="0"/>
               <a:t>‹#›</a:t>
             </a:fld>
@@ -2460,7 +2468,7 @@
     </p:spTree>
     <p:extLst>
       <p:ext uri="{BB962C8B-B14F-4D97-AF65-F5344CB8AC3E}">
-        <p14:creationId xmlns:p14="http://schemas.microsoft.com/office/powerpoint/2010/main" val="1793336565"/>
+        <p14:creationId xmlns:p14="http://schemas.microsoft.com/office/powerpoint/2010/main" val="2319030749"/>
       </p:ext>
     </p:extLst>
   </p:cSld>
@@ -2492,7 +2500,7 @@
           <p:cNvPr id="2" name="Title 1">
             <a:extLst>
               <a:ext uri="{FF2B5EF4-FFF2-40B4-BE49-F238E27FC236}">
-                <a16:creationId xmlns:a16="http://schemas.microsoft.com/office/drawing/2014/main" id="{AA999E84-F6A9-4878-AC08-AAE82A2243DE}"/>
+                <a16:creationId xmlns:a16="http://schemas.microsoft.com/office/drawing/2014/main" id="{E126C86A-69F0-46BA-A703-A2E2BF50E502}"/>
               </a:ext>
             </a:extLst>
           </p:cNvPr>
@@ -2529,7 +2537,7 @@
           <p:cNvPr id="3" name="Picture Placeholder 2">
             <a:extLst>
               <a:ext uri="{FF2B5EF4-FFF2-40B4-BE49-F238E27FC236}">
-                <a16:creationId xmlns:a16="http://schemas.microsoft.com/office/drawing/2014/main" id="{5DD5BF2C-5B74-4171-A4F3-A95246BB93AD}"/>
+                <a16:creationId xmlns:a16="http://schemas.microsoft.com/office/drawing/2014/main" id="{CE860E81-05CD-47E3-83CD-DCB6F9CC0442}"/>
               </a:ext>
             </a:extLst>
           </p:cNvPr>
@@ -2596,7 +2604,7 @@
           <p:cNvPr id="4" name="Text Placeholder 3">
             <a:extLst>
               <a:ext uri="{FF2B5EF4-FFF2-40B4-BE49-F238E27FC236}">
-                <a16:creationId xmlns:a16="http://schemas.microsoft.com/office/drawing/2014/main" id="{EC7904C9-9696-4C7B-A431-87BE6C1FE310}"/>
+                <a16:creationId xmlns:a16="http://schemas.microsoft.com/office/drawing/2014/main" id="{04742326-83E5-46F3-97FE-CC61322217E5}"/>
               </a:ext>
             </a:extLst>
           </p:cNvPr>
@@ -2667,7 +2675,7 @@
           <p:cNvPr id="5" name="Date Placeholder 4">
             <a:extLst>
               <a:ext uri="{FF2B5EF4-FFF2-40B4-BE49-F238E27FC236}">
-                <a16:creationId xmlns:a16="http://schemas.microsoft.com/office/drawing/2014/main" id="{5E0226D5-B147-4249-A32F-25BA186B3852}"/>
+                <a16:creationId xmlns:a16="http://schemas.microsoft.com/office/drawing/2014/main" id="{A2D245C9-2F0C-4A24-AF39-A4F832B2D6DB}"/>
               </a:ext>
             </a:extLst>
           </p:cNvPr>
@@ -2683,9 +2691,9 @@
           <a:bodyPr/>
           <a:lstStyle/>
           <a:p>
-            <a:fld id="{0815E080-E428-451B-9050-4F4DF215FDEE}" type="datetimeFigureOut">
+            <a:fld id="{4B04329C-8883-4FAC-A93E-C3F36DF5B3DE}" type="datetimeFigureOut">
               <a:rPr lang="en-US" smtClean="0"/>
-              <a:t>1/29/2018</a:t>
+              <a:t>2/2/2018</a:t>
             </a:fld>
             <a:endParaRPr lang="en-US"/>
           </a:p>
@@ -2696,7 +2704,7 @@
           <p:cNvPr id="6" name="Footer Placeholder 5">
             <a:extLst>
               <a:ext uri="{FF2B5EF4-FFF2-40B4-BE49-F238E27FC236}">
-                <a16:creationId xmlns:a16="http://schemas.microsoft.com/office/drawing/2014/main" id="{3417126D-D69E-415C-AFD0-F8A355250A2A}"/>
+                <a16:creationId xmlns:a16="http://schemas.microsoft.com/office/drawing/2014/main" id="{C10381C6-AB91-4149-BBA8-1E5EBD707DE4}"/>
               </a:ext>
             </a:extLst>
           </p:cNvPr>
@@ -2721,7 +2729,7 @@
           <p:cNvPr id="7" name="Slide Number Placeholder 6">
             <a:extLst>
               <a:ext uri="{FF2B5EF4-FFF2-40B4-BE49-F238E27FC236}">
-                <a16:creationId xmlns:a16="http://schemas.microsoft.com/office/drawing/2014/main" id="{C8AF67D1-2127-4627-ABD4-499FF4600074}"/>
+                <a16:creationId xmlns:a16="http://schemas.microsoft.com/office/drawing/2014/main" id="{EFE19FB3-8E50-46D3-8656-5047F6BACA44}"/>
               </a:ext>
             </a:extLst>
           </p:cNvPr>
@@ -2737,7 +2745,7 @@
           <a:bodyPr/>
           <a:lstStyle/>
           <a:p>
-            <a:fld id="{817DBBD0-737B-4FEB-A79E-C2BC95583E76}" type="slidenum">
+            <a:fld id="{42900223-9876-4A03-AE44-D6D0472BBFBE}" type="slidenum">
               <a:rPr lang="en-US" smtClean="0"/>
               <a:t>‹#›</a:t>
             </a:fld>
@@ -2748,7 +2756,7 @@
     </p:spTree>
     <p:extLst>
       <p:ext uri="{BB962C8B-B14F-4D97-AF65-F5344CB8AC3E}">
-        <p14:creationId xmlns:p14="http://schemas.microsoft.com/office/powerpoint/2010/main" val="2145802868"/>
+        <p14:creationId xmlns:p14="http://schemas.microsoft.com/office/powerpoint/2010/main" val="1386136166"/>
       </p:ext>
     </p:extLst>
   </p:cSld>
@@ -2785,7 +2793,7 @@
           <p:cNvPr id="2" name="Title Placeholder 1">
             <a:extLst>
               <a:ext uri="{FF2B5EF4-FFF2-40B4-BE49-F238E27FC236}">
-                <a16:creationId xmlns:a16="http://schemas.microsoft.com/office/drawing/2014/main" id="{FFDFA4BE-7019-4B57-AB73-ABDF0B014250}"/>
+                <a16:creationId xmlns:a16="http://schemas.microsoft.com/office/drawing/2014/main" id="{E05A58DC-6EC3-4E03-8D04-762AF5DA5564}"/>
               </a:ext>
             </a:extLst>
           </p:cNvPr>
@@ -2823,7 +2831,7 @@
           <p:cNvPr id="3" name="Text Placeholder 2">
             <a:extLst>
               <a:ext uri="{FF2B5EF4-FFF2-40B4-BE49-F238E27FC236}">
-                <a16:creationId xmlns:a16="http://schemas.microsoft.com/office/drawing/2014/main" id="{BC8D5D8C-3D9C-4CEB-AC77-73EC286A1156}"/>
+                <a16:creationId xmlns:a16="http://schemas.microsoft.com/office/drawing/2014/main" id="{4365CD00-C3DB-41A7-A727-D75F827B8002}"/>
               </a:ext>
             </a:extLst>
           </p:cNvPr>
@@ -2890,7 +2898,7 @@
           <p:cNvPr id="4" name="Date Placeholder 3">
             <a:extLst>
               <a:ext uri="{FF2B5EF4-FFF2-40B4-BE49-F238E27FC236}">
-                <a16:creationId xmlns:a16="http://schemas.microsoft.com/office/drawing/2014/main" id="{2A423D73-63C5-48FA-B624-5823F94478CA}"/>
+                <a16:creationId xmlns:a16="http://schemas.microsoft.com/office/drawing/2014/main" id="{12BDF8A7-0560-4FD9-A66D-6B96450BCD53}"/>
               </a:ext>
             </a:extLst>
           </p:cNvPr>
@@ -2924,9 +2932,9 @@
             </a:lvl1pPr>
           </a:lstStyle>
           <a:p>
-            <a:fld id="{0815E080-E428-451B-9050-4F4DF215FDEE}" type="datetimeFigureOut">
+            <a:fld id="{4B04329C-8883-4FAC-A93E-C3F36DF5B3DE}" type="datetimeFigureOut">
               <a:rPr lang="en-US" smtClean="0"/>
-              <a:t>1/29/2018</a:t>
+              <a:t>2/2/2018</a:t>
             </a:fld>
             <a:endParaRPr lang="en-US"/>
           </a:p>
@@ -2937,7 +2945,7 @@
           <p:cNvPr id="5" name="Footer Placeholder 4">
             <a:extLst>
               <a:ext uri="{FF2B5EF4-FFF2-40B4-BE49-F238E27FC236}">
-                <a16:creationId xmlns:a16="http://schemas.microsoft.com/office/drawing/2014/main" id="{22C059DE-DDC8-454C-AE5A-C7E77BD07B85}"/>
+                <a16:creationId xmlns:a16="http://schemas.microsoft.com/office/drawing/2014/main" id="{4C5E73BF-FAC1-4C32-BFC0-4494994C894A}"/>
               </a:ext>
             </a:extLst>
           </p:cNvPr>
@@ -2980,7 +2988,7 @@
           <p:cNvPr id="6" name="Slide Number Placeholder 5">
             <a:extLst>
               <a:ext uri="{FF2B5EF4-FFF2-40B4-BE49-F238E27FC236}">
-                <a16:creationId xmlns:a16="http://schemas.microsoft.com/office/drawing/2014/main" id="{80077480-47A0-4C08-970C-A633B0BA4532}"/>
+                <a16:creationId xmlns:a16="http://schemas.microsoft.com/office/drawing/2014/main" id="{81F418D0-982E-4901-9A04-0FEE598C0979}"/>
               </a:ext>
             </a:extLst>
           </p:cNvPr>
@@ -3014,7 +3022,7 @@
             </a:lvl1pPr>
           </a:lstStyle>
           <a:p>
-            <a:fld id="{817DBBD0-737B-4FEB-A79E-C2BC95583E76}" type="slidenum">
+            <a:fld id="{42900223-9876-4A03-AE44-D6D0472BBFBE}" type="slidenum">
               <a:rPr lang="en-US" smtClean="0"/>
               <a:t>‹#›</a:t>
             </a:fld>
@@ -3025,7 +3033,7 @@
     </p:spTree>
     <p:extLst>
       <p:ext uri="{BB962C8B-B14F-4D97-AF65-F5344CB8AC3E}">
-        <p14:creationId xmlns:p14="http://schemas.microsoft.com/office/powerpoint/2010/main" val="2529225004"/>
+        <p14:creationId xmlns:p14="http://schemas.microsoft.com/office/powerpoint/2010/main" val="559814674"/>
       </p:ext>
     </p:extLst>
   </p:cSld>
@@ -3348,7 +3356,7 @@
           <p:cNvPr id="2" name="Title 1">
             <a:extLst>
               <a:ext uri="{FF2B5EF4-FFF2-40B4-BE49-F238E27FC236}">
-                <a16:creationId xmlns:a16="http://schemas.microsoft.com/office/drawing/2014/main" id="{1C6B5D7B-6B59-42C0-8276-7AEB1EBA0B0E}"/>
+                <a16:creationId xmlns:a16="http://schemas.microsoft.com/office/drawing/2014/main" id="{B7C737E6-E2A7-4CF6-AB7F-CB866A7E324B}"/>
               </a:ext>
             </a:extLst>
           </p:cNvPr>
@@ -3366,7 +3374,7 @@
           <a:p>
             <a:r>
               <a:rPr lang="en-US" dirty="0"/>
-              <a:t>New IOT</a:t>
+              <a:t>Components of a Data Center</a:t>
             </a:r>
           </a:p>
         </p:txBody>
@@ -3376,7 +3384,7 @@
           <p:cNvPr id="3" name="Subtitle 2">
             <a:extLst>
               <a:ext uri="{FF2B5EF4-FFF2-40B4-BE49-F238E27FC236}">
-                <a16:creationId xmlns:a16="http://schemas.microsoft.com/office/drawing/2014/main" id="{BD7F682C-D93D-472F-B8B7-C27B81D962FB}"/>
+                <a16:creationId xmlns:a16="http://schemas.microsoft.com/office/drawing/2014/main" id="{3FB5AFC2-F70F-4284-B73B-6C35006DB8E5}"/>
               </a:ext>
             </a:extLst>
           </p:cNvPr>
@@ -3389,34 +3397,17 @@
         </p:nvSpPr>
         <p:spPr/>
         <p:txBody>
-          <a:bodyPr>
-            <a:normAutofit/>
-          </a:bodyPr>
-          <a:lstStyle/>
-          <a:p>
-            <a:r>
-              <a:rPr lang="en-US" dirty="0"/>
-              <a:t>New Architecture</a:t>
-            </a:r>
-          </a:p>
-          <a:p>
-            <a:r>
-              <a:rPr lang="en-US" dirty="0"/>
-              <a:t>New Developer</a:t>
-            </a:r>
-          </a:p>
-          <a:p>
-            <a:r>
-              <a:rPr lang="en-US" dirty="0"/>
-              <a:t>New Technician</a:t>
-            </a:r>
+          <a:bodyPr/>
+          <a:lstStyle/>
+          <a:p>
+            <a:endParaRPr lang="en-US"/>
           </a:p>
         </p:txBody>
       </p:sp>
     </p:spTree>
     <p:extLst>
       <p:ext uri="{BB962C8B-B14F-4D97-AF65-F5344CB8AC3E}">
-        <p14:creationId xmlns:p14="http://schemas.microsoft.com/office/powerpoint/2010/main" val="998296621"/>
+        <p14:creationId xmlns:p14="http://schemas.microsoft.com/office/powerpoint/2010/main" val="2739049891"/>
       </p:ext>
     </p:extLst>
   </p:cSld>
@@ -3445,10 +3436,10 @@
       </p:grpSpPr>
       <p:sp>
         <p:nvSpPr>
-          <p:cNvPr id="7" name="Title 6">
-            <a:extLst>
-              <a:ext uri="{FF2B5EF4-FFF2-40B4-BE49-F238E27FC236}">
-                <a16:creationId xmlns:a16="http://schemas.microsoft.com/office/drawing/2014/main" id="{3E5729B8-A8B5-430B-BCD0-A02C46977EDD}"/>
+          <p:cNvPr id="2" name="Title 1">
+            <a:extLst>
+              <a:ext uri="{FF2B5EF4-FFF2-40B4-BE49-F238E27FC236}">
+                <a16:creationId xmlns:a16="http://schemas.microsoft.com/office/drawing/2014/main" id="{A9432D50-7759-475C-A129-BD4B17C4C8D5}"/>
               </a:ext>
             </a:extLst>
           </p:cNvPr>
@@ -3466,95 +3457,812 @@
           <a:p>
             <a:r>
               <a:rPr lang="en-US" dirty="0"/>
-              <a:t>Third Track</a:t>
-            </a:r>
-          </a:p>
-        </p:txBody>
-      </p:sp>
-      <p:sp>
-        <p:nvSpPr>
-          <p:cNvPr id="8" name="Content Placeholder 7">
-            <a:extLst>
-              <a:ext uri="{FF2B5EF4-FFF2-40B4-BE49-F238E27FC236}">
-                <a16:creationId xmlns:a16="http://schemas.microsoft.com/office/drawing/2014/main" id="{1C75FC93-EAA5-4C9D-94F0-C18A357CF873}"/>
-              </a:ext>
-            </a:extLst>
-          </p:cNvPr>
-          <p:cNvSpPr>
-            <a:spLocks noGrp="1"/>
-          </p:cNvSpPr>
-          <p:nvPr>
-            <p:ph idx="1"/>
-          </p:nvPr>
-        </p:nvSpPr>
-        <p:spPr/>
-        <p:txBody>
-          <a:bodyPr/>
-          <a:lstStyle/>
-          <a:p>
-            <a:r>
-              <a:rPr lang="en-US" dirty="0"/>
-              <a:t>The third track is a lab track.  The purposes of this track are:</a:t>
-            </a:r>
-          </a:p>
-          <a:p>
-            <a:pPr lvl="1"/>
-            <a:r>
-              <a:rPr lang="en-US" dirty="0"/>
-              <a:t>Provide Practical Experience</a:t>
-            </a:r>
-          </a:p>
-          <a:p>
-            <a:pPr lvl="1"/>
-            <a:r>
-              <a:rPr lang="en-US" dirty="0"/>
-              <a:t>Provide a document trail to train people.</a:t>
-            </a:r>
-          </a:p>
-          <a:p>
-            <a:pPr lvl="1"/>
-            <a:r>
-              <a:rPr lang="en-US" dirty="0"/>
-              <a:t>Provide a document trail to start companies.</a:t>
-            </a:r>
-          </a:p>
-          <a:p>
-            <a:r>
-              <a:rPr lang="en-US" dirty="0"/>
-              <a:t>The lab track will be taught through projects.</a:t>
-            </a:r>
-          </a:p>
-          <a:p>
-            <a:pPr lvl="1"/>
-            <a:r>
-              <a:rPr lang="en-US" dirty="0"/>
-              <a:t>The first project is the IOT vending machine.</a:t>
-            </a:r>
-          </a:p>
-          <a:p>
-            <a:pPr lvl="1"/>
-            <a:r>
-              <a:rPr lang="en-US" dirty="0"/>
-              <a:t>The project will start on Feb 28, at the DWEEBS meeting</a:t>
-            </a:r>
-          </a:p>
-          <a:p>
-            <a:pPr lvl="2"/>
-            <a:r>
-              <a:rPr lang="en-US" dirty="0"/>
-              <a:t>Note: This conflicts with the intermediate python meeting</a:t>
-            </a:r>
-          </a:p>
-          <a:p>
-            <a:pPr lvl="1"/>
-            <a:endParaRPr lang="en-US" dirty="0"/>
-          </a:p>
-        </p:txBody>
-      </p:sp>
+              <a:t>Elastic Search</a:t>
+            </a:r>
+          </a:p>
+        </p:txBody>
+      </p:sp>
+      <p:sp>
+        <p:nvSpPr>
+          <p:cNvPr id="4" name="TextBox 3">
+            <a:extLst>
+              <a:ext uri="{FF2B5EF4-FFF2-40B4-BE49-F238E27FC236}">
+                <a16:creationId xmlns:a16="http://schemas.microsoft.com/office/drawing/2014/main" id="{2095ECBD-C2B6-4D30-80F5-635D7E72EF28}"/>
+              </a:ext>
+            </a:extLst>
+          </p:cNvPr>
+          <p:cNvSpPr txBox="1"/>
+          <p:nvPr/>
+        </p:nvSpPr>
+        <p:spPr>
+          <a:xfrm>
+            <a:off x="460005" y="2748810"/>
+            <a:ext cx="1026596" cy="646331"/>
+          </a:xfrm>
+          <a:prstGeom prst="rect">
+            <a:avLst/>
+          </a:prstGeom>
+          <a:noFill/>
+        </p:spPr>
+        <p:txBody>
+          <a:bodyPr wrap="square" rtlCol="0">
+            <a:spAutoFit/>
+          </a:bodyPr>
+          <a:lstStyle/>
+          <a:p>
+            <a:r>
+              <a:rPr lang="en-US" dirty="0"/>
+              <a:t>Various</a:t>
+            </a:r>
+          </a:p>
+          <a:p>
+            <a:r>
+              <a:rPr lang="en-US" dirty="0"/>
+              <a:t>Log files</a:t>
+            </a:r>
+          </a:p>
+        </p:txBody>
+      </p:sp>
+      <p:sp>
+        <p:nvSpPr>
+          <p:cNvPr id="6" name="Rectangle 5">
+            <a:extLst>
+              <a:ext uri="{FF2B5EF4-FFF2-40B4-BE49-F238E27FC236}">
+                <a16:creationId xmlns:a16="http://schemas.microsoft.com/office/drawing/2014/main" id="{78E3D332-E051-45A5-9565-73A6B75C0164}"/>
+              </a:ext>
+            </a:extLst>
+          </p:cNvPr>
+          <p:cNvSpPr/>
+          <p:nvPr/>
+        </p:nvSpPr>
+        <p:spPr>
+          <a:xfrm>
+            <a:off x="1879288" y="2204658"/>
+            <a:ext cx="3825895" cy="2961982"/>
+          </a:xfrm>
+          <a:prstGeom prst="rect">
+            <a:avLst/>
+          </a:prstGeom>
+          <a:noFill/>
+        </p:spPr>
+        <p:style>
+          <a:lnRef idx="2">
+            <a:schemeClr val="accent1">
+              <a:shade val="50000"/>
+            </a:schemeClr>
+          </a:lnRef>
+          <a:fillRef idx="1">
+            <a:schemeClr val="accent1"/>
+          </a:fillRef>
+          <a:effectRef idx="0">
+            <a:schemeClr val="accent1"/>
+          </a:effectRef>
+          <a:fontRef idx="minor">
+            <a:schemeClr val="lt1"/>
+          </a:fontRef>
+        </p:style>
+        <p:txBody>
+          <a:bodyPr rtlCol="0" anchor="ctr"/>
+          <a:lstStyle/>
+          <a:p>
+            <a:pPr algn="ctr"/>
+            <a:endParaRPr lang="en-US"/>
+          </a:p>
+        </p:txBody>
+      </p:sp>
+      <p:sp>
+        <p:nvSpPr>
+          <p:cNvPr id="7" name="Rectangle 6">
+            <a:extLst>
+              <a:ext uri="{FF2B5EF4-FFF2-40B4-BE49-F238E27FC236}">
+                <a16:creationId xmlns:a16="http://schemas.microsoft.com/office/drawing/2014/main" id="{6A019237-E21F-4D49-B19D-D149CBDE5A0F}"/>
+              </a:ext>
+            </a:extLst>
+          </p:cNvPr>
+          <p:cNvSpPr/>
+          <p:nvPr/>
+        </p:nvSpPr>
+        <p:spPr>
+          <a:xfrm>
+            <a:off x="2221706" y="2678906"/>
+            <a:ext cx="685800" cy="542925"/>
+          </a:xfrm>
+          <a:prstGeom prst="rect">
+            <a:avLst/>
+          </a:prstGeom>
+        </p:spPr>
+        <p:style>
+          <a:lnRef idx="2">
+            <a:schemeClr val="accent1">
+              <a:shade val="50000"/>
+            </a:schemeClr>
+          </a:lnRef>
+          <a:fillRef idx="1">
+            <a:schemeClr val="accent1"/>
+          </a:fillRef>
+          <a:effectRef idx="0">
+            <a:schemeClr val="accent1"/>
+          </a:effectRef>
+          <a:fontRef idx="minor">
+            <a:schemeClr val="lt1"/>
+          </a:fontRef>
+        </p:style>
+        <p:txBody>
+          <a:bodyPr rtlCol="0" anchor="ctr"/>
+          <a:lstStyle/>
+          <a:p>
+            <a:pPr algn="ctr"/>
+            <a:endParaRPr lang="en-US"/>
+          </a:p>
+        </p:txBody>
+      </p:sp>
+      <p:sp>
+        <p:nvSpPr>
+          <p:cNvPr id="8" name="Rectangle 7">
+            <a:extLst>
+              <a:ext uri="{FF2B5EF4-FFF2-40B4-BE49-F238E27FC236}">
+                <a16:creationId xmlns:a16="http://schemas.microsoft.com/office/drawing/2014/main" id="{F3371BF9-6AF0-4BBE-A762-FD1C565F3D2B}"/>
+              </a:ext>
+            </a:extLst>
+          </p:cNvPr>
+          <p:cNvSpPr/>
+          <p:nvPr/>
+        </p:nvSpPr>
+        <p:spPr>
+          <a:xfrm>
+            <a:off x="2393156" y="3886200"/>
+            <a:ext cx="650082" cy="614363"/>
+          </a:xfrm>
+          <a:prstGeom prst="rect">
+            <a:avLst/>
+          </a:prstGeom>
+        </p:spPr>
+        <p:style>
+          <a:lnRef idx="2">
+            <a:schemeClr val="accent1">
+              <a:shade val="50000"/>
+            </a:schemeClr>
+          </a:lnRef>
+          <a:fillRef idx="1">
+            <a:schemeClr val="accent1"/>
+          </a:fillRef>
+          <a:effectRef idx="0">
+            <a:schemeClr val="accent1"/>
+          </a:effectRef>
+          <a:fontRef idx="minor">
+            <a:schemeClr val="lt1"/>
+          </a:fontRef>
+        </p:style>
+        <p:txBody>
+          <a:bodyPr rtlCol="0" anchor="ctr"/>
+          <a:lstStyle/>
+          <a:p>
+            <a:pPr algn="ctr"/>
+            <a:endParaRPr lang="en-US"/>
+          </a:p>
+        </p:txBody>
+      </p:sp>
+      <p:sp>
+        <p:nvSpPr>
+          <p:cNvPr id="9" name="Rectangle 8">
+            <a:extLst>
+              <a:ext uri="{FF2B5EF4-FFF2-40B4-BE49-F238E27FC236}">
+                <a16:creationId xmlns:a16="http://schemas.microsoft.com/office/drawing/2014/main" id="{C6306AD7-0E8E-41C2-B87D-3D2466D57866}"/>
+              </a:ext>
+            </a:extLst>
+          </p:cNvPr>
+          <p:cNvSpPr/>
+          <p:nvPr/>
+        </p:nvSpPr>
+        <p:spPr>
+          <a:xfrm>
+            <a:off x="3700463" y="2943225"/>
+            <a:ext cx="1042987" cy="592931"/>
+          </a:xfrm>
+          <a:prstGeom prst="rect">
+            <a:avLst/>
+          </a:prstGeom>
+        </p:spPr>
+        <p:style>
+          <a:lnRef idx="2">
+            <a:schemeClr val="accent1">
+              <a:shade val="50000"/>
+            </a:schemeClr>
+          </a:lnRef>
+          <a:fillRef idx="1">
+            <a:schemeClr val="accent1"/>
+          </a:fillRef>
+          <a:effectRef idx="0">
+            <a:schemeClr val="accent1"/>
+          </a:effectRef>
+          <a:fontRef idx="minor">
+            <a:schemeClr val="lt1"/>
+          </a:fontRef>
+        </p:style>
+        <p:txBody>
+          <a:bodyPr rtlCol="0" anchor="ctr"/>
+          <a:lstStyle/>
+          <a:p>
+            <a:pPr algn="ctr"/>
+            <a:endParaRPr lang="en-US"/>
+          </a:p>
+        </p:txBody>
+      </p:sp>
+      <p:sp>
+        <p:nvSpPr>
+          <p:cNvPr id="10" name="Rectangle 9">
+            <a:extLst>
+              <a:ext uri="{FF2B5EF4-FFF2-40B4-BE49-F238E27FC236}">
+                <a16:creationId xmlns:a16="http://schemas.microsoft.com/office/drawing/2014/main" id="{EA30623E-E595-4F22-BA52-4B7EF223CEC0}"/>
+              </a:ext>
+            </a:extLst>
+          </p:cNvPr>
+          <p:cNvSpPr/>
+          <p:nvPr/>
+        </p:nvSpPr>
+        <p:spPr>
+          <a:xfrm>
+            <a:off x="3671888" y="3979069"/>
+            <a:ext cx="807243" cy="685800"/>
+          </a:xfrm>
+          <a:prstGeom prst="rect">
+            <a:avLst/>
+          </a:prstGeom>
+        </p:spPr>
+        <p:style>
+          <a:lnRef idx="2">
+            <a:schemeClr val="accent1">
+              <a:shade val="50000"/>
+            </a:schemeClr>
+          </a:lnRef>
+          <a:fillRef idx="1">
+            <a:schemeClr val="accent1"/>
+          </a:fillRef>
+          <a:effectRef idx="0">
+            <a:schemeClr val="accent1"/>
+          </a:effectRef>
+          <a:fontRef idx="minor">
+            <a:schemeClr val="lt1"/>
+          </a:fontRef>
+        </p:style>
+        <p:txBody>
+          <a:bodyPr rtlCol="0" anchor="ctr"/>
+          <a:lstStyle/>
+          <a:p>
+            <a:pPr algn="ctr"/>
+            <a:endParaRPr lang="en-US"/>
+          </a:p>
+        </p:txBody>
+      </p:sp>
+      <p:sp>
+        <p:nvSpPr>
+          <p:cNvPr id="11" name="TextBox 10">
+            <a:extLst>
+              <a:ext uri="{FF2B5EF4-FFF2-40B4-BE49-F238E27FC236}">
+                <a16:creationId xmlns:a16="http://schemas.microsoft.com/office/drawing/2014/main" id="{9D93ABF1-CE92-4201-945E-56B6BC040846}"/>
+              </a:ext>
+            </a:extLst>
+          </p:cNvPr>
+          <p:cNvSpPr txBox="1"/>
+          <p:nvPr/>
+        </p:nvSpPr>
+        <p:spPr>
+          <a:xfrm>
+            <a:off x="7765256" y="2678906"/>
+            <a:ext cx="3588544" cy="1200329"/>
+          </a:xfrm>
+          <a:prstGeom prst="rect">
+            <a:avLst/>
+          </a:prstGeom>
+          <a:solidFill>
+            <a:schemeClr val="bg2"/>
+          </a:solidFill>
+          <a:ln>
+            <a:solidFill>
+              <a:schemeClr val="accent1">
+                <a:shade val="50000"/>
+              </a:schemeClr>
+            </a:solidFill>
+          </a:ln>
+        </p:spPr>
+        <p:txBody>
+          <a:bodyPr wrap="square" rtlCol="0">
+            <a:spAutoFit/>
+          </a:bodyPr>
+          <a:lstStyle/>
+          <a:p>
+            <a:r>
+              <a:rPr lang="en-US" dirty="0"/>
+              <a:t>Elastic Search Data Base</a:t>
+            </a:r>
+          </a:p>
+          <a:p>
+            <a:r>
+              <a:rPr lang="en-US" dirty="0"/>
+              <a:t>Document Data Base</a:t>
+            </a:r>
+          </a:p>
+          <a:p>
+            <a:r>
+              <a:rPr lang="en-US" dirty="0"/>
+              <a:t>With Inverted Indexes for Text</a:t>
+            </a:r>
+          </a:p>
+          <a:p>
+            <a:r>
+              <a:rPr lang="en-US" dirty="0"/>
+              <a:t>Searching</a:t>
+            </a:r>
+          </a:p>
+        </p:txBody>
+      </p:sp>
+      <p:cxnSp>
+        <p:nvCxnSpPr>
+          <p:cNvPr id="13" name="Straight Arrow Connector 12">
+            <a:extLst>
+              <a:ext uri="{FF2B5EF4-FFF2-40B4-BE49-F238E27FC236}">
+                <a16:creationId xmlns:a16="http://schemas.microsoft.com/office/drawing/2014/main" id="{4EFB0B40-0611-42C6-A6BC-0E625C7AD371}"/>
+              </a:ext>
+            </a:extLst>
+          </p:cNvPr>
+          <p:cNvCxnSpPr/>
+          <p:nvPr/>
+        </p:nvCxnSpPr>
+        <p:spPr>
+          <a:xfrm>
+            <a:off x="5705183" y="3429000"/>
+            <a:ext cx="2060073" cy="0"/>
+          </a:xfrm>
+          <a:prstGeom prst="straightConnector1">
+            <a:avLst/>
+          </a:prstGeom>
+          <a:ln>
+            <a:tailEnd type="triangle"/>
+          </a:ln>
+        </p:spPr>
+        <p:style>
+          <a:lnRef idx="1">
+            <a:schemeClr val="accent1"/>
+          </a:lnRef>
+          <a:fillRef idx="0">
+            <a:schemeClr val="accent1"/>
+          </a:fillRef>
+          <a:effectRef idx="0">
+            <a:schemeClr val="accent1"/>
+          </a:effectRef>
+          <a:fontRef idx="minor">
+            <a:schemeClr val="tx1"/>
+          </a:fontRef>
+        </p:style>
+      </p:cxnSp>
+      <p:sp>
+        <p:nvSpPr>
+          <p:cNvPr id="15" name="TextBox 14">
+            <a:extLst>
+              <a:ext uri="{FF2B5EF4-FFF2-40B4-BE49-F238E27FC236}">
+                <a16:creationId xmlns:a16="http://schemas.microsoft.com/office/drawing/2014/main" id="{9347AE83-C99C-4709-AE26-83B9AD3FB457}"/>
+              </a:ext>
+            </a:extLst>
+          </p:cNvPr>
+          <p:cNvSpPr txBox="1"/>
+          <p:nvPr/>
+        </p:nvSpPr>
+        <p:spPr>
+          <a:xfrm>
+            <a:off x="7643813" y="692944"/>
+            <a:ext cx="3086100" cy="369332"/>
+          </a:xfrm>
+          <a:prstGeom prst="rect">
+            <a:avLst/>
+          </a:prstGeom>
+          <a:solidFill>
+            <a:schemeClr val="bg2"/>
+          </a:solidFill>
+          <a:ln>
+            <a:solidFill>
+              <a:schemeClr val="tx1"/>
+            </a:solidFill>
+          </a:ln>
+        </p:spPr>
+        <p:txBody>
+          <a:bodyPr wrap="square" rtlCol="0">
+            <a:spAutoFit/>
+          </a:bodyPr>
+          <a:lstStyle/>
+          <a:p>
+            <a:r>
+              <a:rPr lang="en-US" dirty="0"/>
+              <a:t>Kabana Web Server</a:t>
+            </a:r>
+          </a:p>
+        </p:txBody>
+      </p:sp>
+      <p:cxnSp>
+        <p:nvCxnSpPr>
+          <p:cNvPr id="17" name="Straight Arrow Connector 16">
+            <a:extLst>
+              <a:ext uri="{FF2B5EF4-FFF2-40B4-BE49-F238E27FC236}">
+                <a16:creationId xmlns:a16="http://schemas.microsoft.com/office/drawing/2014/main" id="{572A8392-3B2C-4E92-B744-04FD5273DB1A}"/>
+              </a:ext>
+            </a:extLst>
+          </p:cNvPr>
+          <p:cNvCxnSpPr/>
+          <p:nvPr/>
+        </p:nvCxnSpPr>
+        <p:spPr>
+          <a:xfrm>
+            <a:off x="8872538" y="1062276"/>
+            <a:ext cx="0" cy="1616630"/>
+          </a:xfrm>
+          <a:prstGeom prst="straightConnector1">
+            <a:avLst/>
+          </a:prstGeom>
+          <a:ln>
+            <a:tailEnd type="triangle"/>
+          </a:ln>
+        </p:spPr>
+        <p:style>
+          <a:lnRef idx="1">
+            <a:schemeClr val="accent1"/>
+          </a:lnRef>
+          <a:fillRef idx="0">
+            <a:schemeClr val="accent1"/>
+          </a:fillRef>
+          <a:effectRef idx="0">
+            <a:schemeClr val="accent1"/>
+          </a:effectRef>
+          <a:fontRef idx="minor">
+            <a:schemeClr val="tx1"/>
+          </a:fontRef>
+        </p:style>
+      </p:cxnSp>
+      <p:cxnSp>
+        <p:nvCxnSpPr>
+          <p:cNvPr id="19" name="Straight Arrow Connector 18">
+            <a:extLst>
+              <a:ext uri="{FF2B5EF4-FFF2-40B4-BE49-F238E27FC236}">
+                <a16:creationId xmlns:a16="http://schemas.microsoft.com/office/drawing/2014/main" id="{563459B6-818D-42A8-9855-683183E8CC27}"/>
+              </a:ext>
+            </a:extLst>
+          </p:cNvPr>
+          <p:cNvCxnSpPr>
+            <a:endCxn id="6" idx="1"/>
+          </p:cNvCxnSpPr>
+          <p:nvPr/>
+        </p:nvCxnSpPr>
+        <p:spPr>
+          <a:xfrm>
+            <a:off x="1100138" y="3621881"/>
+            <a:ext cx="779150" cy="63768"/>
+          </a:xfrm>
+          <a:prstGeom prst="straightConnector1">
+            <a:avLst/>
+          </a:prstGeom>
+          <a:ln>
+            <a:tailEnd type="triangle"/>
+          </a:ln>
+        </p:spPr>
+        <p:style>
+          <a:lnRef idx="1">
+            <a:schemeClr val="accent1"/>
+          </a:lnRef>
+          <a:fillRef idx="0">
+            <a:schemeClr val="accent1"/>
+          </a:fillRef>
+          <a:effectRef idx="0">
+            <a:schemeClr val="accent1"/>
+          </a:effectRef>
+          <a:fontRef idx="minor">
+            <a:schemeClr val="tx1"/>
+          </a:fontRef>
+        </p:style>
+      </p:cxnSp>
+      <p:sp>
+        <p:nvSpPr>
+          <p:cNvPr id="20" name="TextBox 19">
+            <a:extLst>
+              <a:ext uri="{FF2B5EF4-FFF2-40B4-BE49-F238E27FC236}">
+                <a16:creationId xmlns:a16="http://schemas.microsoft.com/office/drawing/2014/main" id="{531F28F6-2C7E-4660-8D69-B9D3DD3BAC28}"/>
+              </a:ext>
+            </a:extLst>
+          </p:cNvPr>
+          <p:cNvSpPr txBox="1"/>
+          <p:nvPr/>
+        </p:nvSpPr>
+        <p:spPr>
+          <a:xfrm>
+            <a:off x="2128838" y="1690688"/>
+            <a:ext cx="2364750" cy="369332"/>
+          </a:xfrm>
+          <a:prstGeom prst="rect">
+            <a:avLst/>
+          </a:prstGeom>
+          <a:noFill/>
+        </p:spPr>
+        <p:txBody>
+          <a:bodyPr wrap="none" rtlCol="0">
+            <a:spAutoFit/>
+          </a:bodyPr>
+          <a:lstStyle/>
+          <a:p>
+            <a:r>
+              <a:rPr lang="en-US" dirty="0" err="1"/>
+              <a:t>Logstash</a:t>
+            </a:r>
+            <a:r>
+              <a:rPr lang="en-US" dirty="0"/>
+              <a:t>/Beats Process</a:t>
+            </a:r>
+          </a:p>
+        </p:txBody>
+      </p:sp>
+      <p:sp>
+        <p:nvSpPr>
+          <p:cNvPr id="21" name="TextBox 20">
+            <a:extLst>
+              <a:ext uri="{FF2B5EF4-FFF2-40B4-BE49-F238E27FC236}">
+                <a16:creationId xmlns:a16="http://schemas.microsoft.com/office/drawing/2014/main" id="{24674445-1536-4981-965D-32C40F2AC2E9}"/>
+              </a:ext>
+            </a:extLst>
+          </p:cNvPr>
+          <p:cNvSpPr txBox="1"/>
+          <p:nvPr/>
+        </p:nvSpPr>
+        <p:spPr>
+          <a:xfrm>
+            <a:off x="2043113" y="5536406"/>
+            <a:ext cx="8976175" cy="923330"/>
+          </a:xfrm>
+          <a:prstGeom prst="rect">
+            <a:avLst/>
+          </a:prstGeom>
+          <a:noFill/>
+        </p:spPr>
+        <p:txBody>
+          <a:bodyPr wrap="none" rtlCol="0">
+            <a:spAutoFit/>
+          </a:bodyPr>
+          <a:lstStyle/>
+          <a:p>
+            <a:r>
+              <a:rPr lang="en-US" dirty="0" err="1"/>
+              <a:t>Logstash</a:t>
+            </a:r>
+            <a:r>
+              <a:rPr lang="en-US" dirty="0"/>
+              <a:t> process consists of plugins that process logfiles with grep like processing.</a:t>
+            </a:r>
+          </a:p>
+          <a:p>
+            <a:r>
+              <a:rPr lang="en-US" dirty="0"/>
+              <a:t>Plugs can feed other plugins.  The end result is a </a:t>
+            </a:r>
+            <a:r>
+              <a:rPr lang="en-US" dirty="0" err="1"/>
+              <a:t>json</a:t>
+            </a:r>
+            <a:r>
+              <a:rPr lang="en-US" dirty="0"/>
+              <a:t> object that is stored in the Elastic Search</a:t>
+            </a:r>
+          </a:p>
+          <a:p>
+            <a:r>
+              <a:rPr lang="en-US" dirty="0"/>
+              <a:t>Database.</a:t>
+            </a:r>
+          </a:p>
+        </p:txBody>
+      </p:sp>
+      <p:cxnSp>
+        <p:nvCxnSpPr>
+          <p:cNvPr id="5" name="Straight Arrow Connector 4">
+            <a:extLst>
+              <a:ext uri="{FF2B5EF4-FFF2-40B4-BE49-F238E27FC236}">
+                <a16:creationId xmlns:a16="http://schemas.microsoft.com/office/drawing/2014/main" id="{F0403623-94E8-4B2F-BD99-AB60BD175406}"/>
+              </a:ext>
+            </a:extLst>
+          </p:cNvPr>
+          <p:cNvCxnSpPr>
+            <a:stCxn id="6" idx="1"/>
+          </p:cNvCxnSpPr>
+          <p:nvPr/>
+        </p:nvCxnSpPr>
+        <p:spPr>
+          <a:xfrm flipV="1">
+            <a:off x="1879288" y="3221831"/>
+            <a:ext cx="249550" cy="463818"/>
+          </a:xfrm>
+          <a:prstGeom prst="straightConnector1">
+            <a:avLst/>
+          </a:prstGeom>
+          <a:ln>
+            <a:tailEnd type="triangle"/>
+          </a:ln>
+        </p:spPr>
+        <p:style>
+          <a:lnRef idx="1">
+            <a:schemeClr val="accent1"/>
+          </a:lnRef>
+          <a:fillRef idx="0">
+            <a:schemeClr val="accent1"/>
+          </a:fillRef>
+          <a:effectRef idx="0">
+            <a:schemeClr val="accent1"/>
+          </a:effectRef>
+          <a:fontRef idx="minor">
+            <a:schemeClr val="tx1"/>
+          </a:fontRef>
+        </p:style>
+      </p:cxnSp>
+      <p:cxnSp>
+        <p:nvCxnSpPr>
+          <p:cNvPr id="14" name="Straight Arrow Connector 13">
+            <a:extLst>
+              <a:ext uri="{FF2B5EF4-FFF2-40B4-BE49-F238E27FC236}">
+                <a16:creationId xmlns:a16="http://schemas.microsoft.com/office/drawing/2014/main" id="{C20EE535-DEB7-43E7-B9B5-8DC5E26016C7}"/>
+              </a:ext>
+            </a:extLst>
+          </p:cNvPr>
+          <p:cNvCxnSpPr>
+            <a:stCxn id="6" idx="1"/>
+            <a:endCxn id="8" idx="1"/>
+          </p:cNvCxnSpPr>
+          <p:nvPr/>
+        </p:nvCxnSpPr>
+        <p:spPr>
+          <a:xfrm>
+            <a:off x="1879288" y="3685649"/>
+            <a:ext cx="513868" cy="507733"/>
+          </a:xfrm>
+          <a:prstGeom prst="straightConnector1">
+            <a:avLst/>
+          </a:prstGeom>
+          <a:ln>
+            <a:tailEnd type="triangle"/>
+          </a:ln>
+        </p:spPr>
+        <p:style>
+          <a:lnRef idx="1">
+            <a:schemeClr val="accent1"/>
+          </a:lnRef>
+          <a:fillRef idx="0">
+            <a:schemeClr val="accent1"/>
+          </a:fillRef>
+          <a:effectRef idx="0">
+            <a:schemeClr val="accent1"/>
+          </a:effectRef>
+          <a:fontRef idx="minor">
+            <a:schemeClr val="tx1"/>
+          </a:fontRef>
+        </p:style>
+      </p:cxnSp>
+      <p:cxnSp>
+        <p:nvCxnSpPr>
+          <p:cNvPr id="18" name="Straight Arrow Connector 17">
+            <a:extLst>
+              <a:ext uri="{FF2B5EF4-FFF2-40B4-BE49-F238E27FC236}">
+                <a16:creationId xmlns:a16="http://schemas.microsoft.com/office/drawing/2014/main" id="{3CE03157-1BEF-4348-94E0-8E74B892F0A2}"/>
+              </a:ext>
+            </a:extLst>
+          </p:cNvPr>
+          <p:cNvCxnSpPr>
+            <a:endCxn id="9" idx="1"/>
+          </p:cNvCxnSpPr>
+          <p:nvPr/>
+        </p:nvCxnSpPr>
+        <p:spPr>
+          <a:xfrm>
+            <a:off x="2907506" y="3082565"/>
+            <a:ext cx="792957" cy="157126"/>
+          </a:xfrm>
+          <a:prstGeom prst="straightConnector1">
+            <a:avLst/>
+          </a:prstGeom>
+          <a:ln>
+            <a:tailEnd type="triangle"/>
+          </a:ln>
+        </p:spPr>
+        <p:style>
+          <a:lnRef idx="1">
+            <a:schemeClr val="accent1"/>
+          </a:lnRef>
+          <a:fillRef idx="0">
+            <a:schemeClr val="accent1"/>
+          </a:fillRef>
+          <a:effectRef idx="0">
+            <a:schemeClr val="accent1"/>
+          </a:effectRef>
+          <a:fontRef idx="minor">
+            <a:schemeClr val="tx1"/>
+          </a:fontRef>
+        </p:style>
+      </p:cxnSp>
+      <p:cxnSp>
+        <p:nvCxnSpPr>
+          <p:cNvPr id="23" name="Straight Arrow Connector 22">
+            <a:extLst>
+              <a:ext uri="{FF2B5EF4-FFF2-40B4-BE49-F238E27FC236}">
+                <a16:creationId xmlns:a16="http://schemas.microsoft.com/office/drawing/2014/main" id="{72B1F93A-00AD-41F4-A8D4-7F542502C4B4}"/>
+              </a:ext>
+            </a:extLst>
+          </p:cNvPr>
+          <p:cNvCxnSpPr>
+            <a:endCxn id="10" idx="1"/>
+          </p:cNvCxnSpPr>
+          <p:nvPr/>
+        </p:nvCxnSpPr>
+        <p:spPr>
+          <a:xfrm>
+            <a:off x="3043238" y="4317476"/>
+            <a:ext cx="628650" cy="4493"/>
+          </a:xfrm>
+          <a:prstGeom prst="straightConnector1">
+            <a:avLst/>
+          </a:prstGeom>
+          <a:ln>
+            <a:tailEnd type="triangle"/>
+          </a:ln>
+        </p:spPr>
+        <p:style>
+          <a:lnRef idx="1">
+            <a:schemeClr val="accent1"/>
+          </a:lnRef>
+          <a:fillRef idx="0">
+            <a:schemeClr val="accent1"/>
+          </a:fillRef>
+          <a:effectRef idx="0">
+            <a:schemeClr val="accent1"/>
+          </a:effectRef>
+          <a:fontRef idx="minor">
+            <a:schemeClr val="tx1"/>
+          </a:fontRef>
+        </p:style>
+      </p:cxnSp>
+      <p:cxnSp>
+        <p:nvCxnSpPr>
+          <p:cNvPr id="25" name="Straight Arrow Connector 24">
+            <a:extLst>
+              <a:ext uri="{FF2B5EF4-FFF2-40B4-BE49-F238E27FC236}">
+                <a16:creationId xmlns:a16="http://schemas.microsoft.com/office/drawing/2014/main" id="{B3A4AAFF-B099-4A28-8324-A411E44F1A83}"/>
+              </a:ext>
+            </a:extLst>
+          </p:cNvPr>
+          <p:cNvCxnSpPr/>
+          <p:nvPr/>
+        </p:nvCxnSpPr>
+        <p:spPr>
+          <a:xfrm>
+            <a:off x="4743450" y="3429000"/>
+            <a:ext cx="884352" cy="0"/>
+          </a:xfrm>
+          <a:prstGeom prst="straightConnector1">
+            <a:avLst/>
+          </a:prstGeom>
+          <a:ln>
+            <a:tailEnd type="triangle"/>
+          </a:ln>
+        </p:spPr>
+        <p:style>
+          <a:lnRef idx="1">
+            <a:schemeClr val="accent1"/>
+          </a:lnRef>
+          <a:fillRef idx="0">
+            <a:schemeClr val="accent1"/>
+          </a:fillRef>
+          <a:effectRef idx="0">
+            <a:schemeClr val="accent1"/>
+          </a:effectRef>
+          <a:fontRef idx="minor">
+            <a:schemeClr val="tx1"/>
+          </a:fontRef>
+        </p:style>
+      </p:cxnSp>
     </p:spTree>
     <p:extLst>
       <p:ext uri="{BB962C8B-B14F-4D97-AF65-F5344CB8AC3E}">
-        <p14:creationId xmlns:p14="http://schemas.microsoft.com/office/powerpoint/2010/main" val="651243790"/>
+        <p14:creationId xmlns:p14="http://schemas.microsoft.com/office/powerpoint/2010/main" val="3928605181"/>
       </p:ext>
     </p:extLst>
   </p:cSld>
@@ -3586,7 +4294,7 @@
           <p:cNvPr id="2" name="Title 1">
             <a:extLst>
               <a:ext uri="{FF2B5EF4-FFF2-40B4-BE49-F238E27FC236}">
-                <a16:creationId xmlns:a16="http://schemas.microsoft.com/office/drawing/2014/main" id="{7D731456-F001-4AA7-B82E-657B834D5BEB}"/>
+                <a16:creationId xmlns:a16="http://schemas.microsoft.com/office/drawing/2014/main" id="{DB21D056-5BDA-4C3C-AB59-CBD54724F8A8}"/>
               </a:ext>
             </a:extLst>
           </p:cNvPr>
@@ -3604,89 +4312,84 @@
           <a:p>
             <a:r>
               <a:rPr lang="en-US" dirty="0"/>
-              <a:t>Nano Data Center Track</a:t>
-            </a:r>
-          </a:p>
-        </p:txBody>
-      </p:sp>
-      <p:sp>
-        <p:nvSpPr>
-          <p:cNvPr id="3" name="Content Placeholder 2">
-            <a:extLst>
-              <a:ext uri="{FF2B5EF4-FFF2-40B4-BE49-F238E27FC236}">
-                <a16:creationId xmlns:a16="http://schemas.microsoft.com/office/drawing/2014/main" id="{DBC6E779-FBEC-4817-8A3E-0E308A7517AA}"/>
-              </a:ext>
-            </a:extLst>
-          </p:cNvPr>
-          <p:cNvSpPr>
-            <a:spLocks noGrp="1"/>
-          </p:cNvSpPr>
-          <p:nvPr>
-            <p:ph idx="1"/>
-          </p:nvPr>
-        </p:nvSpPr>
-        <p:spPr/>
-        <p:txBody>
-          <a:bodyPr>
-            <a:normAutofit lnSpcReduction="10000"/>
+              <a:t>Graphical Data Bases</a:t>
+            </a:r>
+          </a:p>
+        </p:txBody>
+      </p:sp>
+      <p:pic>
+        <p:nvPicPr>
+          <p:cNvPr id="5" name="Picture 4">
+            <a:extLst>
+              <a:ext uri="{FF2B5EF4-FFF2-40B4-BE49-F238E27FC236}">
+                <a16:creationId xmlns:a16="http://schemas.microsoft.com/office/drawing/2014/main" id="{32D3130A-6B77-482A-B7DB-E116C8227780}"/>
+              </a:ext>
+            </a:extLst>
+          </p:cNvPr>
+          <p:cNvPicPr>
+            <a:picLocks noChangeAspect="1"/>
+          </p:cNvPicPr>
+          <p:nvPr/>
+        </p:nvPicPr>
+        <p:blipFill>
+          <a:blip r:embed="rId2">
+            <a:extLst>
+              <a:ext uri="{28A0092B-C50C-407E-A947-70E740481C1C}">
+                <a14:useLocalDpi xmlns:a14="http://schemas.microsoft.com/office/drawing/2010/main" val="0"/>
+              </a:ext>
+            </a:extLst>
+          </a:blip>
+          <a:stretch>
+            <a:fillRect/>
+          </a:stretch>
+        </p:blipFill>
+        <p:spPr>
+          <a:xfrm>
+            <a:off x="985936" y="1993106"/>
+            <a:ext cx="5563599" cy="3589785"/>
+          </a:xfrm>
+          <a:prstGeom prst="rect">
+            <a:avLst/>
+          </a:prstGeom>
+        </p:spPr>
+      </p:pic>
+      <p:sp>
+        <p:nvSpPr>
+          <p:cNvPr id="6" name="TextBox 5">
+            <a:extLst>
+              <a:ext uri="{FF2B5EF4-FFF2-40B4-BE49-F238E27FC236}">
+                <a16:creationId xmlns:a16="http://schemas.microsoft.com/office/drawing/2014/main" id="{B27F8EB6-46DE-414B-A961-8B4EA2CD7089}"/>
+              </a:ext>
+            </a:extLst>
+          </p:cNvPr>
+          <p:cNvSpPr txBox="1"/>
+          <p:nvPr/>
+        </p:nvSpPr>
+        <p:spPr>
+          <a:xfrm>
+            <a:off x="7272338" y="2185988"/>
+            <a:ext cx="3649012" cy="923330"/>
+          </a:xfrm>
+          <a:prstGeom prst="rect">
+            <a:avLst/>
+          </a:prstGeom>
+          <a:noFill/>
+        </p:spPr>
+        <p:txBody>
+          <a:bodyPr wrap="none" rtlCol="0">
+            <a:spAutoFit/>
           </a:bodyPr>
           <a:lstStyle/>
           <a:p>
             <a:r>
               <a:rPr lang="en-US" dirty="0"/>
-              <a:t>What are the Pieces in a Data Center</a:t>
-            </a:r>
-          </a:p>
-          <a:p>
-            <a:r>
-              <a:rPr lang="en-US" dirty="0" err="1"/>
-              <a:t>Redis</a:t>
-            </a:r>
-            <a:r>
-              <a:rPr lang="en-US" dirty="0"/>
-              <a:t> as the basis of the Nano Data Center</a:t>
-            </a:r>
-          </a:p>
-          <a:p>
-            <a:r>
-              <a:rPr lang="en-US" dirty="0"/>
-              <a:t>Graphical Data Bases</a:t>
-            </a:r>
-          </a:p>
-          <a:p>
-            <a:r>
-              <a:rPr lang="en-US" dirty="0"/>
-              <a:t>Logs and Text Search</a:t>
-            </a:r>
-          </a:p>
-          <a:p>
-            <a:r>
-              <a:rPr lang="en-US" dirty="0"/>
-              <a:t>Web Backend and Web Frontend Basics</a:t>
-            </a:r>
-          </a:p>
-          <a:p>
-            <a:r>
-              <a:rPr lang="en-US" dirty="0"/>
-              <a:t>Application or process support</a:t>
-            </a:r>
-          </a:p>
-          <a:p>
-            <a:r>
-              <a:rPr lang="en-US" dirty="0"/>
-              <a:t>Docker Integration</a:t>
-            </a:r>
-          </a:p>
-          <a:p>
-            <a:r>
-              <a:rPr lang="en-US" dirty="0"/>
-              <a:t>Alexa Integration</a:t>
-            </a:r>
-          </a:p>
-          <a:p>
-            <a:r>
-              <a:rPr lang="en-US" dirty="0"/>
-              <a:t>Start Cloud Track</a:t>
+              <a:t>Note the Node is a python dictionary</a:t>
+            </a:r>
+          </a:p>
+          <a:p>
+            <a:r>
+              <a:rPr lang="en-US" dirty="0"/>
+              <a:t>Note the Label is a python dictionary</a:t>
             </a:r>
           </a:p>
           <a:p>
@@ -3697,7 +4400,7 @@
     </p:spTree>
     <p:extLst>
       <p:ext uri="{BB962C8B-B14F-4D97-AF65-F5344CB8AC3E}">
-        <p14:creationId xmlns:p14="http://schemas.microsoft.com/office/powerpoint/2010/main" val="1186233184"/>
+        <p14:creationId xmlns:p14="http://schemas.microsoft.com/office/powerpoint/2010/main" val="2301286660"/>
       </p:ext>
     </p:extLst>
   </p:cSld>
@@ -3729,7 +4432,7 @@
           <p:cNvPr id="2" name="Title 1">
             <a:extLst>
               <a:ext uri="{FF2B5EF4-FFF2-40B4-BE49-F238E27FC236}">
-                <a16:creationId xmlns:a16="http://schemas.microsoft.com/office/drawing/2014/main" id="{FB060020-6A98-4230-AF7B-87928013E665}"/>
+                <a16:creationId xmlns:a16="http://schemas.microsoft.com/office/drawing/2014/main" id="{05186DD6-94C0-4AFA-822B-75539CE76ABA}"/>
               </a:ext>
             </a:extLst>
           </p:cNvPr>
@@ -3747,7 +4450,7 @@
           <a:p>
             <a:r>
               <a:rPr lang="en-US" dirty="0"/>
-              <a:t>Embedded Track</a:t>
+              <a:t>Restrictions On Data Center Graphs</a:t>
             </a:r>
           </a:p>
         </p:txBody>
@@ -3757,7 +4460,7 @@
           <p:cNvPr id="3" name="Content Placeholder 2">
             <a:extLst>
               <a:ext uri="{FF2B5EF4-FFF2-40B4-BE49-F238E27FC236}">
-                <a16:creationId xmlns:a16="http://schemas.microsoft.com/office/drawing/2014/main" id="{67A6CE67-6621-4C30-A2C5-6AA49149E5B0}"/>
+                <a16:creationId xmlns:a16="http://schemas.microsoft.com/office/drawing/2014/main" id="{8FED7137-6681-4F94-9B14-3FEFDD1DE996}"/>
               </a:ext>
             </a:extLst>
           </p:cNvPr>
@@ -3768,113 +4471,68 @@
             <p:ph idx="1"/>
           </p:nvPr>
         </p:nvSpPr>
-        <p:spPr/>
+        <p:spPr>
+          <a:xfrm>
+            <a:off x="838200" y="1825625"/>
+            <a:ext cx="10515600" cy="4667250"/>
+          </a:xfrm>
+        </p:spPr>
         <p:txBody>
           <a:bodyPr>
-            <a:normAutofit fontScale="92500" lnSpcReduction="20000"/>
+            <a:normAutofit fontScale="25000" lnSpcReduction="20000"/>
           </a:bodyPr>
           <a:lstStyle/>
           <a:p>
             <a:r>
-              <a:rPr lang="en-US" dirty="0"/>
-              <a:t>Rules of the Game</a:t>
+              <a:rPr lang="en-US" sz="14400" dirty="0"/>
+              <a:t>The graph is a directed graph</a:t>
             </a:r>
           </a:p>
           <a:p>
             <a:pPr lvl="1"/>
             <a:r>
-              <a:rPr lang="en-US" dirty="0"/>
-              <a:t>Get Prototype out as fast as possible</a:t>
+              <a:rPr lang="en-US" sz="14400" dirty="0"/>
+              <a:t>The traversal of the graph is in one direction</a:t>
+            </a:r>
+          </a:p>
+          <a:p>
+            <a:r>
+              <a:rPr lang="en-US" sz="14400" dirty="0"/>
+              <a:t>The graph is restricted to a tree structure</a:t>
             </a:r>
           </a:p>
           <a:p>
             <a:pPr lvl="1"/>
             <a:r>
-              <a:rPr lang="en-US" dirty="0"/>
-              <a:t>Minimize NRE</a:t>
+              <a:rPr lang="en-US" sz="14400" dirty="0"/>
+              <a:t>A node can only be linked by one relationship</a:t>
             </a:r>
           </a:p>
           <a:p>
             <a:pPr lvl="1"/>
             <a:r>
-              <a:rPr lang="en-US" dirty="0"/>
-              <a:t>Develop as little as possible</a:t>
-            </a:r>
-          </a:p>
-          <a:p>
-            <a:r>
-              <a:rPr lang="en-US" dirty="0"/>
-              <a:t>Types of IOT Environments</a:t>
+              <a:rPr lang="en-US" sz="14400" dirty="0"/>
+              <a:t>A node can link to an indeterminate number of nodes</a:t>
             </a:r>
           </a:p>
           <a:p>
             <a:pPr lvl="1"/>
             <a:r>
-              <a:rPr lang="en-US" dirty="0"/>
-              <a:t>State of Power</a:t>
-            </a:r>
-          </a:p>
-          <a:p>
-            <a:pPr lvl="2"/>
-            <a:r>
-              <a:rPr lang="en-US" dirty="0"/>
-              <a:t>Electrical Power</a:t>
-            </a:r>
-          </a:p>
-          <a:p>
-            <a:pPr lvl="2"/>
-            <a:r>
-              <a:rPr lang="en-US" dirty="0"/>
-              <a:t>No Electrical Power</a:t>
+              <a:rPr lang="en-US" sz="14400" dirty="0"/>
+              <a:t>The graph becomes one like SNMP</a:t>
+            </a:r>
+          </a:p>
+          <a:p>
+            <a:r>
+              <a:rPr lang="en-US" sz="14400" dirty="0"/>
+              <a:t>The graph is static.  Once created it is not changed.  </a:t>
             </a:r>
           </a:p>
           <a:p>
             <a:pPr lvl="1"/>
             <a:r>
-              <a:rPr lang="en-US" dirty="0"/>
-              <a:t>Internet Communication</a:t>
-            </a:r>
-          </a:p>
-          <a:p>
-            <a:pPr lvl="2"/>
-            <a:r>
-              <a:rPr lang="en-US" dirty="0"/>
-              <a:t>Internet Connectivity</a:t>
-            </a:r>
-          </a:p>
-          <a:p>
-            <a:pPr lvl="2"/>
-            <a:r>
-              <a:rPr lang="en-US" dirty="0"/>
-              <a:t>Cell Phone Connectivity</a:t>
-            </a:r>
-          </a:p>
-          <a:p>
-            <a:pPr lvl="2"/>
-            <a:r>
-              <a:rPr lang="en-US" dirty="0"/>
-              <a:t>No Cell Phone Connectivity</a:t>
-            </a:r>
-          </a:p>
-          <a:p>
-            <a:pPr lvl="3"/>
-            <a:r>
-              <a:rPr lang="en-US" dirty="0"/>
-              <a:t>Mesh Networks and </a:t>
-            </a:r>
-            <a:r>
-              <a:rPr lang="en-US" dirty="0" err="1"/>
-              <a:t>LoRa</a:t>
-            </a:r>
-            <a:endParaRPr lang="en-US" dirty="0"/>
-          </a:p>
-          <a:p>
-            <a:pPr marL="457200" lvl="1" indent="0">
-              <a:buNone/>
-            </a:pPr>
-            <a:r>
-              <a:rPr lang="en-US" dirty="0"/>
-              <a:t>	</a:t>
+              <a:rPr lang="en-US" sz="14400" dirty="0"/>
+              <a:t>To change the graph requires deleting the graph and recreating the graph</a:t>
             </a:r>
           </a:p>
         </p:txBody>
@@ -3882,7 +4540,7 @@
     </p:spTree>
     <p:extLst>
       <p:ext uri="{BB962C8B-B14F-4D97-AF65-F5344CB8AC3E}">
-        <p14:creationId xmlns:p14="http://schemas.microsoft.com/office/powerpoint/2010/main" val="184499325"/>
+        <p14:creationId xmlns:p14="http://schemas.microsoft.com/office/powerpoint/2010/main" val="4203995866"/>
       </p:ext>
     </p:extLst>
   </p:cSld>
@@ -3914,7 +4572,7 @@
           <p:cNvPr id="2" name="Title 1">
             <a:extLst>
               <a:ext uri="{FF2B5EF4-FFF2-40B4-BE49-F238E27FC236}">
-                <a16:creationId xmlns:a16="http://schemas.microsoft.com/office/drawing/2014/main" id="{D2788C3B-34A3-4492-BFD0-467F0C60704C}"/>
+                <a16:creationId xmlns:a16="http://schemas.microsoft.com/office/drawing/2014/main" id="{C274B725-D2C6-444D-9859-E33A87594ECE}"/>
               </a:ext>
             </a:extLst>
           </p:cNvPr>
@@ -3932,101 +4590,356 @@
           <a:p>
             <a:r>
               <a:rPr lang="en-US" dirty="0"/>
-              <a:t>Embedded Track Continued</a:t>
-            </a:r>
-          </a:p>
-        </p:txBody>
-      </p:sp>
-      <p:sp>
-        <p:nvSpPr>
-          <p:cNvPr id="3" name="Content Placeholder 2">
-            <a:extLst>
-              <a:ext uri="{FF2B5EF4-FFF2-40B4-BE49-F238E27FC236}">
-                <a16:creationId xmlns:a16="http://schemas.microsoft.com/office/drawing/2014/main" id="{A0836136-C0D7-4117-9939-2DE759FEEC3F}"/>
-              </a:ext>
-            </a:extLst>
-          </p:cNvPr>
-          <p:cNvSpPr>
-            <a:spLocks noGrp="1"/>
-          </p:cNvSpPr>
-          <p:nvPr>
-            <p:ph idx="1"/>
-          </p:nvPr>
-        </p:nvSpPr>
-        <p:spPr/>
-        <p:txBody>
-          <a:bodyPr/>
-          <a:lstStyle/>
-          <a:p>
-            <a:r>
-              <a:rPr lang="en-US" dirty="0"/>
-              <a:t>Selection of Processors and Architectures</a:t>
-            </a:r>
-          </a:p>
-          <a:p>
-            <a:r>
-              <a:rPr lang="en-US" dirty="0"/>
-              <a:t>Packaging for deployment</a:t>
-            </a:r>
-          </a:p>
-          <a:p>
-            <a:r>
-              <a:rPr lang="en-US" dirty="0"/>
-              <a:t>Introduction to PLC’s</a:t>
-            </a:r>
-          </a:p>
-          <a:p>
-            <a:r>
-              <a:rPr lang="en-US" dirty="0"/>
-              <a:t>Introduction to pi zero w as an IOT device</a:t>
-            </a:r>
-          </a:p>
-          <a:p>
-            <a:r>
-              <a:rPr lang="en-US" dirty="0"/>
-              <a:t>Introduction to ESP32 as on IOT device</a:t>
-            </a:r>
-          </a:p>
-          <a:p>
-            <a:pPr lvl="1"/>
+              <a:t>Example of Tree Structured Graph</a:t>
+            </a:r>
+          </a:p>
+        </p:txBody>
+      </p:sp>
+      <p:sp>
+        <p:nvSpPr>
+          <p:cNvPr id="4" name="TextBox 3">
+            <a:extLst>
+              <a:ext uri="{FF2B5EF4-FFF2-40B4-BE49-F238E27FC236}">
+                <a16:creationId xmlns:a16="http://schemas.microsoft.com/office/drawing/2014/main" id="{9D68AA7C-394A-42CB-B764-2CE5AFE9F2A0}"/>
+              </a:ext>
+            </a:extLst>
+          </p:cNvPr>
+          <p:cNvSpPr txBox="1"/>
+          <p:nvPr/>
+        </p:nvSpPr>
+        <p:spPr>
+          <a:xfrm>
+            <a:off x="3886271" y="2572129"/>
+            <a:ext cx="1262965" cy="369332"/>
+          </a:xfrm>
+          <a:prstGeom prst="rect">
+            <a:avLst/>
+          </a:prstGeom>
+          <a:noFill/>
+        </p:spPr>
+        <p:txBody>
+          <a:bodyPr wrap="square" rtlCol="0">
+            <a:spAutoFit/>
+          </a:bodyPr>
+          <a:lstStyle/>
+          <a:p>
+            <a:r>
+              <a:rPr lang="en-US" dirty="0"/>
+              <a:t>Head Node</a:t>
+            </a:r>
+          </a:p>
+        </p:txBody>
+      </p:sp>
+      <p:sp>
+        <p:nvSpPr>
+          <p:cNvPr id="5" name="TextBox 4">
+            <a:extLst>
+              <a:ext uri="{FF2B5EF4-FFF2-40B4-BE49-F238E27FC236}">
+                <a16:creationId xmlns:a16="http://schemas.microsoft.com/office/drawing/2014/main" id="{8E9C210F-E36A-4B99-B452-72A28AB32A8F}"/>
+              </a:ext>
+            </a:extLst>
+          </p:cNvPr>
+          <p:cNvSpPr txBox="1"/>
+          <p:nvPr/>
+        </p:nvSpPr>
+        <p:spPr>
+          <a:xfrm>
+            <a:off x="1871985" y="3501822"/>
+            <a:ext cx="1265090" cy="369332"/>
+          </a:xfrm>
+          <a:prstGeom prst="rect">
+            <a:avLst/>
+          </a:prstGeom>
+          <a:noFill/>
+        </p:spPr>
+        <p:txBody>
+          <a:bodyPr wrap="none" rtlCol="0">
+            <a:spAutoFit/>
+          </a:bodyPr>
+          <a:lstStyle/>
+          <a:p>
+            <a:r>
+              <a:rPr lang="en-US" dirty="0"/>
+              <a:t>Sub Node 1</a:t>
+            </a:r>
+          </a:p>
+        </p:txBody>
+      </p:sp>
+      <p:sp>
+        <p:nvSpPr>
+          <p:cNvPr id="6" name="TextBox 5">
+            <a:extLst>
+              <a:ext uri="{FF2B5EF4-FFF2-40B4-BE49-F238E27FC236}">
+                <a16:creationId xmlns:a16="http://schemas.microsoft.com/office/drawing/2014/main" id="{2F710850-D594-451C-BEC7-004E732E76EB}"/>
+              </a:ext>
+            </a:extLst>
+          </p:cNvPr>
+          <p:cNvSpPr txBox="1"/>
+          <p:nvPr/>
+        </p:nvSpPr>
+        <p:spPr>
+          <a:xfrm>
+            <a:off x="3698912" y="3462857"/>
+            <a:ext cx="1265090" cy="369332"/>
+          </a:xfrm>
+          <a:prstGeom prst="rect">
+            <a:avLst/>
+          </a:prstGeom>
+          <a:noFill/>
+        </p:spPr>
+        <p:txBody>
+          <a:bodyPr wrap="none" rtlCol="0">
+            <a:spAutoFit/>
+          </a:bodyPr>
+          <a:lstStyle/>
+          <a:p>
+            <a:r>
+              <a:rPr lang="en-US" dirty="0"/>
+              <a:t>Sub Node 2</a:t>
+            </a:r>
+          </a:p>
+        </p:txBody>
+      </p:sp>
+      <p:sp>
+        <p:nvSpPr>
+          <p:cNvPr id="7" name="TextBox 6">
+            <a:extLst>
+              <a:ext uri="{FF2B5EF4-FFF2-40B4-BE49-F238E27FC236}">
+                <a16:creationId xmlns:a16="http://schemas.microsoft.com/office/drawing/2014/main" id="{B728F3D1-22C4-411D-9932-E442A98D559F}"/>
+              </a:ext>
+            </a:extLst>
+          </p:cNvPr>
+          <p:cNvSpPr txBox="1"/>
+          <p:nvPr/>
+        </p:nvSpPr>
+        <p:spPr>
+          <a:xfrm>
+            <a:off x="5463724" y="3446877"/>
+            <a:ext cx="1333001" cy="369332"/>
+          </a:xfrm>
+          <a:prstGeom prst="rect">
+            <a:avLst/>
+          </a:prstGeom>
+          <a:noFill/>
+        </p:spPr>
+        <p:txBody>
+          <a:bodyPr wrap="square" rtlCol="0">
+            <a:spAutoFit/>
+          </a:bodyPr>
+          <a:lstStyle/>
+          <a:p>
+            <a:r>
+              <a:rPr lang="en-US" dirty="0"/>
+              <a:t>Sub Node 3</a:t>
+            </a:r>
+          </a:p>
+        </p:txBody>
+      </p:sp>
+      <p:sp>
+        <p:nvSpPr>
+          <p:cNvPr id="8" name="TextBox 7">
+            <a:extLst>
+              <a:ext uri="{FF2B5EF4-FFF2-40B4-BE49-F238E27FC236}">
+                <a16:creationId xmlns:a16="http://schemas.microsoft.com/office/drawing/2014/main" id="{7FA6925A-C955-4A3F-8BC8-C7041132D3D4}"/>
+              </a:ext>
+            </a:extLst>
+          </p:cNvPr>
+          <p:cNvSpPr txBox="1"/>
+          <p:nvPr/>
+        </p:nvSpPr>
+        <p:spPr>
+          <a:xfrm>
+            <a:off x="1453739" y="4708195"/>
+            <a:ext cx="1667444" cy="369332"/>
+          </a:xfrm>
+          <a:prstGeom prst="rect">
+            <a:avLst/>
+          </a:prstGeom>
+          <a:noFill/>
+        </p:spPr>
+        <p:txBody>
+          <a:bodyPr wrap="none" rtlCol="0">
+            <a:spAutoFit/>
+          </a:bodyPr>
+          <a:lstStyle/>
+          <a:p>
+            <a:r>
+              <a:rPr lang="en-US" dirty="0"/>
+              <a:t>Sub </a:t>
+            </a:r>
             <a:r>
               <a:rPr lang="en-US" dirty="0" err="1"/>
-              <a:t>Micropython</a:t>
-            </a:r>
-            <a:r>
-              <a:rPr lang="en-US" dirty="0"/>
-              <a:t> , </a:t>
-            </a:r>
-            <a:r>
-              <a:rPr lang="en-US" dirty="0" err="1"/>
-              <a:t>Audrino</a:t>
-            </a:r>
-            <a:r>
-              <a:rPr lang="en-US" dirty="0"/>
-              <a:t>, or Lua which is the best environment?</a:t>
-            </a:r>
-          </a:p>
-          <a:p>
-            <a:r>
-              <a:rPr lang="en-US" dirty="0"/>
-              <a:t>Embedded Software Development techniques</a:t>
-            </a:r>
-          </a:p>
-          <a:p>
-            <a:pPr marL="0" indent="0">
-              <a:buNone/>
-            </a:pPr>
-            <a:endParaRPr lang="en-US" dirty="0"/>
-          </a:p>
-          <a:p>
-            <a:endParaRPr lang="en-US" dirty="0"/>
-          </a:p>
-        </p:txBody>
-      </p:sp>
+              <a:t>Sub</a:t>
+            </a:r>
+            <a:r>
+              <a:rPr lang="en-US" dirty="0"/>
+              <a:t> Node 1</a:t>
+            </a:r>
+          </a:p>
+        </p:txBody>
+      </p:sp>
+      <p:cxnSp>
+        <p:nvCxnSpPr>
+          <p:cNvPr id="19" name="Straight Arrow Connector 18">
+            <a:extLst>
+              <a:ext uri="{FF2B5EF4-FFF2-40B4-BE49-F238E27FC236}">
+                <a16:creationId xmlns:a16="http://schemas.microsoft.com/office/drawing/2014/main" id="{06A52891-7AB4-49ED-86C7-980E3C3C5912}"/>
+              </a:ext>
+            </a:extLst>
+          </p:cNvPr>
+          <p:cNvCxnSpPr/>
+          <p:nvPr/>
+        </p:nvCxnSpPr>
+        <p:spPr>
+          <a:xfrm flipH="1">
+            <a:off x="2762054" y="2941461"/>
+            <a:ext cx="1569403" cy="560361"/>
+          </a:xfrm>
+          <a:prstGeom prst="straightConnector1">
+            <a:avLst/>
+          </a:prstGeom>
+          <a:ln>
+            <a:tailEnd type="triangle"/>
+          </a:ln>
+        </p:spPr>
+        <p:style>
+          <a:lnRef idx="1">
+            <a:schemeClr val="accent1"/>
+          </a:lnRef>
+          <a:fillRef idx="0">
+            <a:schemeClr val="accent1"/>
+          </a:fillRef>
+          <a:effectRef idx="0">
+            <a:schemeClr val="accent1"/>
+          </a:effectRef>
+          <a:fontRef idx="minor">
+            <a:schemeClr val="tx1"/>
+          </a:fontRef>
+        </p:style>
+      </p:cxnSp>
+      <p:cxnSp>
+        <p:nvCxnSpPr>
+          <p:cNvPr id="21" name="Straight Arrow Connector 20">
+            <a:extLst>
+              <a:ext uri="{FF2B5EF4-FFF2-40B4-BE49-F238E27FC236}">
+                <a16:creationId xmlns:a16="http://schemas.microsoft.com/office/drawing/2014/main" id="{FA94F9AD-00D4-4DCF-B696-329BFFB10A88}"/>
+              </a:ext>
+            </a:extLst>
+          </p:cNvPr>
+          <p:cNvCxnSpPr>
+            <a:stCxn id="4" idx="2"/>
+          </p:cNvCxnSpPr>
+          <p:nvPr/>
+        </p:nvCxnSpPr>
+        <p:spPr>
+          <a:xfrm flipH="1">
+            <a:off x="4517753" y="2941461"/>
+            <a:ext cx="1" cy="505416"/>
+          </a:xfrm>
+          <a:prstGeom prst="straightConnector1">
+            <a:avLst/>
+          </a:prstGeom>
+          <a:ln>
+            <a:tailEnd type="triangle"/>
+          </a:ln>
+        </p:spPr>
+        <p:style>
+          <a:lnRef idx="1">
+            <a:schemeClr val="accent1"/>
+          </a:lnRef>
+          <a:fillRef idx="0">
+            <a:schemeClr val="accent1"/>
+          </a:fillRef>
+          <a:effectRef idx="0">
+            <a:schemeClr val="accent1"/>
+          </a:effectRef>
+          <a:fontRef idx="minor">
+            <a:schemeClr val="tx1"/>
+          </a:fontRef>
+        </p:style>
+      </p:cxnSp>
+      <p:cxnSp>
+        <p:nvCxnSpPr>
+          <p:cNvPr id="23" name="Straight Arrow Connector 22">
+            <a:extLst>
+              <a:ext uri="{FF2B5EF4-FFF2-40B4-BE49-F238E27FC236}">
+                <a16:creationId xmlns:a16="http://schemas.microsoft.com/office/drawing/2014/main" id="{62A4CD8B-8AE8-4D61-9FB1-0CFD751E92CB}"/>
+              </a:ext>
+            </a:extLst>
+          </p:cNvPr>
+          <p:cNvCxnSpPr/>
+          <p:nvPr/>
+        </p:nvCxnSpPr>
+        <p:spPr>
+          <a:xfrm>
+            <a:off x="4897590" y="2949451"/>
+            <a:ext cx="824480" cy="479549"/>
+          </a:xfrm>
+          <a:prstGeom prst="straightConnector1">
+            <a:avLst/>
+          </a:prstGeom>
+          <a:ln>
+            <a:tailEnd type="triangle"/>
+          </a:ln>
+        </p:spPr>
+        <p:style>
+          <a:lnRef idx="1">
+            <a:schemeClr val="accent1"/>
+          </a:lnRef>
+          <a:fillRef idx="0">
+            <a:schemeClr val="accent1"/>
+          </a:fillRef>
+          <a:effectRef idx="0">
+            <a:schemeClr val="accent1"/>
+          </a:effectRef>
+          <a:fontRef idx="minor">
+            <a:schemeClr val="tx1"/>
+          </a:fontRef>
+        </p:style>
+      </p:cxnSp>
+      <p:cxnSp>
+        <p:nvCxnSpPr>
+          <p:cNvPr id="25" name="Straight Arrow Connector 24">
+            <a:extLst>
+              <a:ext uri="{FF2B5EF4-FFF2-40B4-BE49-F238E27FC236}">
+                <a16:creationId xmlns:a16="http://schemas.microsoft.com/office/drawing/2014/main" id="{2E9DEF75-8B76-45F2-AFB6-95AB84359C06}"/>
+              </a:ext>
+            </a:extLst>
+          </p:cNvPr>
+          <p:cNvCxnSpPr/>
+          <p:nvPr/>
+        </p:nvCxnSpPr>
+        <p:spPr>
+          <a:xfrm flipH="1">
+            <a:off x="2026763" y="4015819"/>
+            <a:ext cx="102746" cy="681831"/>
+          </a:xfrm>
+          <a:prstGeom prst="straightConnector1">
+            <a:avLst/>
+          </a:prstGeom>
+          <a:ln>
+            <a:tailEnd type="triangle"/>
+          </a:ln>
+        </p:spPr>
+        <p:style>
+          <a:lnRef idx="1">
+            <a:schemeClr val="accent1"/>
+          </a:lnRef>
+          <a:fillRef idx="0">
+            <a:schemeClr val="accent1"/>
+          </a:fillRef>
+          <a:effectRef idx="0">
+            <a:schemeClr val="accent1"/>
+          </a:effectRef>
+          <a:fontRef idx="minor">
+            <a:schemeClr val="tx1"/>
+          </a:fontRef>
+        </p:style>
+      </p:cxnSp>
     </p:spTree>
     <p:extLst>
       <p:ext uri="{BB962C8B-B14F-4D97-AF65-F5344CB8AC3E}">
-        <p14:creationId xmlns:p14="http://schemas.microsoft.com/office/powerpoint/2010/main" val="1612203911"/>
+        <p14:creationId xmlns:p14="http://schemas.microsoft.com/office/powerpoint/2010/main" val="2164968800"/>
       </p:ext>
     </p:extLst>
   </p:cSld>
@@ -4058,7 +4971,7 @@
           <p:cNvPr id="2" name="Title 1">
             <a:extLst>
               <a:ext uri="{FF2B5EF4-FFF2-40B4-BE49-F238E27FC236}">
-                <a16:creationId xmlns:a16="http://schemas.microsoft.com/office/drawing/2014/main" id="{648C3B4C-DDF8-450B-9BDA-4EFAAEA055BC}"/>
+                <a16:creationId xmlns:a16="http://schemas.microsoft.com/office/drawing/2014/main" id="{2F7E7969-63E6-4C82-A4AD-55FED6E00015}"/>
               </a:ext>
             </a:extLst>
           </p:cNvPr>
@@ -4076,7 +4989,14 @@
           <a:p>
             <a:r>
               <a:rPr lang="en-US" dirty="0"/>
-              <a:t>Suggestions for Improvements to Meetup</a:t>
+              <a:t>SNMP is very hard to understand</a:t>
+            </a:r>
+            <a:br>
+              <a:rPr lang="en-US" dirty="0"/>
+            </a:br>
+            <a:r>
+              <a:rPr lang="en-US" dirty="0"/>
+              <a:t>Why is the graphical database any different?</a:t>
             </a:r>
           </a:p>
         </p:txBody>
@@ -4086,7 +5006,7 @@
           <p:cNvPr id="3" name="Content Placeholder 2">
             <a:extLst>
               <a:ext uri="{FF2B5EF4-FFF2-40B4-BE49-F238E27FC236}">
-                <a16:creationId xmlns:a16="http://schemas.microsoft.com/office/drawing/2014/main" id="{5F4CA009-4E87-4439-B040-E40FA1C771E6}"/>
+                <a16:creationId xmlns:a16="http://schemas.microsoft.com/office/drawing/2014/main" id="{0DD2ACEF-A172-4A93-95E9-2B7DE1BC9FAC}"/>
               </a:ext>
             </a:extLst>
           </p:cNvPr>
@@ -4104,15 +5024,783 @@
           <a:p>
             <a:r>
               <a:rPr lang="en-US" dirty="0"/>
-              <a:t>Any Ideas</a:t>
-            </a:r>
+              <a:t>The Nodes and the Relationships are equivalent to python dictionaries</a:t>
+            </a:r>
+          </a:p>
+          <a:p>
+            <a:r>
+              <a:rPr lang="en-US" dirty="0"/>
+              <a:t>Python </a:t>
+            </a:r>
+            <a:r>
+              <a:rPr lang="en-US" dirty="0" err="1"/>
+              <a:t>Api’s</a:t>
+            </a:r>
+            <a:r>
+              <a:rPr lang="en-US" dirty="0"/>
+              <a:t> will be available to access the graph</a:t>
+            </a:r>
+          </a:p>
+          <a:p>
+            <a:r>
+              <a:rPr lang="en-US" dirty="0"/>
+              <a:t>A “SQL like” query language is used to query the graph</a:t>
+            </a:r>
+          </a:p>
+          <a:p>
+            <a:pPr lvl="1"/>
+            <a:r>
+              <a:rPr lang="en-US" dirty="0"/>
+              <a:t>The definitive query language for graph databases is Cypher by Neo4j</a:t>
+            </a:r>
+          </a:p>
+          <a:p>
+            <a:r>
+              <a:rPr lang="en-US" dirty="0"/>
+              <a:t>This query language is what makes graphically data bases effective.</a:t>
+            </a:r>
+          </a:p>
+          <a:p>
+            <a:pPr marL="0" indent="0">
+              <a:buNone/>
+            </a:pPr>
+            <a:endParaRPr lang="en-US" dirty="0"/>
           </a:p>
         </p:txBody>
       </p:sp>
     </p:spTree>
     <p:extLst>
       <p:ext uri="{BB962C8B-B14F-4D97-AF65-F5344CB8AC3E}">
-        <p14:creationId xmlns:p14="http://schemas.microsoft.com/office/powerpoint/2010/main" val="2694926051"/>
+        <p14:creationId xmlns:p14="http://schemas.microsoft.com/office/powerpoint/2010/main" val="1048601065"/>
+      </p:ext>
+    </p:extLst>
+  </p:cSld>
+  <p:clrMapOvr>
+    <a:masterClrMapping/>
+  </p:clrMapOvr>
+</p:sld>
+</file>
+
+<file path=ppt/slides/slide15.xml><?xml version="1.0" encoding="utf-8"?>
+<p:sld xmlns:a="http://schemas.openxmlformats.org/drawingml/2006/main" xmlns:r="http://schemas.openxmlformats.org/officeDocument/2006/relationships" xmlns:p="http://schemas.openxmlformats.org/presentationml/2006/main">
+  <p:cSld>
+    <p:spTree>
+      <p:nvGrpSpPr>
+        <p:cNvPr id="1" name=""/>
+        <p:cNvGrpSpPr/>
+        <p:nvPr/>
+      </p:nvGrpSpPr>
+      <p:grpSpPr>
+        <a:xfrm>
+          <a:off x="0" y="0"/>
+          <a:ext cx="0" cy="0"/>
+          <a:chOff x="0" y="0"/>
+          <a:chExt cx="0" cy="0"/>
+        </a:xfrm>
+      </p:grpSpPr>
+      <p:sp>
+        <p:nvSpPr>
+          <p:cNvPr id="2" name="Title 1">
+            <a:extLst>
+              <a:ext uri="{FF2B5EF4-FFF2-40B4-BE49-F238E27FC236}">
+                <a16:creationId xmlns:a16="http://schemas.microsoft.com/office/drawing/2014/main" id="{136E9A43-12C3-4372-8C5C-A5B2934ACE58}"/>
+              </a:ext>
+            </a:extLst>
+          </p:cNvPr>
+          <p:cNvSpPr>
+            <a:spLocks noGrp="1"/>
+          </p:cNvSpPr>
+          <p:nvPr>
+            <p:ph type="title"/>
+          </p:nvPr>
+        </p:nvSpPr>
+        <p:spPr/>
+        <p:txBody>
+          <a:bodyPr/>
+          <a:lstStyle/>
+          <a:p>
+            <a:r>
+              <a:rPr lang="en-US" dirty="0"/>
+              <a:t>Example of Power of Graphical Data Base</a:t>
+            </a:r>
+          </a:p>
+        </p:txBody>
+      </p:sp>
+      <p:sp>
+        <p:nvSpPr>
+          <p:cNvPr id="3" name="Content Placeholder 2">
+            <a:extLst>
+              <a:ext uri="{FF2B5EF4-FFF2-40B4-BE49-F238E27FC236}">
+                <a16:creationId xmlns:a16="http://schemas.microsoft.com/office/drawing/2014/main" id="{39C276E7-E6CB-4F60-BCA8-BB4E51935E43}"/>
+              </a:ext>
+            </a:extLst>
+          </p:cNvPr>
+          <p:cNvSpPr>
+            <a:spLocks noGrp="1"/>
+          </p:cNvSpPr>
+          <p:nvPr>
+            <p:ph idx="1"/>
+          </p:nvPr>
+        </p:nvSpPr>
+        <p:spPr/>
+        <p:txBody>
+          <a:bodyPr>
+            <a:normAutofit/>
+          </a:bodyPr>
+          <a:lstStyle/>
+          <a:p>
+            <a:r>
+              <a:rPr lang="en-US" dirty="0"/>
+              <a:t>Consider the following Problem.  </a:t>
+            </a:r>
+          </a:p>
+          <a:p>
+            <a:pPr lvl="1"/>
+            <a:r>
+              <a:rPr lang="en-US" dirty="0"/>
+              <a:t>Find the network addresses of slaves devices attached to controller “A”</a:t>
+            </a:r>
+          </a:p>
+          <a:p>
+            <a:pPr lvl="1"/>
+            <a:r>
+              <a:rPr lang="en-US" dirty="0"/>
+              <a:t>We are given a graph containing the entire system</a:t>
+            </a:r>
+          </a:p>
+          <a:p>
+            <a:pPr lvl="1"/>
+            <a:r>
+              <a:rPr lang="en-US" dirty="0"/>
+              <a:t>Controllers are linked to the graph by the relationship name “CONTROLLER”</a:t>
+            </a:r>
+          </a:p>
+          <a:p>
+            <a:pPr lvl="1"/>
+            <a:r>
+              <a:rPr lang="en-US" dirty="0"/>
+              <a:t>SLAVE Devices are linked to the graph by the relationship name “SLAVE”</a:t>
+            </a:r>
+          </a:p>
+          <a:p>
+            <a:r>
+              <a:rPr lang="en-US" dirty="0"/>
+              <a:t>The solution would be to use the following query</a:t>
+            </a:r>
+          </a:p>
+          <a:p>
+            <a:pPr lvl="1"/>
+            <a:r>
+              <a:rPr lang="en-US" altLang="en-US" b="1" dirty="0">
+                <a:solidFill>
+                  <a:srgbClr val="212529"/>
+                </a:solidFill>
+                <a:latin typeface="Menlo"/>
+              </a:rPr>
+              <a:t>MATCH (</a:t>
+            </a:r>
+            <a:r>
+              <a:rPr lang="en-US" altLang="en-US" b="1" dirty="0" err="1">
+                <a:solidFill>
+                  <a:srgbClr val="212529"/>
+                </a:solidFill>
+                <a:latin typeface="Menlo"/>
+              </a:rPr>
+              <a:t>controller:CONTROLLER</a:t>
+            </a:r>
+            <a:r>
+              <a:rPr lang="en-US" altLang="en-US" b="1" dirty="0">
+                <a:solidFill>
+                  <a:srgbClr val="212529"/>
+                </a:solidFill>
+                <a:latin typeface="Menlo"/>
+              </a:rPr>
+              <a:t> {</a:t>
+            </a:r>
+            <a:r>
+              <a:rPr lang="en-US" altLang="en-US" b="1" dirty="0" err="1">
+                <a:solidFill>
+                  <a:srgbClr val="212529"/>
+                </a:solidFill>
+                <a:latin typeface="Menlo"/>
+              </a:rPr>
+              <a:t>name:’A</a:t>
+            </a:r>
+            <a:r>
+              <a:rPr lang="en-US" altLang="en-US" b="1" dirty="0">
+                <a:solidFill>
+                  <a:srgbClr val="212529"/>
+                </a:solidFill>
+                <a:latin typeface="Menlo"/>
+              </a:rPr>
+              <a:t>’})-[*]-(*)-[:SLAVE]-&gt;(slave) </a:t>
+            </a:r>
+          </a:p>
+          <a:p>
+            <a:pPr lvl="1"/>
+            <a:r>
+              <a:rPr lang="en-US" altLang="en-US" b="1" dirty="0">
+                <a:solidFill>
+                  <a:srgbClr val="212529"/>
+                </a:solidFill>
+                <a:latin typeface="Menlo"/>
+              </a:rPr>
+              <a:t>RETURN slave</a:t>
+            </a:r>
+            <a:r>
+              <a:rPr lang="en-US" altLang="en-US" sz="800" b="1" dirty="0"/>
+              <a:t> </a:t>
+            </a:r>
+            <a:endParaRPr lang="en-US" altLang="en-US" sz="6000" b="1" dirty="0">
+              <a:latin typeface="Arial" panose="020B0604020202020204" pitchFamily="34" charset="0"/>
+            </a:endParaRPr>
+          </a:p>
+          <a:p>
+            <a:pPr lvl="2"/>
+            <a:r>
+              <a:rPr lang="en-US" altLang="en-US" dirty="0">
+                <a:solidFill>
+                  <a:srgbClr val="212529"/>
+                </a:solidFill>
+                <a:latin typeface="Menlo"/>
+              </a:rPr>
+              <a:t>The * means go on an indefinite search till SLAVE relation is found</a:t>
+            </a:r>
+          </a:p>
+          <a:p>
+            <a:pPr lvl="1"/>
+            <a:endParaRPr lang="en-US" dirty="0"/>
+          </a:p>
+          <a:p>
+            <a:pPr lvl="1"/>
+            <a:endParaRPr lang="en-US" dirty="0"/>
+          </a:p>
+          <a:p>
+            <a:pPr marL="457200" lvl="1" indent="0">
+              <a:buNone/>
+            </a:pPr>
+            <a:endParaRPr lang="en-US" dirty="0"/>
+          </a:p>
+        </p:txBody>
+      </p:sp>
+    </p:spTree>
+    <p:extLst>
+      <p:ext uri="{BB962C8B-B14F-4D97-AF65-F5344CB8AC3E}">
+        <p14:creationId xmlns:p14="http://schemas.microsoft.com/office/powerpoint/2010/main" val="246959450"/>
+      </p:ext>
+    </p:extLst>
+  </p:cSld>
+  <p:clrMapOvr>
+    <a:masterClrMapping/>
+  </p:clrMapOvr>
+</p:sld>
+</file>
+
+<file path=ppt/slides/slide16.xml><?xml version="1.0" encoding="utf-8"?>
+<p:sld xmlns:a="http://schemas.openxmlformats.org/drawingml/2006/main" xmlns:r="http://schemas.openxmlformats.org/officeDocument/2006/relationships" xmlns:p="http://schemas.openxmlformats.org/presentationml/2006/main">
+  <p:cSld>
+    <p:spTree>
+      <p:nvGrpSpPr>
+        <p:cNvPr id="1" name=""/>
+        <p:cNvGrpSpPr/>
+        <p:nvPr/>
+      </p:nvGrpSpPr>
+      <p:grpSpPr>
+        <a:xfrm>
+          <a:off x="0" y="0"/>
+          <a:ext cx="0" cy="0"/>
+          <a:chOff x="0" y="0"/>
+          <a:chExt cx="0" cy="0"/>
+        </a:xfrm>
+      </p:grpSpPr>
+      <p:sp>
+        <p:nvSpPr>
+          <p:cNvPr id="2" name="Title 1">
+            <a:extLst>
+              <a:ext uri="{FF2B5EF4-FFF2-40B4-BE49-F238E27FC236}">
+                <a16:creationId xmlns:a16="http://schemas.microsoft.com/office/drawing/2014/main" id="{7DD73A25-F5B5-481D-B9DC-0AD24E016E49}"/>
+              </a:ext>
+            </a:extLst>
+          </p:cNvPr>
+          <p:cNvSpPr>
+            <a:spLocks noGrp="1"/>
+          </p:cNvSpPr>
+          <p:nvPr>
+            <p:ph type="title"/>
+          </p:nvPr>
+        </p:nvSpPr>
+        <p:spPr/>
+        <p:txBody>
+          <a:bodyPr/>
+          <a:lstStyle/>
+          <a:p>
+            <a:r>
+              <a:rPr lang="en-US" dirty="0"/>
+              <a:t>Constructing the graphical database</a:t>
+            </a:r>
+          </a:p>
+        </p:txBody>
+      </p:sp>
+      <p:sp>
+        <p:nvSpPr>
+          <p:cNvPr id="3" name="Content Placeholder 2">
+            <a:extLst>
+              <a:ext uri="{FF2B5EF4-FFF2-40B4-BE49-F238E27FC236}">
+                <a16:creationId xmlns:a16="http://schemas.microsoft.com/office/drawing/2014/main" id="{E4BC08D9-E56B-42C7-93E2-F3A986D2FB6E}"/>
+              </a:ext>
+            </a:extLst>
+          </p:cNvPr>
+          <p:cNvSpPr>
+            <a:spLocks noGrp="1"/>
+          </p:cNvSpPr>
+          <p:nvPr>
+            <p:ph idx="1"/>
+          </p:nvPr>
+        </p:nvSpPr>
+        <p:spPr/>
+        <p:txBody>
+          <a:bodyPr>
+            <a:normAutofit fontScale="92500" lnSpcReduction="10000"/>
+          </a:bodyPr>
+          <a:lstStyle/>
+          <a:p>
+            <a:r>
+              <a:rPr lang="en-US" dirty="0"/>
+              <a:t>The number of nodes which comprise the database can be quite large.</a:t>
+            </a:r>
+          </a:p>
+          <a:p>
+            <a:r>
+              <a:rPr lang="en-US" dirty="0"/>
+              <a:t>The most efficient way to load this data base is by a python script.</a:t>
+            </a:r>
+          </a:p>
+          <a:p>
+            <a:r>
+              <a:rPr lang="en-US" dirty="0"/>
+              <a:t>The python script based approach has two advantages.</a:t>
+            </a:r>
+          </a:p>
+          <a:p>
+            <a:pPr lvl="1"/>
+            <a:r>
+              <a:rPr lang="en-US" dirty="0"/>
+              <a:t>The start of a header node and the termination of the header node can be checked while constructing the graph.</a:t>
+            </a:r>
+          </a:p>
+          <a:p>
+            <a:pPr lvl="2"/>
+            <a:r>
+              <a:rPr lang="en-US" dirty="0"/>
+              <a:t>The script starts with “</a:t>
+            </a:r>
+            <a:r>
+              <a:rPr lang="en-US" dirty="0" err="1"/>
+              <a:t>start_header_node</a:t>
+            </a:r>
+            <a:r>
+              <a:rPr lang="en-US" dirty="0"/>
+              <a:t>(“a”)</a:t>
+            </a:r>
+          </a:p>
+          <a:p>
+            <a:pPr lvl="2"/>
+            <a:r>
+              <a:rPr lang="en-US" dirty="0"/>
+              <a:t>Adding graph nodes and sub nodes</a:t>
+            </a:r>
+          </a:p>
+          <a:p>
+            <a:pPr lvl="2"/>
+            <a:r>
+              <a:rPr lang="en-US" dirty="0"/>
+              <a:t>When done with this part of the subgraph the following statement issued</a:t>
+            </a:r>
+          </a:p>
+          <a:p>
+            <a:pPr lvl="3"/>
+            <a:r>
+              <a:rPr lang="en-US" dirty="0" err="1"/>
+              <a:t>end_header_node</a:t>
+            </a:r>
+            <a:r>
+              <a:rPr lang="en-US" dirty="0"/>
+              <a:t>(“a”)</a:t>
+            </a:r>
+          </a:p>
+          <a:p>
+            <a:pPr lvl="2"/>
+            <a:r>
+              <a:rPr lang="en-US" dirty="0"/>
+              <a:t>The “a” have to match to keep the tree intact</a:t>
+            </a:r>
+          </a:p>
+          <a:p>
+            <a:pPr lvl="1"/>
+            <a:r>
+              <a:rPr lang="en-US" dirty="0"/>
+              <a:t>The second advantage is that python supports classes.  Classes can be made of common objects like site, controllers, slaves and other things.  The classes make assembling the python graph much easier.			</a:t>
+            </a:r>
+          </a:p>
+        </p:txBody>
+      </p:sp>
+    </p:spTree>
+    <p:extLst>
+      <p:ext uri="{BB962C8B-B14F-4D97-AF65-F5344CB8AC3E}">
+        <p14:creationId xmlns:p14="http://schemas.microsoft.com/office/powerpoint/2010/main" val="2408939660"/>
+      </p:ext>
+    </p:extLst>
+  </p:cSld>
+  <p:clrMapOvr>
+    <a:masterClrMapping/>
+  </p:clrMapOvr>
+</p:sld>
+</file>
+
+<file path=ppt/slides/slide17.xml><?xml version="1.0" encoding="utf-8"?>
+<p:sld xmlns:a="http://schemas.openxmlformats.org/drawingml/2006/main" xmlns:r="http://schemas.openxmlformats.org/officeDocument/2006/relationships" xmlns:p="http://schemas.openxmlformats.org/presentationml/2006/main">
+  <p:cSld>
+    <p:spTree>
+      <p:nvGrpSpPr>
+        <p:cNvPr id="1" name=""/>
+        <p:cNvGrpSpPr/>
+        <p:nvPr/>
+      </p:nvGrpSpPr>
+      <p:grpSpPr>
+        <a:xfrm>
+          <a:off x="0" y="0"/>
+          <a:ext cx="0" cy="0"/>
+          <a:chOff x="0" y="0"/>
+          <a:chExt cx="0" cy="0"/>
+        </a:xfrm>
+      </p:grpSpPr>
+      <p:sp>
+        <p:nvSpPr>
+          <p:cNvPr id="2" name="Title 1">
+            <a:extLst>
+              <a:ext uri="{FF2B5EF4-FFF2-40B4-BE49-F238E27FC236}">
+                <a16:creationId xmlns:a16="http://schemas.microsoft.com/office/drawing/2014/main" id="{2456A8FC-1907-40EB-95FA-97F0ADB159B8}"/>
+              </a:ext>
+            </a:extLst>
+          </p:cNvPr>
+          <p:cNvSpPr>
+            <a:spLocks noGrp="1"/>
+          </p:cNvSpPr>
+          <p:nvPr>
+            <p:ph type="title"/>
+          </p:nvPr>
+        </p:nvSpPr>
+        <p:spPr/>
+        <p:txBody>
+          <a:bodyPr/>
+          <a:lstStyle/>
+          <a:p>
+            <a:r>
+              <a:rPr lang="en-US" dirty="0"/>
+              <a:t>Nature of Application Web Pages</a:t>
+            </a:r>
+          </a:p>
+        </p:txBody>
+      </p:sp>
+      <p:sp>
+        <p:nvSpPr>
+          <p:cNvPr id="3" name="Content Placeholder 2">
+            <a:extLst>
+              <a:ext uri="{FF2B5EF4-FFF2-40B4-BE49-F238E27FC236}">
+                <a16:creationId xmlns:a16="http://schemas.microsoft.com/office/drawing/2014/main" id="{122EA6E5-D32C-446D-A26E-9C4B4159A751}"/>
+              </a:ext>
+            </a:extLst>
+          </p:cNvPr>
+          <p:cNvSpPr>
+            <a:spLocks noGrp="1"/>
+          </p:cNvSpPr>
+          <p:nvPr>
+            <p:ph idx="1"/>
+          </p:nvPr>
+        </p:nvSpPr>
+        <p:spPr/>
+        <p:txBody>
+          <a:bodyPr/>
+          <a:lstStyle/>
+          <a:p>
+            <a:r>
+              <a:rPr lang="en-US" dirty="0"/>
+              <a:t>Over a period of 20 years there is a need for a local web server located at the node device.  Many times attempts have been made to remove it and was quickly put back in place.</a:t>
+            </a:r>
+          </a:p>
+          <a:p>
+            <a:r>
+              <a:rPr lang="en-US" dirty="0"/>
+              <a:t>There are many applications running, but there can only be one web server.  Therefore, applications must integrate into a single web frame work.</a:t>
+            </a:r>
+          </a:p>
+          <a:p>
+            <a:r>
+              <a:rPr lang="en-US" dirty="0"/>
+              <a:t>Rules for the web frame work.</a:t>
+            </a:r>
+          </a:p>
+          <a:p>
+            <a:pPr lvl="1"/>
+            <a:r>
+              <a:rPr lang="en-US" dirty="0"/>
+              <a:t>Web pages must support a mobile touch layout</a:t>
+            </a:r>
+          </a:p>
+          <a:p>
+            <a:pPr lvl="1"/>
+            <a:r>
+              <a:rPr lang="en-US" dirty="0"/>
+              <a:t>Need to navigate to any web page within 3 clicks</a:t>
+            </a:r>
+          </a:p>
+        </p:txBody>
+      </p:sp>
+    </p:spTree>
+    <p:extLst>
+      <p:ext uri="{BB962C8B-B14F-4D97-AF65-F5344CB8AC3E}">
+        <p14:creationId xmlns:p14="http://schemas.microsoft.com/office/powerpoint/2010/main" val="3352555334"/>
+      </p:ext>
+    </p:extLst>
+  </p:cSld>
+  <p:clrMapOvr>
+    <a:masterClrMapping/>
+  </p:clrMapOvr>
+</p:sld>
+</file>
+
+<file path=ppt/slides/slide18.xml><?xml version="1.0" encoding="utf-8"?>
+<p:sld xmlns:a="http://schemas.openxmlformats.org/drawingml/2006/main" xmlns:r="http://schemas.openxmlformats.org/officeDocument/2006/relationships" xmlns:p="http://schemas.openxmlformats.org/presentationml/2006/main">
+  <p:cSld>
+    <p:spTree>
+      <p:nvGrpSpPr>
+        <p:cNvPr id="1" name=""/>
+        <p:cNvGrpSpPr/>
+        <p:nvPr/>
+      </p:nvGrpSpPr>
+      <p:grpSpPr>
+        <a:xfrm>
+          <a:off x="0" y="0"/>
+          <a:ext cx="0" cy="0"/>
+          <a:chOff x="0" y="0"/>
+          <a:chExt cx="0" cy="0"/>
+        </a:xfrm>
+      </p:grpSpPr>
+      <p:sp>
+        <p:nvSpPr>
+          <p:cNvPr id="2" name="Title 1">
+            <a:extLst>
+              <a:ext uri="{FF2B5EF4-FFF2-40B4-BE49-F238E27FC236}">
+                <a16:creationId xmlns:a16="http://schemas.microsoft.com/office/drawing/2014/main" id="{E2D1C7AA-8CEB-445E-86F5-1E1C75499E98}"/>
+              </a:ext>
+            </a:extLst>
+          </p:cNvPr>
+          <p:cNvSpPr>
+            <a:spLocks noGrp="1"/>
+          </p:cNvSpPr>
+          <p:nvPr>
+            <p:ph type="title"/>
+          </p:nvPr>
+        </p:nvSpPr>
+        <p:spPr>
+          <a:xfrm>
+            <a:off x="838200" y="365126"/>
+            <a:ext cx="10515600" cy="649288"/>
+          </a:xfrm>
+        </p:spPr>
+        <p:txBody>
+          <a:bodyPr>
+            <a:normAutofit fontScale="90000"/>
+          </a:bodyPr>
+          <a:lstStyle/>
+          <a:p>
+            <a:r>
+              <a:rPr lang="en-US" dirty="0"/>
+              <a:t>A typical web layout</a:t>
+            </a:r>
+          </a:p>
+        </p:txBody>
+      </p:sp>
+      <p:pic>
+        <p:nvPicPr>
+          <p:cNvPr id="9" name="Content Placeholder 8" descr="down_load_2">
+            <a:extLst>
+              <a:ext uri="{FF2B5EF4-FFF2-40B4-BE49-F238E27FC236}">
+                <a16:creationId xmlns:a16="http://schemas.microsoft.com/office/drawing/2014/main" id="{07E31236-1DDF-41F9-9118-3B784BB5F33C}"/>
+              </a:ext>
+            </a:extLst>
+          </p:cNvPr>
+          <p:cNvPicPr>
+            <a:picLocks noGrp="1" noChangeAspect="1"/>
+          </p:cNvPicPr>
+          <p:nvPr isPhoto="1">
+            <p:ph idx="1"/>
+          </p:nvPr>
+        </p:nvPicPr>
+        <p:blipFill>
+          <a:blip r:embed="rId2">
+            <a:lum/>
+            <a:extLst>
+              <a:ext uri="{28A0092B-C50C-407E-A947-70E740481C1C}">
+                <a14:useLocalDpi xmlns:a14="http://schemas.microsoft.com/office/drawing/2010/main" val="0"/>
+              </a:ext>
+            </a:extLst>
+          </a:blip>
+          <a:stretch>
+            <a:fillRect/>
+          </a:stretch>
+        </p:blipFill>
+        <p:spPr>
+          <a:xfrm>
+            <a:off x="1157289" y="1157288"/>
+            <a:ext cx="10072686" cy="5019675"/>
+          </a:xfrm>
+          <a:prstGeom prst="rect">
+            <a:avLst/>
+          </a:prstGeom>
+        </p:spPr>
+      </p:pic>
+    </p:spTree>
+    <p:extLst>
+      <p:ext uri="{BB962C8B-B14F-4D97-AF65-F5344CB8AC3E}">
+        <p14:creationId xmlns:p14="http://schemas.microsoft.com/office/powerpoint/2010/main" val="4003935630"/>
+      </p:ext>
+    </p:extLst>
+  </p:cSld>
+  <p:clrMapOvr>
+    <a:masterClrMapping/>
+  </p:clrMapOvr>
+</p:sld>
+</file>
+
+<file path=ppt/slides/slide19.xml><?xml version="1.0" encoding="utf-8"?>
+<p:sld xmlns:a="http://schemas.openxmlformats.org/drawingml/2006/main" xmlns:r="http://schemas.openxmlformats.org/officeDocument/2006/relationships" xmlns:p="http://schemas.openxmlformats.org/presentationml/2006/main">
+  <p:cSld>
+    <p:spTree>
+      <p:nvGrpSpPr>
+        <p:cNvPr id="1" name=""/>
+        <p:cNvGrpSpPr/>
+        <p:nvPr/>
+      </p:nvGrpSpPr>
+      <p:grpSpPr>
+        <a:xfrm>
+          <a:off x="0" y="0"/>
+          <a:ext cx="0" cy="0"/>
+          <a:chOff x="0" y="0"/>
+          <a:chExt cx="0" cy="0"/>
+        </a:xfrm>
+      </p:grpSpPr>
+      <p:sp>
+        <p:nvSpPr>
+          <p:cNvPr id="2" name="Title 1">
+            <a:extLst>
+              <a:ext uri="{FF2B5EF4-FFF2-40B4-BE49-F238E27FC236}">
+                <a16:creationId xmlns:a16="http://schemas.microsoft.com/office/drawing/2014/main" id="{62DC3A38-3CF8-45D6-9468-F4B6E048E903}"/>
+              </a:ext>
+            </a:extLst>
+          </p:cNvPr>
+          <p:cNvSpPr>
+            <a:spLocks noGrp="1"/>
+          </p:cNvSpPr>
+          <p:nvPr>
+            <p:ph type="title"/>
+          </p:nvPr>
+        </p:nvSpPr>
+        <p:spPr/>
+        <p:txBody>
+          <a:bodyPr/>
+          <a:lstStyle/>
+          <a:p>
+            <a:r>
+              <a:rPr lang="en-US" dirty="0"/>
+              <a:t>Example of Menu Selection </a:t>
+            </a:r>
+            <a:br>
+              <a:rPr lang="en-US" dirty="0"/>
+            </a:br>
+            <a:r>
+              <a:rPr lang="en-US" dirty="0"/>
+              <a:t>with Pop Up Menu</a:t>
+            </a:r>
+          </a:p>
+        </p:txBody>
+      </p:sp>
+      <p:pic>
+        <p:nvPicPr>
+          <p:cNvPr id="11" name="Picture 10">
+            <a:extLst>
+              <a:ext uri="{FF2B5EF4-FFF2-40B4-BE49-F238E27FC236}">
+                <a16:creationId xmlns:a16="http://schemas.microsoft.com/office/drawing/2014/main" id="{728E2B7D-E774-4FB1-8130-439F14B32881}"/>
+              </a:ext>
+            </a:extLst>
+          </p:cNvPr>
+          <p:cNvPicPr>
+            <a:picLocks noChangeAspect="1"/>
+          </p:cNvPicPr>
+          <p:nvPr/>
+        </p:nvPicPr>
+        <p:blipFill>
+          <a:blip r:embed="rId2">
+            <a:extLst>
+              <a:ext uri="{28A0092B-C50C-407E-A947-70E740481C1C}">
+                <a14:useLocalDpi xmlns:a14="http://schemas.microsoft.com/office/drawing/2010/main" val="0"/>
+              </a:ext>
+            </a:extLst>
+          </a:blip>
+          <a:stretch>
+            <a:fillRect/>
+          </a:stretch>
+        </p:blipFill>
+        <p:spPr>
+          <a:xfrm>
+            <a:off x="1742752" y="0"/>
+            <a:ext cx="8706495" cy="6858000"/>
+          </a:xfrm>
+          <a:prstGeom prst="rect">
+            <a:avLst/>
+          </a:prstGeom>
+        </p:spPr>
+      </p:pic>
+      <p:pic>
+        <p:nvPicPr>
+          <p:cNvPr id="14" name="Picture 13">
+            <a:extLst>
+              <a:ext uri="{FF2B5EF4-FFF2-40B4-BE49-F238E27FC236}">
+                <a16:creationId xmlns:a16="http://schemas.microsoft.com/office/drawing/2014/main" id="{53F22729-B445-4978-958E-4A3FF2A99F55}"/>
+              </a:ext>
+            </a:extLst>
+          </p:cNvPr>
+          <p:cNvPicPr>
+            <a:picLocks noChangeAspect="1"/>
+          </p:cNvPicPr>
+          <p:nvPr/>
+        </p:nvPicPr>
+        <p:blipFill>
+          <a:blip r:embed="rId3">
+            <a:extLst>
+              <a:ext uri="{28A0092B-C50C-407E-A947-70E740481C1C}">
+                <a14:useLocalDpi xmlns:a14="http://schemas.microsoft.com/office/drawing/2010/main" val="0"/>
+              </a:ext>
+            </a:extLst>
+          </a:blip>
+          <a:stretch>
+            <a:fillRect/>
+          </a:stretch>
+        </p:blipFill>
+        <p:spPr>
+          <a:xfrm>
+            <a:off x="1171252" y="1690688"/>
+            <a:ext cx="8706495" cy="5095875"/>
+          </a:xfrm>
+          <a:prstGeom prst="rect">
+            <a:avLst/>
+          </a:prstGeom>
+        </p:spPr>
+      </p:pic>
+    </p:spTree>
+    <p:extLst>
+      <p:ext uri="{BB962C8B-B14F-4D97-AF65-F5344CB8AC3E}">
+        <p14:creationId xmlns:p14="http://schemas.microsoft.com/office/powerpoint/2010/main" val="71243654"/>
       </p:ext>
     </p:extLst>
   </p:cSld>
@@ -4144,7 +5832,7 @@
           <p:cNvPr id="2" name="Title 1">
             <a:extLst>
               <a:ext uri="{FF2B5EF4-FFF2-40B4-BE49-F238E27FC236}">
-                <a16:creationId xmlns:a16="http://schemas.microsoft.com/office/drawing/2014/main" id="{FB64BFB9-54B4-43D6-A94C-72BB0EEB07A0}"/>
+                <a16:creationId xmlns:a16="http://schemas.microsoft.com/office/drawing/2014/main" id="{74843FD7-8865-41D5-9DC3-01551A28599D}"/>
               </a:ext>
             </a:extLst>
           </p:cNvPr>
@@ -4162,113 +5850,827 @@
           <a:p>
             <a:r>
               <a:rPr lang="en-US" dirty="0"/>
-              <a:t>New IOT Architecture</a:t>
-            </a:r>
-          </a:p>
-        </p:txBody>
-      </p:sp>
-      <p:sp>
-        <p:nvSpPr>
-          <p:cNvPr id="3" name="Content Placeholder 2">
-            <a:extLst>
-              <a:ext uri="{FF2B5EF4-FFF2-40B4-BE49-F238E27FC236}">
-                <a16:creationId xmlns:a16="http://schemas.microsoft.com/office/drawing/2014/main" id="{9C24C6EE-4A4C-498A-B6B4-BDDB0CEF3389}"/>
-              </a:ext>
-            </a:extLst>
-          </p:cNvPr>
-          <p:cNvSpPr>
-            <a:spLocks noGrp="1"/>
-          </p:cNvSpPr>
-          <p:nvPr>
-            <p:ph idx="1"/>
-          </p:nvPr>
-        </p:nvSpPr>
-        <p:spPr/>
-        <p:txBody>
-          <a:bodyPr/>
-          <a:lstStyle/>
-          <a:p>
-            <a:r>
-              <a:rPr lang="en-US" dirty="0"/>
-              <a:t>Developing IOT systems is a two tier approach.</a:t>
-            </a:r>
-          </a:p>
-          <a:p>
-            <a:pPr lvl="1"/>
-            <a:r>
-              <a:rPr lang="en-US" dirty="0"/>
-              <a:t>Embedded Side</a:t>
-            </a:r>
-          </a:p>
-          <a:p>
-            <a:pPr lvl="2"/>
-            <a:r>
-              <a:rPr lang="en-US" dirty="0"/>
-              <a:t>Develop Sensors </a:t>
-            </a:r>
-          </a:p>
-          <a:p>
-            <a:pPr lvl="2"/>
-            <a:r>
-              <a:rPr lang="en-US" dirty="0"/>
-              <a:t>Develop Embedded Devices</a:t>
-            </a:r>
-          </a:p>
-          <a:p>
-            <a:pPr lvl="2"/>
-            <a:r>
-              <a:rPr lang="en-US" dirty="0"/>
-              <a:t>Power Constraints</a:t>
-            </a:r>
-          </a:p>
-          <a:p>
-            <a:pPr lvl="2"/>
-            <a:r>
-              <a:rPr lang="en-US" dirty="0"/>
-              <a:t>Communications Constraints</a:t>
-            </a:r>
-          </a:p>
-          <a:p>
-            <a:pPr lvl="1"/>
-            <a:r>
-              <a:rPr lang="en-US" dirty="0"/>
-              <a:t>Cloud/ Networking Side	</a:t>
-            </a:r>
-          </a:p>
-          <a:p>
-            <a:pPr lvl="2"/>
-            <a:r>
-              <a:rPr lang="en-US" dirty="0"/>
-              <a:t>Provide Connectivity to Internet</a:t>
-            </a:r>
-          </a:p>
-          <a:p>
-            <a:pPr lvl="2"/>
-            <a:r>
-              <a:rPr lang="en-US" dirty="0"/>
-              <a:t>Provide Service to Remote Users</a:t>
-            </a:r>
-          </a:p>
-          <a:p>
-            <a:pPr lvl="2"/>
-            <a:r>
-              <a:rPr lang="en-US" dirty="0"/>
-              <a:t>Provide Remote Control of Embedded Devices</a:t>
-            </a:r>
-          </a:p>
-          <a:p>
-            <a:pPr lvl="2"/>
-            <a:r>
-              <a:rPr lang="en-US" dirty="0"/>
-              <a:t>Provide Services for Monitoring and Debugging Remote Devices</a:t>
-            </a:r>
-          </a:p>
-        </p:txBody>
-      </p:sp>
+              <a:t>Nano Data Center</a:t>
+            </a:r>
+          </a:p>
+        </p:txBody>
+      </p:sp>
+      <p:pic>
+        <p:nvPicPr>
+          <p:cNvPr id="4" name="Picture 2" descr="https://images-na.ssl-images-amazon.com/images/I/41CdYS1EvWL.jpg">
+            <a:extLst>
+              <a:ext uri="{FF2B5EF4-FFF2-40B4-BE49-F238E27FC236}">
+                <a16:creationId xmlns:a16="http://schemas.microsoft.com/office/drawing/2014/main" id="{CE93D86C-718E-44F5-ABA3-470EF4BFD4CB}"/>
+              </a:ext>
+            </a:extLst>
+          </p:cNvPr>
+          <p:cNvPicPr>
+            <a:picLocks noChangeAspect="1" noChangeArrowheads="1"/>
+          </p:cNvPicPr>
+          <p:nvPr/>
+        </p:nvPicPr>
+        <p:blipFill>
+          <a:blip r:embed="rId2">
+            <a:extLst>
+              <a:ext uri="{28A0092B-C50C-407E-A947-70E740481C1C}">
+                <a14:useLocalDpi xmlns:a14="http://schemas.microsoft.com/office/drawing/2010/main" val="0"/>
+              </a:ext>
+            </a:extLst>
+          </a:blip>
+          <a:srcRect/>
+          <a:stretch>
+            <a:fillRect/>
+          </a:stretch>
+        </p:blipFill>
+        <p:spPr bwMode="auto">
+          <a:xfrm>
+            <a:off x="1221581" y="2434828"/>
+            <a:ext cx="1988344" cy="1988344"/>
+          </a:xfrm>
+          <a:prstGeom prst="rect">
+            <a:avLst/>
+          </a:prstGeom>
+          <a:noFill/>
+          <a:extLst>
+            <a:ext uri="{909E8E84-426E-40DD-AFC4-6F175D3DCCD1}">
+              <a14:hiddenFill xmlns:a14="http://schemas.microsoft.com/office/drawing/2010/main">
+                <a:solidFill>
+                  <a:srgbClr val="FFFFFF"/>
+                </a:solidFill>
+              </a14:hiddenFill>
+            </a:ext>
+          </a:extLst>
+        </p:spPr>
+      </p:pic>
+      <p:sp>
+        <p:nvSpPr>
+          <p:cNvPr id="6" name="TextBox 5">
+            <a:extLst>
+              <a:ext uri="{FF2B5EF4-FFF2-40B4-BE49-F238E27FC236}">
+                <a16:creationId xmlns:a16="http://schemas.microsoft.com/office/drawing/2014/main" id="{ED8BD57B-ED5B-4C30-9F6C-73F6060E87E7}"/>
+              </a:ext>
+            </a:extLst>
+          </p:cNvPr>
+          <p:cNvSpPr txBox="1"/>
+          <p:nvPr/>
+        </p:nvSpPr>
+        <p:spPr>
+          <a:xfrm>
+            <a:off x="1396844" y="4773953"/>
+            <a:ext cx="869522" cy="646331"/>
+          </a:xfrm>
+          <a:prstGeom prst="rect">
+            <a:avLst/>
+          </a:prstGeom>
+          <a:solidFill>
+            <a:schemeClr val="bg2"/>
+          </a:solidFill>
+          <a:ln>
+            <a:solidFill>
+              <a:schemeClr val="tx1"/>
+            </a:solidFill>
+          </a:ln>
+        </p:spPr>
+        <p:txBody>
+          <a:bodyPr wrap="square" rtlCol="0">
+            <a:spAutoFit/>
+          </a:bodyPr>
+          <a:lstStyle/>
+          <a:p>
+            <a:r>
+              <a:rPr lang="en-US" dirty="0"/>
+              <a:t>Local Apps</a:t>
+            </a:r>
+          </a:p>
+        </p:txBody>
+      </p:sp>
+      <p:cxnSp>
+        <p:nvCxnSpPr>
+          <p:cNvPr id="7" name="Straight Arrow Connector 6">
+            <a:extLst>
+              <a:ext uri="{FF2B5EF4-FFF2-40B4-BE49-F238E27FC236}">
+                <a16:creationId xmlns:a16="http://schemas.microsoft.com/office/drawing/2014/main" id="{3CE16E35-6EB6-478D-9B9F-9FE935AC4926}"/>
+              </a:ext>
+            </a:extLst>
+          </p:cNvPr>
+          <p:cNvCxnSpPr/>
+          <p:nvPr/>
+        </p:nvCxnSpPr>
+        <p:spPr>
+          <a:xfrm flipV="1">
+            <a:off x="1598798" y="4109158"/>
+            <a:ext cx="162684" cy="586258"/>
+          </a:xfrm>
+          <a:prstGeom prst="straightConnector1">
+            <a:avLst/>
+          </a:prstGeom>
+          <a:ln>
+            <a:tailEnd type="triangle"/>
+          </a:ln>
+        </p:spPr>
+        <p:style>
+          <a:lnRef idx="1">
+            <a:schemeClr val="accent1"/>
+          </a:lnRef>
+          <a:fillRef idx="0">
+            <a:schemeClr val="accent1"/>
+          </a:fillRef>
+          <a:effectRef idx="0">
+            <a:schemeClr val="accent1"/>
+          </a:effectRef>
+          <a:fontRef idx="minor">
+            <a:schemeClr val="tx1"/>
+          </a:fontRef>
+        </p:style>
+      </p:cxnSp>
+      <p:sp>
+        <p:nvSpPr>
+          <p:cNvPr id="8" name="TextBox 7">
+            <a:extLst>
+              <a:ext uri="{FF2B5EF4-FFF2-40B4-BE49-F238E27FC236}">
+                <a16:creationId xmlns:a16="http://schemas.microsoft.com/office/drawing/2014/main" id="{990A1665-66AF-459D-8B4E-C299ED90FAD9}"/>
+              </a:ext>
+            </a:extLst>
+          </p:cNvPr>
+          <p:cNvSpPr txBox="1"/>
+          <p:nvPr/>
+        </p:nvSpPr>
+        <p:spPr>
+          <a:xfrm>
+            <a:off x="1070590" y="2400560"/>
+            <a:ext cx="5106631" cy="369332"/>
+          </a:xfrm>
+          <a:prstGeom prst="rect">
+            <a:avLst/>
+          </a:prstGeom>
+          <a:noFill/>
+        </p:spPr>
+        <p:txBody>
+          <a:bodyPr wrap="square" rtlCol="0">
+            <a:spAutoFit/>
+          </a:bodyPr>
+          <a:lstStyle/>
+          <a:p>
+            <a:r>
+              <a:rPr lang="en-US" dirty="0"/>
+              <a:t>Edge Device is a Nano Data Center</a:t>
+            </a:r>
+          </a:p>
+        </p:txBody>
+      </p:sp>
+      <p:sp>
+        <p:nvSpPr>
+          <p:cNvPr id="9" name="TextBox 8">
+            <a:extLst>
+              <a:ext uri="{FF2B5EF4-FFF2-40B4-BE49-F238E27FC236}">
+                <a16:creationId xmlns:a16="http://schemas.microsoft.com/office/drawing/2014/main" id="{581964C0-53EE-4B74-BAB5-EF4770C51208}"/>
+              </a:ext>
+            </a:extLst>
+          </p:cNvPr>
+          <p:cNvSpPr txBox="1"/>
+          <p:nvPr/>
+        </p:nvSpPr>
+        <p:spPr>
+          <a:xfrm>
+            <a:off x="2933934" y="4891760"/>
+            <a:ext cx="1208088" cy="646331"/>
+          </a:xfrm>
+          <a:prstGeom prst="rect">
+            <a:avLst/>
+          </a:prstGeom>
+          <a:solidFill>
+            <a:schemeClr val="bg2"/>
+          </a:solidFill>
+          <a:ln>
+            <a:solidFill>
+              <a:schemeClr val="tx1"/>
+            </a:solidFill>
+          </a:ln>
+        </p:spPr>
+        <p:txBody>
+          <a:bodyPr wrap="none" rtlCol="0">
+            <a:spAutoFit/>
+          </a:bodyPr>
+          <a:lstStyle/>
+          <a:p>
+            <a:r>
+              <a:rPr lang="en-US" dirty="0"/>
+              <a:t>Local </a:t>
+            </a:r>
+          </a:p>
+          <a:p>
+            <a:r>
+              <a:rPr lang="en-US" dirty="0"/>
+              <a:t>Web Pages</a:t>
+            </a:r>
+          </a:p>
+        </p:txBody>
+      </p:sp>
+      <p:cxnSp>
+        <p:nvCxnSpPr>
+          <p:cNvPr id="10" name="Straight Arrow Connector 9">
+            <a:extLst>
+              <a:ext uri="{FF2B5EF4-FFF2-40B4-BE49-F238E27FC236}">
+                <a16:creationId xmlns:a16="http://schemas.microsoft.com/office/drawing/2014/main" id="{76312C2A-EA31-43B2-A4DA-BD9F33D6B66D}"/>
+              </a:ext>
+            </a:extLst>
+          </p:cNvPr>
+          <p:cNvCxnSpPr/>
+          <p:nvPr/>
+        </p:nvCxnSpPr>
+        <p:spPr>
+          <a:xfrm flipH="1" flipV="1">
+            <a:off x="2754420" y="4109158"/>
+            <a:ext cx="455505" cy="664795"/>
+          </a:xfrm>
+          <a:prstGeom prst="straightConnector1">
+            <a:avLst/>
+          </a:prstGeom>
+          <a:ln>
+            <a:tailEnd type="triangle"/>
+          </a:ln>
+        </p:spPr>
+        <p:style>
+          <a:lnRef idx="1">
+            <a:schemeClr val="accent1"/>
+          </a:lnRef>
+          <a:fillRef idx="0">
+            <a:schemeClr val="accent1"/>
+          </a:fillRef>
+          <a:effectRef idx="0">
+            <a:schemeClr val="accent1"/>
+          </a:effectRef>
+          <a:fontRef idx="minor">
+            <a:schemeClr val="tx1"/>
+          </a:fontRef>
+        </p:style>
+      </p:cxnSp>
+      <p:sp>
+        <p:nvSpPr>
+          <p:cNvPr id="12" name="TextBox 11">
+            <a:extLst>
+              <a:ext uri="{FF2B5EF4-FFF2-40B4-BE49-F238E27FC236}">
+                <a16:creationId xmlns:a16="http://schemas.microsoft.com/office/drawing/2014/main" id="{9460A1A6-B44C-4ABB-A013-0B1CD814B85F}"/>
+              </a:ext>
+            </a:extLst>
+          </p:cNvPr>
+          <p:cNvSpPr txBox="1"/>
+          <p:nvPr/>
+        </p:nvSpPr>
+        <p:spPr>
+          <a:xfrm>
+            <a:off x="4865828" y="2098087"/>
+            <a:ext cx="1292085" cy="369332"/>
+          </a:xfrm>
+          <a:prstGeom prst="rect">
+            <a:avLst/>
+          </a:prstGeom>
+          <a:solidFill>
+            <a:schemeClr val="bg2"/>
+          </a:solidFill>
+          <a:ln>
+            <a:solidFill>
+              <a:schemeClr val="accent1"/>
+            </a:solidFill>
+          </a:ln>
+        </p:spPr>
+        <p:txBody>
+          <a:bodyPr wrap="none" rtlCol="0">
+            <a:spAutoFit/>
+          </a:bodyPr>
+          <a:lstStyle/>
+          <a:p>
+            <a:r>
+              <a:rPr lang="en-US" dirty="0"/>
+              <a:t>Local Graph</a:t>
+            </a:r>
+          </a:p>
+        </p:txBody>
+      </p:sp>
+      <p:cxnSp>
+        <p:nvCxnSpPr>
+          <p:cNvPr id="13" name="Straight Arrow Connector 12">
+            <a:extLst>
+              <a:ext uri="{FF2B5EF4-FFF2-40B4-BE49-F238E27FC236}">
+                <a16:creationId xmlns:a16="http://schemas.microsoft.com/office/drawing/2014/main" id="{BB4A8975-97B2-48B6-ABED-A4FFB866603C}"/>
+              </a:ext>
+            </a:extLst>
+          </p:cNvPr>
+          <p:cNvCxnSpPr/>
+          <p:nvPr/>
+        </p:nvCxnSpPr>
+        <p:spPr>
+          <a:xfrm flipH="1" flipV="1">
+            <a:off x="3326621" y="4109158"/>
+            <a:ext cx="1060255" cy="586258"/>
+          </a:xfrm>
+          <a:prstGeom prst="straightConnector1">
+            <a:avLst/>
+          </a:prstGeom>
+          <a:ln>
+            <a:tailEnd type="triangle"/>
+          </a:ln>
+        </p:spPr>
+        <p:style>
+          <a:lnRef idx="1">
+            <a:schemeClr val="accent1"/>
+          </a:lnRef>
+          <a:fillRef idx="0">
+            <a:schemeClr val="accent1"/>
+          </a:fillRef>
+          <a:effectRef idx="0">
+            <a:schemeClr val="accent1"/>
+          </a:effectRef>
+          <a:fontRef idx="minor">
+            <a:schemeClr val="tx1"/>
+          </a:fontRef>
+        </p:style>
+      </p:cxnSp>
+      <p:sp>
+        <p:nvSpPr>
+          <p:cNvPr id="14" name="TextBox 13">
+            <a:extLst>
+              <a:ext uri="{FF2B5EF4-FFF2-40B4-BE49-F238E27FC236}">
+                <a16:creationId xmlns:a16="http://schemas.microsoft.com/office/drawing/2014/main" id="{E68F2AA6-053D-4C87-9351-9F7B63DBD360}"/>
+              </a:ext>
+            </a:extLst>
+          </p:cNvPr>
+          <p:cNvSpPr txBox="1"/>
+          <p:nvPr/>
+        </p:nvSpPr>
+        <p:spPr>
+          <a:xfrm>
+            <a:off x="4633708" y="4773953"/>
+            <a:ext cx="1150508" cy="646331"/>
+          </a:xfrm>
+          <a:prstGeom prst="rect">
+            <a:avLst/>
+          </a:prstGeom>
+          <a:solidFill>
+            <a:schemeClr val="bg2"/>
+          </a:solidFill>
+          <a:ln>
+            <a:solidFill>
+              <a:schemeClr val="accent1"/>
+            </a:solidFill>
+          </a:ln>
+        </p:spPr>
+        <p:txBody>
+          <a:bodyPr wrap="none" rtlCol="0">
+            <a:spAutoFit/>
+          </a:bodyPr>
+          <a:lstStyle/>
+          <a:p>
+            <a:r>
+              <a:rPr lang="en-US" dirty="0"/>
+              <a:t>Local Web</a:t>
+            </a:r>
+          </a:p>
+          <a:p>
+            <a:r>
+              <a:rPr lang="en-US" dirty="0"/>
+              <a:t>Sockets</a:t>
+            </a:r>
+          </a:p>
+        </p:txBody>
+      </p:sp>
+      <p:cxnSp>
+        <p:nvCxnSpPr>
+          <p:cNvPr id="16" name="Straight Arrow Connector 15">
+            <a:extLst>
+              <a:ext uri="{FF2B5EF4-FFF2-40B4-BE49-F238E27FC236}">
+                <a16:creationId xmlns:a16="http://schemas.microsoft.com/office/drawing/2014/main" id="{4D29067B-1240-4AEF-ABEF-922166807212}"/>
+              </a:ext>
+            </a:extLst>
+          </p:cNvPr>
+          <p:cNvCxnSpPr/>
+          <p:nvPr/>
+        </p:nvCxnSpPr>
+        <p:spPr>
+          <a:xfrm flipH="1">
+            <a:off x="3326621" y="2434828"/>
+            <a:ext cx="1961816" cy="732578"/>
+          </a:xfrm>
+          <a:prstGeom prst="straightConnector1">
+            <a:avLst/>
+          </a:prstGeom>
+          <a:ln>
+            <a:tailEnd type="triangle"/>
+          </a:ln>
+        </p:spPr>
+        <p:style>
+          <a:lnRef idx="1">
+            <a:schemeClr val="accent1"/>
+          </a:lnRef>
+          <a:fillRef idx="0">
+            <a:schemeClr val="accent1"/>
+          </a:fillRef>
+          <a:effectRef idx="0">
+            <a:schemeClr val="accent1"/>
+          </a:effectRef>
+          <a:fontRef idx="minor">
+            <a:schemeClr val="tx1"/>
+          </a:fontRef>
+        </p:style>
+      </p:cxnSp>
     </p:spTree>
     <p:extLst>
       <p:ext uri="{BB962C8B-B14F-4D97-AF65-F5344CB8AC3E}">
-        <p14:creationId xmlns:p14="http://schemas.microsoft.com/office/powerpoint/2010/main" val="1316875558"/>
+        <p14:creationId xmlns:p14="http://schemas.microsoft.com/office/powerpoint/2010/main" val="1790446537"/>
+      </p:ext>
+    </p:extLst>
+  </p:cSld>
+  <p:clrMapOvr>
+    <a:masterClrMapping/>
+  </p:clrMapOvr>
+</p:sld>
+</file>
+
+<file path=ppt/slides/slide20.xml><?xml version="1.0" encoding="utf-8"?>
+<p:sld xmlns:a="http://schemas.openxmlformats.org/drawingml/2006/main" xmlns:r="http://schemas.openxmlformats.org/officeDocument/2006/relationships" xmlns:p="http://schemas.openxmlformats.org/presentationml/2006/main">
+  <p:cSld>
+    <p:spTree>
+      <p:nvGrpSpPr>
+        <p:cNvPr id="1" name=""/>
+        <p:cNvGrpSpPr/>
+        <p:nvPr/>
+      </p:nvGrpSpPr>
+      <p:grpSpPr>
+        <a:xfrm>
+          <a:off x="0" y="0"/>
+          <a:ext cx="0" cy="0"/>
+          <a:chOff x="0" y="0"/>
+          <a:chExt cx="0" cy="0"/>
+        </a:xfrm>
+      </p:grpSpPr>
+      <p:sp>
+        <p:nvSpPr>
+          <p:cNvPr id="2" name="Title 1">
+            <a:extLst>
+              <a:ext uri="{FF2B5EF4-FFF2-40B4-BE49-F238E27FC236}">
+                <a16:creationId xmlns:a16="http://schemas.microsoft.com/office/drawing/2014/main" id="{CF9C3808-3E77-4E97-8334-07B7F956864C}"/>
+              </a:ext>
+            </a:extLst>
+          </p:cNvPr>
+          <p:cNvSpPr>
+            <a:spLocks noGrp="1"/>
+          </p:cNvSpPr>
+          <p:nvPr>
+            <p:ph type="title"/>
+          </p:nvPr>
+        </p:nvSpPr>
+        <p:spPr/>
+        <p:txBody>
+          <a:bodyPr/>
+          <a:lstStyle/>
+          <a:p>
+            <a:r>
+              <a:rPr lang="en-US" dirty="0"/>
+              <a:t>Web Frame Works Continued</a:t>
+            </a:r>
+          </a:p>
+        </p:txBody>
+      </p:sp>
+      <p:sp>
+        <p:nvSpPr>
+          <p:cNvPr id="3" name="Content Placeholder 2">
+            <a:extLst>
+              <a:ext uri="{FF2B5EF4-FFF2-40B4-BE49-F238E27FC236}">
+                <a16:creationId xmlns:a16="http://schemas.microsoft.com/office/drawing/2014/main" id="{F3E087DD-B8A6-4527-9DA2-7C45F98B01F1}"/>
+              </a:ext>
+            </a:extLst>
+          </p:cNvPr>
+          <p:cNvSpPr>
+            <a:spLocks noGrp="1"/>
+          </p:cNvSpPr>
+          <p:nvPr>
+            <p:ph idx="1"/>
+          </p:nvPr>
+        </p:nvSpPr>
+        <p:spPr/>
+        <p:txBody>
+          <a:bodyPr/>
+          <a:lstStyle/>
+          <a:p>
+            <a:endParaRPr lang="en-US" dirty="0"/>
+          </a:p>
+          <a:p>
+            <a:r>
+              <a:rPr lang="en-US" dirty="0"/>
+              <a:t>Applications live within the framework.  The framework offers:</a:t>
+            </a:r>
+          </a:p>
+          <a:p>
+            <a:pPr lvl="1"/>
+            <a:r>
+              <a:rPr lang="en-US" dirty="0"/>
+              <a:t>Authentication is provided by the framework</a:t>
+            </a:r>
+          </a:p>
+          <a:p>
+            <a:pPr lvl="1"/>
+            <a:r>
+              <a:rPr lang="en-US" dirty="0"/>
+              <a:t>A mobile framework such as jQuery mobile, React Bootstrap</a:t>
+            </a:r>
+          </a:p>
+          <a:p>
+            <a:pPr lvl="1"/>
+            <a:r>
+              <a:rPr lang="en-US" dirty="0"/>
+              <a:t>Navigation is taken care of by the framework</a:t>
+            </a:r>
+          </a:p>
+          <a:p>
+            <a:pPr lvl="1"/>
+            <a:r>
+              <a:rPr lang="en-US" dirty="0"/>
+              <a:t>A common template to add application code into</a:t>
+            </a:r>
+          </a:p>
+          <a:p>
+            <a:pPr lvl="1"/>
+            <a:r>
+              <a:rPr lang="en-US" dirty="0"/>
+              <a:t>JavaScript and </a:t>
+            </a:r>
+            <a:r>
+              <a:rPr lang="en-US" dirty="0" err="1"/>
+              <a:t>Css</a:t>
+            </a:r>
+            <a:r>
+              <a:rPr lang="en-US" dirty="0"/>
+              <a:t> files are included into the template.  No files except for library files</a:t>
+            </a:r>
+          </a:p>
+        </p:txBody>
+      </p:sp>
+    </p:spTree>
+    <p:extLst>
+      <p:ext uri="{BB962C8B-B14F-4D97-AF65-F5344CB8AC3E}">
+        <p14:creationId xmlns:p14="http://schemas.microsoft.com/office/powerpoint/2010/main" val="3004265532"/>
+      </p:ext>
+    </p:extLst>
+  </p:cSld>
+  <p:clrMapOvr>
+    <a:masterClrMapping/>
+  </p:clrMapOvr>
+</p:sld>
+</file>
+
+<file path=ppt/slides/slide21.xml><?xml version="1.0" encoding="utf-8"?>
+<p:sld xmlns:a="http://schemas.openxmlformats.org/drawingml/2006/main" xmlns:r="http://schemas.openxmlformats.org/officeDocument/2006/relationships" xmlns:p="http://schemas.openxmlformats.org/presentationml/2006/main">
+  <p:cSld>
+    <p:spTree>
+      <p:nvGrpSpPr>
+        <p:cNvPr id="1" name=""/>
+        <p:cNvGrpSpPr/>
+        <p:nvPr/>
+      </p:nvGrpSpPr>
+      <p:grpSpPr>
+        <a:xfrm>
+          <a:off x="0" y="0"/>
+          <a:ext cx="0" cy="0"/>
+          <a:chOff x="0" y="0"/>
+          <a:chExt cx="0" cy="0"/>
+        </a:xfrm>
+      </p:grpSpPr>
+      <p:sp>
+        <p:nvSpPr>
+          <p:cNvPr id="2" name="Title 1">
+            <a:extLst>
+              <a:ext uri="{FF2B5EF4-FFF2-40B4-BE49-F238E27FC236}">
+                <a16:creationId xmlns:a16="http://schemas.microsoft.com/office/drawing/2014/main" id="{87572C1C-9F0C-48B6-81B3-8942C2BADD2B}"/>
+              </a:ext>
+            </a:extLst>
+          </p:cNvPr>
+          <p:cNvSpPr>
+            <a:spLocks noGrp="1"/>
+          </p:cNvSpPr>
+          <p:nvPr>
+            <p:ph type="title"/>
+          </p:nvPr>
+        </p:nvSpPr>
+        <p:spPr/>
+        <p:txBody>
+          <a:bodyPr/>
+          <a:lstStyle/>
+          <a:p>
+            <a:r>
+              <a:rPr lang="en-US" dirty="0"/>
+              <a:t>Web Sockets</a:t>
+            </a:r>
+          </a:p>
+        </p:txBody>
+      </p:sp>
+      <p:sp>
+        <p:nvSpPr>
+          <p:cNvPr id="3" name="Content Placeholder 2">
+            <a:extLst>
+              <a:ext uri="{FF2B5EF4-FFF2-40B4-BE49-F238E27FC236}">
+                <a16:creationId xmlns:a16="http://schemas.microsoft.com/office/drawing/2014/main" id="{3BED5526-174E-4269-A905-DDD4716AFE33}"/>
+              </a:ext>
+            </a:extLst>
+          </p:cNvPr>
+          <p:cNvSpPr>
+            <a:spLocks noGrp="1"/>
+          </p:cNvSpPr>
+          <p:nvPr>
+            <p:ph idx="1"/>
+          </p:nvPr>
+        </p:nvSpPr>
+        <p:spPr/>
+        <p:txBody>
+          <a:bodyPr/>
+          <a:lstStyle/>
+          <a:p>
+            <a:r>
+              <a:rPr lang="en-US" dirty="0"/>
+              <a:t>Many user applications require telnet or </a:t>
+            </a:r>
+            <a:r>
+              <a:rPr lang="en-US" dirty="0" err="1"/>
+              <a:t>ssh</a:t>
+            </a:r>
+            <a:r>
+              <a:rPr lang="en-US" dirty="0"/>
+              <a:t> type use cases.</a:t>
+            </a:r>
+          </a:p>
+          <a:p>
+            <a:pPr lvl="1"/>
+            <a:r>
+              <a:rPr lang="en-US" dirty="0"/>
+              <a:t>For lack of a better term console services</a:t>
+            </a:r>
+          </a:p>
+          <a:p>
+            <a:r>
+              <a:rPr lang="en-US" dirty="0"/>
+              <a:t>A Web Socket Service is setup to allow users setup web Sockets</a:t>
+            </a:r>
+          </a:p>
+          <a:p>
+            <a:r>
+              <a:rPr lang="en-US" dirty="0"/>
+              <a:t>Setting up Web Socket Service is straight forward</a:t>
+            </a:r>
+          </a:p>
+          <a:p>
+            <a:r>
+              <a:rPr lang="en-US" dirty="0"/>
+              <a:t>Main problem with Web Sockets is Security</a:t>
+            </a:r>
+          </a:p>
+          <a:p>
+            <a:pPr marL="457200" lvl="1" indent="0">
+              <a:buNone/>
+            </a:pPr>
+            <a:endParaRPr lang="en-US" dirty="0"/>
+          </a:p>
+          <a:p>
+            <a:endParaRPr lang="en-US" dirty="0"/>
+          </a:p>
+        </p:txBody>
+      </p:sp>
+    </p:spTree>
+    <p:extLst>
+      <p:ext uri="{BB962C8B-B14F-4D97-AF65-F5344CB8AC3E}">
+        <p14:creationId xmlns:p14="http://schemas.microsoft.com/office/powerpoint/2010/main" val="1398780728"/>
+      </p:ext>
+    </p:extLst>
+  </p:cSld>
+  <p:clrMapOvr>
+    <a:masterClrMapping/>
+  </p:clrMapOvr>
+</p:sld>
+</file>
+
+<file path=ppt/slides/slide22.xml><?xml version="1.0" encoding="utf-8"?>
+<p:sld xmlns:a="http://schemas.openxmlformats.org/drawingml/2006/main" xmlns:r="http://schemas.openxmlformats.org/officeDocument/2006/relationships" xmlns:p="http://schemas.openxmlformats.org/presentationml/2006/main">
+  <p:cSld>
+    <p:spTree>
+      <p:nvGrpSpPr>
+        <p:cNvPr id="1" name=""/>
+        <p:cNvGrpSpPr/>
+        <p:nvPr/>
+      </p:nvGrpSpPr>
+      <p:grpSpPr>
+        <a:xfrm>
+          <a:off x="0" y="0"/>
+          <a:ext cx="0" cy="0"/>
+          <a:chOff x="0" y="0"/>
+          <a:chExt cx="0" cy="0"/>
+        </a:xfrm>
+      </p:grpSpPr>
+      <p:sp>
+        <p:nvSpPr>
+          <p:cNvPr id="2" name="Title 1">
+            <a:extLst>
+              <a:ext uri="{FF2B5EF4-FFF2-40B4-BE49-F238E27FC236}">
+                <a16:creationId xmlns:a16="http://schemas.microsoft.com/office/drawing/2014/main" id="{97E83EEC-DB8B-4675-B49F-8CD3BE22607F}"/>
+              </a:ext>
+            </a:extLst>
+          </p:cNvPr>
+          <p:cNvSpPr>
+            <a:spLocks noGrp="1"/>
+          </p:cNvSpPr>
+          <p:nvPr>
+            <p:ph type="title"/>
+          </p:nvPr>
+        </p:nvSpPr>
+        <p:spPr/>
+        <p:txBody>
+          <a:bodyPr/>
+          <a:lstStyle/>
+          <a:p>
+            <a:r>
+              <a:rPr lang="en-US" dirty="0"/>
+              <a:t>Summary of Required Functions</a:t>
+            </a:r>
+          </a:p>
+        </p:txBody>
+      </p:sp>
+      <p:sp>
+        <p:nvSpPr>
+          <p:cNvPr id="3" name="Content Placeholder 2">
+            <a:extLst>
+              <a:ext uri="{FF2B5EF4-FFF2-40B4-BE49-F238E27FC236}">
+                <a16:creationId xmlns:a16="http://schemas.microsoft.com/office/drawing/2014/main" id="{0B8EEB2E-2679-4062-936A-1CB9387E4513}"/>
+              </a:ext>
+            </a:extLst>
+          </p:cNvPr>
+          <p:cNvSpPr>
+            <a:spLocks noGrp="1"/>
+          </p:cNvSpPr>
+          <p:nvPr>
+            <p:ph idx="1"/>
+          </p:nvPr>
+        </p:nvSpPr>
+        <p:spPr/>
+        <p:txBody>
+          <a:bodyPr/>
+          <a:lstStyle/>
+          <a:p>
+            <a:r>
+              <a:rPr lang="en-US" dirty="0"/>
+              <a:t>Event Hub</a:t>
+            </a:r>
+          </a:p>
+          <a:p>
+            <a:r>
+              <a:rPr lang="en-US" dirty="0"/>
+              <a:t>Data Store</a:t>
+            </a:r>
+          </a:p>
+          <a:p>
+            <a:r>
+              <a:rPr lang="en-US" dirty="0"/>
+              <a:t>Time Series</a:t>
+            </a:r>
+          </a:p>
+          <a:p>
+            <a:r>
+              <a:rPr lang="en-US" dirty="0"/>
+              <a:t>Elastic Search Functions</a:t>
+            </a:r>
+          </a:p>
+          <a:p>
+            <a:r>
+              <a:rPr lang="en-US" dirty="0"/>
+              <a:t>Web Frame Work</a:t>
+            </a:r>
+          </a:p>
+          <a:p>
+            <a:r>
+              <a:rPr lang="en-US" dirty="0"/>
+              <a:t>Graphical Database Supporting Cypher</a:t>
+            </a:r>
+          </a:p>
+          <a:p>
+            <a:r>
+              <a:rPr lang="en-US" dirty="0"/>
+              <a:t>Run on 32 bit system with 1 Gig of Memory</a:t>
+            </a:r>
+          </a:p>
+          <a:p>
+            <a:r>
+              <a:rPr lang="en-US" dirty="0"/>
+              <a:t>This is the essence of the Nano Data Center</a:t>
+            </a:r>
+          </a:p>
+          <a:p>
+            <a:pPr marL="0" indent="0">
+              <a:buNone/>
+            </a:pPr>
+            <a:endParaRPr lang="en-US" dirty="0"/>
+          </a:p>
+        </p:txBody>
+      </p:sp>
+    </p:spTree>
+    <p:extLst>
+      <p:ext uri="{BB962C8B-B14F-4D97-AF65-F5344CB8AC3E}">
+        <p14:creationId xmlns:p14="http://schemas.microsoft.com/office/powerpoint/2010/main" val="2370387494"/>
       </p:ext>
     </p:extLst>
   </p:cSld>
@@ -4300,7 +6702,7 @@
           <p:cNvPr id="2" name="Title 1">
             <a:extLst>
               <a:ext uri="{FF2B5EF4-FFF2-40B4-BE49-F238E27FC236}">
-                <a16:creationId xmlns:a16="http://schemas.microsoft.com/office/drawing/2014/main" id="{DBA38F27-4C87-4CAF-895C-693DC29F5F67}"/>
+                <a16:creationId xmlns:a16="http://schemas.microsoft.com/office/drawing/2014/main" id="{944DCDB7-5B3F-446D-AA0C-459E3D7D2AE9}"/>
               </a:ext>
             </a:extLst>
           </p:cNvPr>
@@ -4318,122 +6720,683 @@
           <a:p>
             <a:r>
               <a:rPr lang="en-US" dirty="0"/>
-              <a:t>Need to do it with few people</a:t>
-            </a:r>
-          </a:p>
-        </p:txBody>
-      </p:sp>
-      <p:sp>
-        <p:nvSpPr>
-          <p:cNvPr id="3" name="Content Placeholder 2">
-            <a:extLst>
-              <a:ext uri="{FF2B5EF4-FFF2-40B4-BE49-F238E27FC236}">
-                <a16:creationId xmlns:a16="http://schemas.microsoft.com/office/drawing/2014/main" id="{31505D05-6E89-4097-B1AF-DD9266250008}"/>
-              </a:ext>
-            </a:extLst>
-          </p:cNvPr>
-          <p:cNvSpPr>
-            <a:spLocks noGrp="1"/>
-          </p:cNvSpPr>
-          <p:nvPr>
-            <p:ph idx="1"/>
-          </p:nvPr>
-        </p:nvSpPr>
-        <p:spPr/>
-        <p:txBody>
-          <a:bodyPr>
-            <a:normAutofit fontScale="92500" lnSpcReduction="20000"/>
+              <a:t>User View of A Nano Data Center</a:t>
+            </a:r>
+          </a:p>
+        </p:txBody>
+      </p:sp>
+      <p:sp>
+        <p:nvSpPr>
+          <p:cNvPr id="4" name="TextBox 3">
+            <a:extLst>
+              <a:ext uri="{FF2B5EF4-FFF2-40B4-BE49-F238E27FC236}">
+                <a16:creationId xmlns:a16="http://schemas.microsoft.com/office/drawing/2014/main" id="{C9F40BC7-8C31-406E-B657-08D3BA60676A}"/>
+              </a:ext>
+            </a:extLst>
+          </p:cNvPr>
+          <p:cNvSpPr txBox="1"/>
+          <p:nvPr/>
+        </p:nvSpPr>
+        <p:spPr>
+          <a:xfrm>
+            <a:off x="2108579" y="1690688"/>
+            <a:ext cx="1207827" cy="646331"/>
+          </a:xfrm>
+          <a:prstGeom prst="rect">
+            <a:avLst/>
+          </a:prstGeom>
+          <a:noFill/>
+          <a:ln>
+            <a:solidFill>
+              <a:schemeClr val="tx1"/>
+            </a:solidFill>
+          </a:ln>
+        </p:spPr>
+        <p:txBody>
+          <a:bodyPr wrap="square" rtlCol="0">
+            <a:spAutoFit/>
           </a:bodyPr>
           <a:lstStyle/>
           <a:p>
             <a:r>
               <a:rPr lang="en-US" dirty="0"/>
-              <a:t>Many successful online companies worth 100’s million of dollars have been built with crews as low as 4.</a:t>
-            </a:r>
-          </a:p>
-          <a:p>
-            <a:r>
-              <a:rPr lang="en-US" dirty="0"/>
-              <a:t>Productive people is as the sqrt( N )</a:t>
-            </a:r>
-          </a:p>
-          <a:p>
-            <a:pPr lvl="1"/>
-            <a:r>
-              <a:rPr lang="en-US" dirty="0"/>
-              <a:t>For a group of 10  (3) are productive</a:t>
-            </a:r>
-          </a:p>
-          <a:p>
-            <a:pPr lvl="1"/>
-            <a:r>
-              <a:rPr lang="en-US" dirty="0"/>
-              <a:t>For a group of 100 (10) are productive</a:t>
-            </a:r>
-          </a:p>
-          <a:p>
-            <a:r>
-              <a:rPr lang="en-US" dirty="0"/>
-              <a:t>This means the members of your team must be multifunctional.</a:t>
-            </a:r>
-          </a:p>
-          <a:p>
-            <a:pPr lvl="1"/>
-            <a:r>
-              <a:rPr lang="en-US" dirty="0"/>
-              <a:t>Renaissance Men?</a:t>
-            </a:r>
-          </a:p>
-          <a:p>
-            <a:r>
-              <a:rPr lang="en-US" dirty="0"/>
-              <a:t>Purpose of this meetup is to present tools so that a small group can construct state of the art IOT systems.</a:t>
-            </a:r>
-          </a:p>
-          <a:p>
-            <a:r>
-              <a:rPr lang="en-US" dirty="0"/>
-              <a:t>Concentrate on OEM type systems.  </a:t>
-            </a:r>
-          </a:p>
-          <a:p>
-            <a:pPr lvl="1"/>
-            <a:r>
-              <a:rPr lang="en-US" dirty="0"/>
-              <a:t>Numbers ( 1-100 ) for specialty systems</a:t>
-            </a:r>
-          </a:p>
-          <a:p>
-            <a:pPr lvl="1"/>
-            <a:r>
-              <a:rPr lang="en-US" dirty="0"/>
-              <a:t>Cannot compete with large consumer systems.</a:t>
-            </a:r>
-          </a:p>
-          <a:p>
-            <a:pPr lvl="1"/>
-            <a:r>
-              <a:rPr lang="en-US" dirty="0"/>
-              <a:t>For larger numbers a larger company will come into play, </a:t>
-            </a:r>
+              <a:t>User</a:t>
+            </a:r>
+          </a:p>
+          <a:p>
+            <a:r>
+              <a:rPr lang="en-US" dirty="0"/>
+              <a:t>App1</a:t>
+            </a:r>
+          </a:p>
+        </p:txBody>
+      </p:sp>
+      <p:sp>
+        <p:nvSpPr>
+          <p:cNvPr id="5" name="TextBox 4">
+            <a:extLst>
+              <a:ext uri="{FF2B5EF4-FFF2-40B4-BE49-F238E27FC236}">
+                <a16:creationId xmlns:a16="http://schemas.microsoft.com/office/drawing/2014/main" id="{2BD26D55-49B0-41CC-B7F1-79535E4FE6DB}"/>
+              </a:ext>
+            </a:extLst>
+          </p:cNvPr>
+          <p:cNvSpPr txBox="1"/>
+          <p:nvPr/>
+        </p:nvSpPr>
+        <p:spPr>
+          <a:xfrm>
+            <a:off x="3316406" y="1690688"/>
+            <a:ext cx="948520" cy="646331"/>
+          </a:xfrm>
+          <a:prstGeom prst="rect">
+            <a:avLst/>
+          </a:prstGeom>
+          <a:solidFill>
+            <a:schemeClr val="bg2"/>
+          </a:solidFill>
+          <a:ln>
+            <a:solidFill>
+              <a:schemeClr val="tx1"/>
+            </a:solidFill>
+          </a:ln>
+        </p:spPr>
+        <p:txBody>
+          <a:bodyPr wrap="square" rtlCol="0">
+            <a:spAutoFit/>
+          </a:bodyPr>
+          <a:lstStyle/>
+          <a:p>
+            <a:r>
+              <a:rPr lang="en-US" dirty="0"/>
+              <a:t>Access</a:t>
+            </a:r>
+          </a:p>
+          <a:p>
+            <a:r>
+              <a:rPr lang="en-US" dirty="0"/>
+              <a:t>Library</a:t>
+            </a:r>
+          </a:p>
+        </p:txBody>
+      </p:sp>
+      <p:sp>
+        <p:nvSpPr>
+          <p:cNvPr id="6" name="TextBox 5">
+            <a:extLst>
+              <a:ext uri="{FF2B5EF4-FFF2-40B4-BE49-F238E27FC236}">
+                <a16:creationId xmlns:a16="http://schemas.microsoft.com/office/drawing/2014/main" id="{8061385D-C0B5-4791-BE81-FCCDC12668AB}"/>
+              </a:ext>
+            </a:extLst>
+          </p:cNvPr>
+          <p:cNvSpPr txBox="1"/>
+          <p:nvPr/>
+        </p:nvSpPr>
+        <p:spPr>
+          <a:xfrm>
+            <a:off x="2108579" y="2927171"/>
+            <a:ext cx="1207827" cy="646331"/>
+          </a:xfrm>
+          <a:prstGeom prst="rect">
+            <a:avLst/>
+          </a:prstGeom>
+          <a:noFill/>
+          <a:ln>
+            <a:solidFill>
+              <a:schemeClr val="tx1"/>
+            </a:solidFill>
+          </a:ln>
+        </p:spPr>
+        <p:txBody>
+          <a:bodyPr wrap="square" rtlCol="0">
+            <a:spAutoFit/>
+          </a:bodyPr>
+          <a:lstStyle/>
+          <a:p>
+            <a:r>
+              <a:rPr lang="en-US" dirty="0"/>
+              <a:t>User</a:t>
+            </a:r>
+          </a:p>
+          <a:p>
+            <a:r>
+              <a:rPr lang="en-US" dirty="0"/>
+              <a:t>App2</a:t>
+            </a:r>
+          </a:p>
+        </p:txBody>
+      </p:sp>
+      <p:sp>
+        <p:nvSpPr>
+          <p:cNvPr id="7" name="TextBox 6">
+            <a:extLst>
+              <a:ext uri="{FF2B5EF4-FFF2-40B4-BE49-F238E27FC236}">
+                <a16:creationId xmlns:a16="http://schemas.microsoft.com/office/drawing/2014/main" id="{809BE9E2-E207-4E5D-952C-4636903CE088}"/>
+              </a:ext>
+            </a:extLst>
+          </p:cNvPr>
+          <p:cNvSpPr txBox="1"/>
+          <p:nvPr/>
+        </p:nvSpPr>
+        <p:spPr>
+          <a:xfrm>
+            <a:off x="3316406" y="2927171"/>
+            <a:ext cx="948520" cy="646331"/>
+          </a:xfrm>
+          <a:prstGeom prst="rect">
+            <a:avLst/>
+          </a:prstGeom>
+          <a:solidFill>
+            <a:schemeClr val="bg2"/>
+          </a:solidFill>
+          <a:ln>
+            <a:solidFill>
+              <a:schemeClr val="tx1"/>
+            </a:solidFill>
+          </a:ln>
+        </p:spPr>
+        <p:txBody>
+          <a:bodyPr wrap="square" rtlCol="0">
+            <a:spAutoFit/>
+          </a:bodyPr>
+          <a:lstStyle/>
+          <a:p>
+            <a:r>
+              <a:rPr lang="en-US" dirty="0"/>
+              <a:t>Access</a:t>
+            </a:r>
+          </a:p>
+          <a:p>
+            <a:r>
+              <a:rPr lang="en-US" dirty="0"/>
+              <a:t>Library</a:t>
+            </a:r>
+          </a:p>
+        </p:txBody>
+      </p:sp>
+      <p:sp>
+        <p:nvSpPr>
+          <p:cNvPr id="8" name="TextBox 7">
+            <a:extLst>
+              <a:ext uri="{FF2B5EF4-FFF2-40B4-BE49-F238E27FC236}">
+                <a16:creationId xmlns:a16="http://schemas.microsoft.com/office/drawing/2014/main" id="{F405E898-1F09-42C3-8182-B17F89378D3B}"/>
+              </a:ext>
+            </a:extLst>
+          </p:cNvPr>
+          <p:cNvSpPr txBox="1"/>
+          <p:nvPr/>
+        </p:nvSpPr>
+        <p:spPr>
+          <a:xfrm>
+            <a:off x="2025309" y="4699410"/>
+            <a:ext cx="1207827" cy="646331"/>
+          </a:xfrm>
+          <a:prstGeom prst="rect">
+            <a:avLst/>
+          </a:prstGeom>
+          <a:noFill/>
+          <a:ln>
+            <a:solidFill>
+              <a:schemeClr val="tx1"/>
+            </a:solidFill>
+          </a:ln>
+        </p:spPr>
+        <p:txBody>
+          <a:bodyPr wrap="square" rtlCol="0">
+            <a:spAutoFit/>
+          </a:bodyPr>
+          <a:lstStyle/>
+          <a:p>
+            <a:r>
+              <a:rPr lang="en-US" dirty="0"/>
+              <a:t>User</a:t>
+            </a:r>
+          </a:p>
+          <a:p>
             <a:r>
               <a:rPr lang="en-US" dirty="0" err="1"/>
-              <a:t>ie</a:t>
-            </a:r>
-            <a:r>
-              <a:rPr lang="en-US" dirty="0"/>
-              <a:t>, buy out.</a:t>
-            </a:r>
-          </a:p>
-          <a:p>
+              <a:t>Appn</a:t>
+            </a:r>
             <a:endParaRPr lang="en-US" dirty="0"/>
           </a:p>
         </p:txBody>
       </p:sp>
+      <p:sp>
+        <p:nvSpPr>
+          <p:cNvPr id="9" name="TextBox 8">
+            <a:extLst>
+              <a:ext uri="{FF2B5EF4-FFF2-40B4-BE49-F238E27FC236}">
+                <a16:creationId xmlns:a16="http://schemas.microsoft.com/office/drawing/2014/main" id="{B42D477D-18CF-4EEC-B8DB-1C351A7A2C44}"/>
+              </a:ext>
+            </a:extLst>
+          </p:cNvPr>
+          <p:cNvSpPr txBox="1"/>
+          <p:nvPr/>
+        </p:nvSpPr>
+        <p:spPr>
+          <a:xfrm>
+            <a:off x="3233136" y="4699410"/>
+            <a:ext cx="948520" cy="646331"/>
+          </a:xfrm>
+          <a:prstGeom prst="rect">
+            <a:avLst/>
+          </a:prstGeom>
+          <a:solidFill>
+            <a:schemeClr val="bg2"/>
+          </a:solidFill>
+          <a:ln>
+            <a:solidFill>
+              <a:schemeClr val="tx1"/>
+            </a:solidFill>
+          </a:ln>
+        </p:spPr>
+        <p:txBody>
+          <a:bodyPr wrap="square" rtlCol="0">
+            <a:spAutoFit/>
+          </a:bodyPr>
+          <a:lstStyle/>
+          <a:p>
+            <a:r>
+              <a:rPr lang="en-US" dirty="0"/>
+              <a:t>Access</a:t>
+            </a:r>
+          </a:p>
+          <a:p>
+            <a:r>
+              <a:rPr lang="en-US" dirty="0"/>
+              <a:t>Library</a:t>
+            </a:r>
+          </a:p>
+        </p:txBody>
+      </p:sp>
+      <p:sp>
+        <p:nvSpPr>
+          <p:cNvPr id="10" name="TextBox 9">
+            <a:extLst>
+              <a:ext uri="{FF2B5EF4-FFF2-40B4-BE49-F238E27FC236}">
+                <a16:creationId xmlns:a16="http://schemas.microsoft.com/office/drawing/2014/main" id="{BDD4242B-7C60-4BEF-8EF3-F023AF30D5B8}"/>
+              </a:ext>
+            </a:extLst>
+          </p:cNvPr>
+          <p:cNvSpPr txBox="1"/>
+          <p:nvPr/>
+        </p:nvSpPr>
+        <p:spPr>
+          <a:xfrm>
+            <a:off x="5257014" y="2373173"/>
+            <a:ext cx="1677971" cy="1754326"/>
+          </a:xfrm>
+          <a:prstGeom prst="rect">
+            <a:avLst/>
+          </a:prstGeom>
+          <a:solidFill>
+            <a:schemeClr val="bg2"/>
+          </a:solidFill>
+          <a:ln>
+            <a:solidFill>
+              <a:schemeClr val="tx1"/>
+            </a:solidFill>
+          </a:ln>
+        </p:spPr>
+        <p:txBody>
+          <a:bodyPr wrap="square" rtlCol="0">
+            <a:spAutoFit/>
+          </a:bodyPr>
+          <a:lstStyle/>
+          <a:p>
+            <a:r>
+              <a:rPr lang="en-US" dirty="0"/>
+              <a:t>Nano</a:t>
+            </a:r>
+          </a:p>
+          <a:p>
+            <a:r>
+              <a:rPr lang="en-US" dirty="0"/>
+              <a:t>Data</a:t>
+            </a:r>
+          </a:p>
+          <a:p>
+            <a:r>
+              <a:rPr lang="en-US" dirty="0"/>
+              <a:t>Center</a:t>
+            </a:r>
+          </a:p>
+          <a:p>
+            <a:r>
+              <a:rPr lang="en-US" dirty="0"/>
+              <a:t>Docker</a:t>
+            </a:r>
+          </a:p>
+          <a:p>
+            <a:r>
+              <a:rPr lang="en-US" dirty="0"/>
+              <a:t>Container</a:t>
+            </a:r>
+          </a:p>
+          <a:p>
+            <a:endParaRPr lang="en-US" dirty="0"/>
+          </a:p>
+        </p:txBody>
+      </p:sp>
+      <p:cxnSp>
+        <p:nvCxnSpPr>
+          <p:cNvPr id="12" name="Straight Arrow Connector 11">
+            <a:extLst>
+              <a:ext uri="{FF2B5EF4-FFF2-40B4-BE49-F238E27FC236}">
+                <a16:creationId xmlns:a16="http://schemas.microsoft.com/office/drawing/2014/main" id="{38F08C36-594D-4D5B-B928-5FE0D00912D7}"/>
+              </a:ext>
+            </a:extLst>
+          </p:cNvPr>
+          <p:cNvCxnSpPr/>
+          <p:nvPr/>
+        </p:nvCxnSpPr>
+        <p:spPr>
+          <a:xfrm>
+            <a:off x="4355184" y="2092751"/>
+            <a:ext cx="848412" cy="641022"/>
+          </a:xfrm>
+          <a:prstGeom prst="straightConnector1">
+            <a:avLst/>
+          </a:prstGeom>
+          <a:ln>
+            <a:tailEnd type="triangle"/>
+          </a:ln>
+        </p:spPr>
+        <p:style>
+          <a:lnRef idx="1">
+            <a:schemeClr val="accent1"/>
+          </a:lnRef>
+          <a:fillRef idx="0">
+            <a:schemeClr val="accent1"/>
+          </a:fillRef>
+          <a:effectRef idx="0">
+            <a:schemeClr val="accent1"/>
+          </a:effectRef>
+          <a:fontRef idx="minor">
+            <a:schemeClr val="tx1"/>
+          </a:fontRef>
+        </p:style>
+      </p:cxnSp>
+      <p:cxnSp>
+        <p:nvCxnSpPr>
+          <p:cNvPr id="14" name="Straight Arrow Connector 13">
+            <a:extLst>
+              <a:ext uri="{FF2B5EF4-FFF2-40B4-BE49-F238E27FC236}">
+                <a16:creationId xmlns:a16="http://schemas.microsoft.com/office/drawing/2014/main" id="{61DFC1F9-5B52-420F-8178-99D6C1C52CD6}"/>
+              </a:ext>
+            </a:extLst>
+          </p:cNvPr>
+          <p:cNvCxnSpPr>
+            <a:stCxn id="7" idx="3"/>
+            <a:endCxn id="10" idx="1"/>
+          </p:cNvCxnSpPr>
+          <p:nvPr/>
+        </p:nvCxnSpPr>
+        <p:spPr>
+          <a:xfrm flipV="1">
+            <a:off x="4264926" y="3250336"/>
+            <a:ext cx="992088" cy="1"/>
+          </a:xfrm>
+          <a:prstGeom prst="straightConnector1">
+            <a:avLst/>
+          </a:prstGeom>
+          <a:ln>
+            <a:tailEnd type="triangle"/>
+          </a:ln>
+        </p:spPr>
+        <p:style>
+          <a:lnRef idx="1">
+            <a:schemeClr val="accent1"/>
+          </a:lnRef>
+          <a:fillRef idx="0">
+            <a:schemeClr val="accent1"/>
+          </a:fillRef>
+          <a:effectRef idx="0">
+            <a:schemeClr val="accent1"/>
+          </a:effectRef>
+          <a:fontRef idx="minor">
+            <a:schemeClr val="tx1"/>
+          </a:fontRef>
+        </p:style>
+      </p:cxnSp>
+      <p:cxnSp>
+        <p:nvCxnSpPr>
+          <p:cNvPr id="16" name="Straight Arrow Connector 15">
+            <a:extLst>
+              <a:ext uri="{FF2B5EF4-FFF2-40B4-BE49-F238E27FC236}">
+                <a16:creationId xmlns:a16="http://schemas.microsoft.com/office/drawing/2014/main" id="{E0CFD9F0-E2C9-4B7D-A111-399580FDA5D0}"/>
+              </a:ext>
+            </a:extLst>
+          </p:cNvPr>
+          <p:cNvCxnSpPr>
+            <a:stCxn id="9" idx="3"/>
+          </p:cNvCxnSpPr>
+          <p:nvPr/>
+        </p:nvCxnSpPr>
+        <p:spPr>
+          <a:xfrm flipV="1">
+            <a:off x="4181656" y="3891358"/>
+            <a:ext cx="1075358" cy="1131218"/>
+          </a:xfrm>
+          <a:prstGeom prst="straightConnector1">
+            <a:avLst/>
+          </a:prstGeom>
+          <a:ln>
+            <a:tailEnd type="triangle"/>
+          </a:ln>
+        </p:spPr>
+        <p:style>
+          <a:lnRef idx="1">
+            <a:schemeClr val="accent1"/>
+          </a:lnRef>
+          <a:fillRef idx="0">
+            <a:schemeClr val="accent1"/>
+          </a:fillRef>
+          <a:effectRef idx="0">
+            <a:schemeClr val="accent1"/>
+          </a:effectRef>
+          <a:fontRef idx="minor">
+            <a:schemeClr val="tx1"/>
+          </a:fontRef>
+        </p:style>
+      </p:cxnSp>
+      <p:sp>
+        <p:nvSpPr>
+          <p:cNvPr id="17" name="TextBox 16">
+            <a:extLst>
+              <a:ext uri="{FF2B5EF4-FFF2-40B4-BE49-F238E27FC236}">
+                <a16:creationId xmlns:a16="http://schemas.microsoft.com/office/drawing/2014/main" id="{3F34319F-87C5-40EB-81CD-3D8FF8DA7192}"/>
+              </a:ext>
+            </a:extLst>
+          </p:cNvPr>
+          <p:cNvSpPr txBox="1"/>
+          <p:nvPr/>
+        </p:nvSpPr>
+        <p:spPr>
+          <a:xfrm>
+            <a:off x="7975076" y="1593130"/>
+            <a:ext cx="1941922" cy="923330"/>
+          </a:xfrm>
+          <a:prstGeom prst="rect">
+            <a:avLst/>
+          </a:prstGeom>
+          <a:solidFill>
+            <a:schemeClr val="bg2"/>
+          </a:solidFill>
+          <a:ln>
+            <a:solidFill>
+              <a:schemeClr val="tx1"/>
+            </a:solidFill>
+          </a:ln>
+        </p:spPr>
+        <p:txBody>
+          <a:bodyPr wrap="square" rtlCol="0">
+            <a:spAutoFit/>
+          </a:bodyPr>
+          <a:lstStyle/>
+          <a:p>
+            <a:r>
+              <a:rPr lang="en-US" dirty="0"/>
+              <a:t>Web Server</a:t>
+            </a:r>
+          </a:p>
+          <a:p>
+            <a:r>
+              <a:rPr lang="en-US" dirty="0"/>
+              <a:t>Docker</a:t>
+            </a:r>
+          </a:p>
+          <a:p>
+            <a:r>
+              <a:rPr lang="en-US" dirty="0"/>
+              <a:t>Container</a:t>
+            </a:r>
+          </a:p>
+        </p:txBody>
+      </p:sp>
+      <p:sp>
+        <p:nvSpPr>
+          <p:cNvPr id="18" name="TextBox 17">
+            <a:extLst>
+              <a:ext uri="{FF2B5EF4-FFF2-40B4-BE49-F238E27FC236}">
+                <a16:creationId xmlns:a16="http://schemas.microsoft.com/office/drawing/2014/main" id="{AD55BBE4-52D7-4628-B3B8-0F6B76B24F96}"/>
+              </a:ext>
+            </a:extLst>
+          </p:cNvPr>
+          <p:cNvSpPr txBox="1"/>
+          <p:nvPr/>
+        </p:nvSpPr>
+        <p:spPr>
+          <a:xfrm>
+            <a:off x="8295588" y="3573502"/>
+            <a:ext cx="1787833" cy="1200329"/>
+          </a:xfrm>
+          <a:prstGeom prst="rect">
+            <a:avLst/>
+          </a:prstGeom>
+          <a:solidFill>
+            <a:schemeClr val="bg2"/>
+          </a:solidFill>
+          <a:ln>
+            <a:solidFill>
+              <a:schemeClr val="tx1"/>
+            </a:solidFill>
+          </a:ln>
+        </p:spPr>
+        <p:txBody>
+          <a:bodyPr wrap="square" rtlCol="0">
+            <a:spAutoFit/>
+          </a:bodyPr>
+          <a:lstStyle/>
+          <a:p>
+            <a:r>
+              <a:rPr lang="en-US" dirty="0"/>
+              <a:t>IOT</a:t>
+            </a:r>
+          </a:p>
+          <a:p>
+            <a:r>
+              <a:rPr lang="en-US" dirty="0"/>
+              <a:t>Interface</a:t>
+            </a:r>
+          </a:p>
+          <a:p>
+            <a:r>
+              <a:rPr lang="en-US" dirty="0"/>
+              <a:t>Docker</a:t>
+            </a:r>
+          </a:p>
+          <a:p>
+            <a:r>
+              <a:rPr lang="en-US" dirty="0"/>
+              <a:t>Container</a:t>
+            </a:r>
+          </a:p>
+        </p:txBody>
+      </p:sp>
+      <p:cxnSp>
+        <p:nvCxnSpPr>
+          <p:cNvPr id="20" name="Straight Arrow Connector 19">
+            <a:extLst>
+              <a:ext uri="{FF2B5EF4-FFF2-40B4-BE49-F238E27FC236}">
+                <a16:creationId xmlns:a16="http://schemas.microsoft.com/office/drawing/2014/main" id="{FBC5B8EA-B73C-4B9C-8853-C0EC4B107EF3}"/>
+              </a:ext>
+            </a:extLst>
+          </p:cNvPr>
+          <p:cNvCxnSpPr/>
+          <p:nvPr/>
+        </p:nvCxnSpPr>
+        <p:spPr>
+          <a:xfrm flipH="1">
+            <a:off x="6988403" y="2234152"/>
+            <a:ext cx="938670" cy="559307"/>
+          </a:xfrm>
+          <a:prstGeom prst="straightConnector1">
+            <a:avLst/>
+          </a:prstGeom>
+          <a:ln>
+            <a:tailEnd type="triangle"/>
+          </a:ln>
+        </p:spPr>
+        <p:style>
+          <a:lnRef idx="1">
+            <a:schemeClr val="accent1"/>
+          </a:lnRef>
+          <a:fillRef idx="0">
+            <a:schemeClr val="accent1"/>
+          </a:fillRef>
+          <a:effectRef idx="0">
+            <a:schemeClr val="accent1"/>
+          </a:effectRef>
+          <a:fontRef idx="minor">
+            <a:schemeClr val="tx1"/>
+          </a:fontRef>
+        </p:style>
+      </p:cxnSp>
+      <p:cxnSp>
+        <p:nvCxnSpPr>
+          <p:cNvPr id="22" name="Straight Arrow Connector 21">
+            <a:extLst>
+              <a:ext uri="{FF2B5EF4-FFF2-40B4-BE49-F238E27FC236}">
+                <a16:creationId xmlns:a16="http://schemas.microsoft.com/office/drawing/2014/main" id="{6A808B8D-D80C-4785-96A4-27FE287C40EF}"/>
+              </a:ext>
+            </a:extLst>
+          </p:cNvPr>
+          <p:cNvCxnSpPr>
+            <a:endCxn id="18" idx="1"/>
+          </p:cNvCxnSpPr>
+          <p:nvPr/>
+        </p:nvCxnSpPr>
+        <p:spPr>
+          <a:xfrm>
+            <a:off x="6934985" y="3676454"/>
+            <a:ext cx="1360603" cy="497213"/>
+          </a:xfrm>
+          <a:prstGeom prst="straightConnector1">
+            <a:avLst/>
+          </a:prstGeom>
+          <a:ln>
+            <a:tailEnd type="triangle"/>
+          </a:ln>
+        </p:spPr>
+        <p:style>
+          <a:lnRef idx="1">
+            <a:schemeClr val="accent1"/>
+          </a:lnRef>
+          <a:fillRef idx="0">
+            <a:schemeClr val="accent1"/>
+          </a:fillRef>
+          <a:effectRef idx="0">
+            <a:schemeClr val="accent1"/>
+          </a:effectRef>
+          <a:fontRef idx="minor">
+            <a:schemeClr val="tx1"/>
+          </a:fontRef>
+        </p:style>
+      </p:cxnSp>
     </p:spTree>
     <p:extLst>
       <p:ext uri="{BB962C8B-B14F-4D97-AF65-F5344CB8AC3E}">
-        <p14:creationId xmlns:p14="http://schemas.microsoft.com/office/powerpoint/2010/main" val="2719917283"/>
+        <p14:creationId xmlns:p14="http://schemas.microsoft.com/office/powerpoint/2010/main" val="241479068"/>
       </p:ext>
     </p:extLst>
   </p:cSld>
@@ -4465,7 +7428,7 @@
           <p:cNvPr id="2" name="Title 1">
             <a:extLst>
               <a:ext uri="{FF2B5EF4-FFF2-40B4-BE49-F238E27FC236}">
-                <a16:creationId xmlns:a16="http://schemas.microsoft.com/office/drawing/2014/main" id="{22289AD2-D32E-41E5-B093-29CDB0485B07}"/>
+                <a16:creationId xmlns:a16="http://schemas.microsoft.com/office/drawing/2014/main" id="{5C1CE011-1B87-4307-8259-DC1D4683E427}"/>
               </a:ext>
             </a:extLst>
           </p:cNvPr>
@@ -4483,7 +7446,7 @@
           <a:p>
             <a:r>
               <a:rPr lang="en-US" dirty="0"/>
-              <a:t>Rules of OEM IOT Devices</a:t>
+              <a:t>Why is a Data Center Approach Important</a:t>
             </a:r>
           </a:p>
         </p:txBody>
@@ -4493,7 +7456,7 @@
           <p:cNvPr id="3" name="Content Placeholder 2">
             <a:extLst>
               <a:ext uri="{FF2B5EF4-FFF2-40B4-BE49-F238E27FC236}">
-                <a16:creationId xmlns:a16="http://schemas.microsoft.com/office/drawing/2014/main" id="{F975ED2B-73B4-49CC-A0CB-DE905857CEE5}"/>
+                <a16:creationId xmlns:a16="http://schemas.microsoft.com/office/drawing/2014/main" id="{B2DEE174-9CC2-416C-8669-CED991DA59CF}"/>
               </a:ext>
             </a:extLst>
           </p:cNvPr>
@@ -4506,40 +7469,83 @@
         </p:nvSpPr>
         <p:spPr/>
         <p:txBody>
-          <a:bodyPr/>
-          <a:lstStyle/>
-          <a:p>
-            <a:r>
-              <a:rPr lang="en-US" dirty="0"/>
-              <a:t>The customer will want to add more functions</a:t>
+          <a:bodyPr>
+            <a:normAutofit lnSpcReduction="10000"/>
+          </a:bodyPr>
+          <a:lstStyle/>
+          <a:p>
+            <a:r>
+              <a:rPr lang="en-US" dirty="0"/>
+              <a:t>Need to know that target if functioning correctly</a:t>
             </a:r>
           </a:p>
           <a:p>
             <a:pPr lvl="1"/>
             <a:r>
               <a:rPr lang="en-US" dirty="0"/>
-              <a:t>You want that</a:t>
-            </a:r>
-          </a:p>
-          <a:p>
-            <a:r>
-              <a:rPr lang="en-US" dirty="0"/>
-              <a:t>The OEM device that is developed need to be adaptable to multiple uses and customers.</a:t>
-            </a:r>
-          </a:p>
-          <a:p>
-            <a:r>
-              <a:rPr lang="en-US" dirty="0"/>
-              <a:t>The result is that these systems will be more complicated than single use devices.</a:t>
-            </a:r>
-          </a:p>
-          <a:p>
-            <a:r>
-              <a:rPr lang="en-US" dirty="0"/>
-              <a:t>IOT systems need to handle many loosely independent activities.</a:t>
-            </a:r>
-          </a:p>
-          <a:p>
+              <a:t>Examining operating parameters</a:t>
+            </a:r>
+          </a:p>
+          <a:p>
+            <a:pPr lvl="1"/>
+            <a:r>
+              <a:rPr lang="en-US" dirty="0"/>
+              <a:t>Examining time histories of operating parameters ( strip charts )</a:t>
+            </a:r>
+          </a:p>
+          <a:p>
+            <a:pPr lvl="1"/>
+            <a:r>
+              <a:rPr lang="en-US" dirty="0"/>
+              <a:t>Examining output logs</a:t>
+            </a:r>
+          </a:p>
+          <a:p>
+            <a:r>
+              <a:rPr lang="en-US" dirty="0"/>
+              <a:t>Need to detect system and program crashes ( Nothing is Perfect )</a:t>
+            </a:r>
+          </a:p>
+          <a:p>
+            <a:pPr lvl="1"/>
+            <a:r>
+              <a:rPr lang="en-US" dirty="0"/>
+              <a:t>Need to capture crash logs</a:t>
+            </a:r>
+          </a:p>
+          <a:p>
+            <a:pPr lvl="1"/>
+            <a:r>
+              <a:rPr lang="en-US" dirty="0"/>
+              <a:t>Need to capture system and program logs</a:t>
+            </a:r>
+          </a:p>
+          <a:p>
+            <a:r>
+              <a:rPr lang="en-US" dirty="0"/>
+              <a:t>Need to display data to a user in a meaningful way.</a:t>
+            </a:r>
+          </a:p>
+          <a:p>
+            <a:r>
+              <a:rPr lang="en-US" dirty="0"/>
+              <a:t>Data Center Operations have been doing this for many years</a:t>
+            </a:r>
+          </a:p>
+          <a:p>
+            <a:r>
+              <a:rPr lang="en-US" dirty="0"/>
+              <a:t>Only path that users have visibility into the system.</a:t>
+            </a:r>
+          </a:p>
+          <a:p>
+            <a:pPr marL="457200" lvl="1" indent="0">
+              <a:buNone/>
+            </a:pPr>
+            <a:endParaRPr lang="en-US" dirty="0"/>
+          </a:p>
+          <a:p>
+            <a:pPr lvl="1"/>
             <a:endParaRPr lang="en-US" dirty="0"/>
           </a:p>
         </p:txBody>
@@ -4547,7 +7553,7 @@
     </p:spTree>
     <p:extLst>
       <p:ext uri="{BB962C8B-B14F-4D97-AF65-F5344CB8AC3E}">
-        <p14:creationId xmlns:p14="http://schemas.microsoft.com/office/powerpoint/2010/main" val="1347921521"/>
+        <p14:creationId xmlns:p14="http://schemas.microsoft.com/office/powerpoint/2010/main" val="2167675660"/>
       </p:ext>
     </p:extLst>
   </p:cSld>
@@ -4579,7 +7585,7 @@
           <p:cNvPr id="2" name="Title 1">
             <a:extLst>
               <a:ext uri="{FF2B5EF4-FFF2-40B4-BE49-F238E27FC236}">
-                <a16:creationId xmlns:a16="http://schemas.microsoft.com/office/drawing/2014/main" id="{15E94B44-AE7E-4AC7-85D9-32493F368090}"/>
+                <a16:creationId xmlns:a16="http://schemas.microsoft.com/office/drawing/2014/main" id="{BA247CA5-A616-4F3A-B8F2-621EA2C89D3D}"/>
               </a:ext>
             </a:extLst>
           </p:cNvPr>
@@ -4590,597 +7596,89 @@
             <p:ph type="title"/>
           </p:nvPr>
         </p:nvSpPr>
-        <p:spPr>
-          <a:xfrm>
-            <a:off x="839788" y="365125"/>
-            <a:ext cx="10515600" cy="1070531"/>
-          </a:xfrm>
-        </p:spPr>
+        <p:spPr/>
         <p:txBody>
           <a:bodyPr/>
           <a:lstStyle/>
           <a:p>
             <a:r>
               <a:rPr lang="en-US" dirty="0"/>
-              <a:t>Layout of System</a:t>
-            </a:r>
-          </a:p>
-        </p:txBody>
-      </p:sp>
-      <p:sp>
-        <p:nvSpPr>
-          <p:cNvPr id="7" name="TextBox 6">
-            <a:extLst>
-              <a:ext uri="{FF2B5EF4-FFF2-40B4-BE49-F238E27FC236}">
-                <a16:creationId xmlns:a16="http://schemas.microsoft.com/office/drawing/2014/main" id="{E9A6E027-7FAE-4A8E-974E-A7FCF7F7A2E5}"/>
-              </a:ext>
-            </a:extLst>
-          </p:cNvPr>
-          <p:cNvSpPr txBox="1"/>
-          <p:nvPr/>
-        </p:nvSpPr>
-        <p:spPr>
-          <a:xfrm>
-            <a:off x="2335218" y="3333855"/>
-            <a:ext cx="2681492" cy="923330"/>
-          </a:xfrm>
-          <a:prstGeom prst="rect">
-            <a:avLst/>
-          </a:prstGeom>
-          <a:solidFill>
-            <a:schemeClr val="bg2"/>
-          </a:solidFill>
-        </p:spPr>
-        <p:txBody>
-          <a:bodyPr wrap="square" rtlCol="0">
-            <a:spAutoFit/>
-          </a:bodyPr>
-          <a:lstStyle/>
-          <a:p>
-            <a:r>
-              <a:rPr lang="en-US" dirty="0"/>
-              <a:t>Raspberry Pi  </a:t>
-            </a:r>
-          </a:p>
-          <a:p>
-            <a:r>
-              <a:rPr lang="en-US" dirty="0"/>
-              <a:t>Nano Data Center</a:t>
-            </a:r>
-          </a:p>
-          <a:p>
+              <a:t>List of References</a:t>
+            </a:r>
+          </a:p>
+        </p:txBody>
+      </p:sp>
+      <p:sp>
+        <p:nvSpPr>
+          <p:cNvPr id="3" name="Content Placeholder 2">
+            <a:extLst>
+              <a:ext uri="{FF2B5EF4-FFF2-40B4-BE49-F238E27FC236}">
+                <a16:creationId xmlns:a16="http://schemas.microsoft.com/office/drawing/2014/main" id="{86F779F3-1D68-4DB7-AE76-72C6F123A9EF}"/>
+              </a:ext>
+            </a:extLst>
+          </p:cNvPr>
+          <p:cNvSpPr>
+            <a:spLocks noGrp="1"/>
+          </p:cNvSpPr>
+          <p:nvPr>
+            <p:ph idx="1"/>
+          </p:nvPr>
+        </p:nvSpPr>
+        <p:spPr/>
+        <p:txBody>
+          <a:bodyPr/>
+          <a:lstStyle/>
+          <a:p>
+            <a:r>
+              <a:rPr lang="en-US" dirty="0"/>
+              <a:t>The Art of Monitoring by James </a:t>
+            </a:r>
+            <a:r>
+              <a:rPr lang="en-US" dirty="0" err="1"/>
+              <a:t>Turnball</a:t>
+            </a:r>
+            <a:r>
+              <a:rPr lang="en-US" dirty="0"/>
+              <a:t>  -- main reference</a:t>
+            </a:r>
+          </a:p>
+          <a:p>
+            <a:r>
+              <a:rPr lang="en-US" dirty="0"/>
+              <a:t>Practical Monitoring by Mike Julian</a:t>
+            </a:r>
+          </a:p>
+          <a:p>
+            <a:r>
+              <a:rPr lang="en-US" dirty="0"/>
+              <a:t>Monitoring with Graphite by Jason Dixon</a:t>
+            </a:r>
+          </a:p>
+          <a:p>
+            <a:r>
+              <a:rPr lang="en-US" dirty="0"/>
+              <a:t>Effective Monitoring and Alerting by </a:t>
+            </a:r>
+            <a:r>
+              <a:rPr lang="en-US" dirty="0" err="1"/>
+              <a:t>Slavek</a:t>
+            </a:r>
+            <a:r>
+              <a:rPr lang="en-US" dirty="0"/>
+              <a:t> </a:t>
+            </a:r>
+            <a:r>
+              <a:rPr lang="en-US" dirty="0" err="1"/>
+              <a:t>Ligus</a:t>
+            </a:r>
             <a:endParaRPr lang="en-US" dirty="0"/>
-          </a:p>
-        </p:txBody>
-      </p:sp>
-      <p:sp>
-        <p:nvSpPr>
-          <p:cNvPr id="8" name="TextBox 7">
-            <a:extLst>
-              <a:ext uri="{FF2B5EF4-FFF2-40B4-BE49-F238E27FC236}">
-                <a16:creationId xmlns:a16="http://schemas.microsoft.com/office/drawing/2014/main" id="{20201E54-CC5F-406C-9CFF-B99B2410133C}"/>
-              </a:ext>
-            </a:extLst>
-          </p:cNvPr>
-          <p:cNvSpPr txBox="1"/>
-          <p:nvPr/>
-        </p:nvSpPr>
-        <p:spPr>
-          <a:xfrm>
-            <a:off x="758859" y="5266346"/>
-            <a:ext cx="1576359" cy="369332"/>
-          </a:xfrm>
-          <a:prstGeom prst="rect">
-            <a:avLst/>
-          </a:prstGeom>
-          <a:solidFill>
-            <a:schemeClr val="bg2"/>
-          </a:solidFill>
-          <a:ln>
-            <a:solidFill>
-              <a:schemeClr val="tx1"/>
-            </a:solidFill>
-          </a:ln>
-        </p:spPr>
-        <p:txBody>
-          <a:bodyPr wrap="square" rtlCol="0">
-            <a:spAutoFit/>
-          </a:bodyPr>
-          <a:lstStyle/>
-          <a:p>
-            <a:r>
-              <a:rPr lang="en-US" dirty="0"/>
-              <a:t>Slave Device 1</a:t>
-            </a:r>
-          </a:p>
-        </p:txBody>
-      </p:sp>
-      <p:sp>
-        <p:nvSpPr>
-          <p:cNvPr id="9" name="TextBox 8">
-            <a:extLst>
-              <a:ext uri="{FF2B5EF4-FFF2-40B4-BE49-F238E27FC236}">
-                <a16:creationId xmlns:a16="http://schemas.microsoft.com/office/drawing/2014/main" id="{02284DF8-83C3-4BA0-96CC-24D69C2B31F4}"/>
-              </a:ext>
-            </a:extLst>
-          </p:cNvPr>
-          <p:cNvSpPr txBox="1"/>
-          <p:nvPr/>
-        </p:nvSpPr>
-        <p:spPr>
-          <a:xfrm>
-            <a:off x="2700907" y="5266346"/>
-            <a:ext cx="1509041" cy="369332"/>
-          </a:xfrm>
-          <a:prstGeom prst="rect">
-            <a:avLst/>
-          </a:prstGeom>
-          <a:solidFill>
-            <a:schemeClr val="bg2"/>
-          </a:solidFill>
-          <a:ln>
-            <a:solidFill>
-              <a:schemeClr val="tx1"/>
-            </a:solidFill>
-          </a:ln>
-        </p:spPr>
-        <p:txBody>
-          <a:bodyPr wrap="square" rtlCol="0">
-            <a:spAutoFit/>
-          </a:bodyPr>
-          <a:lstStyle/>
-          <a:p>
-            <a:r>
-              <a:rPr lang="en-US" dirty="0"/>
-              <a:t>Slave Device 2</a:t>
-            </a:r>
-          </a:p>
-        </p:txBody>
-      </p:sp>
-      <p:sp>
-        <p:nvSpPr>
-          <p:cNvPr id="11" name="TextBox 10">
-            <a:extLst>
-              <a:ext uri="{FF2B5EF4-FFF2-40B4-BE49-F238E27FC236}">
-                <a16:creationId xmlns:a16="http://schemas.microsoft.com/office/drawing/2014/main" id="{D5DA338B-73FB-4184-AE4E-DB8A919526F2}"/>
-              </a:ext>
-            </a:extLst>
-          </p:cNvPr>
-          <p:cNvSpPr txBox="1"/>
-          <p:nvPr/>
-        </p:nvSpPr>
-        <p:spPr>
-          <a:xfrm>
-            <a:off x="4628098" y="5266346"/>
-            <a:ext cx="1549591" cy="369332"/>
-          </a:xfrm>
-          <a:prstGeom prst="rect">
-            <a:avLst/>
-          </a:prstGeom>
-          <a:solidFill>
-            <a:schemeClr val="bg2"/>
-          </a:solidFill>
-          <a:ln>
-            <a:solidFill>
-              <a:schemeClr val="tx1"/>
-            </a:solidFill>
-          </a:ln>
-        </p:spPr>
-        <p:txBody>
-          <a:bodyPr wrap="none" rtlCol="0">
-            <a:spAutoFit/>
-          </a:bodyPr>
-          <a:lstStyle/>
-          <a:p>
-            <a:r>
-              <a:rPr lang="en-US" dirty="0"/>
-              <a:t>Slave Device N</a:t>
-            </a:r>
-          </a:p>
-        </p:txBody>
-      </p:sp>
-      <p:sp>
-        <p:nvSpPr>
-          <p:cNvPr id="12" name="TextBox 11">
-            <a:extLst>
-              <a:ext uri="{FF2B5EF4-FFF2-40B4-BE49-F238E27FC236}">
-                <a16:creationId xmlns:a16="http://schemas.microsoft.com/office/drawing/2014/main" id="{9373823C-A3D0-4553-A2C9-54B2574B9C7F}"/>
-              </a:ext>
-            </a:extLst>
-          </p:cNvPr>
-          <p:cNvSpPr txBox="1"/>
-          <p:nvPr/>
-        </p:nvSpPr>
-        <p:spPr>
-          <a:xfrm>
-            <a:off x="2221706" y="1690688"/>
-            <a:ext cx="2907507" cy="369332"/>
-          </a:xfrm>
-          <a:prstGeom prst="rect">
-            <a:avLst/>
-          </a:prstGeom>
-          <a:solidFill>
-            <a:schemeClr val="bg2"/>
-          </a:solidFill>
-        </p:spPr>
-        <p:txBody>
-          <a:bodyPr wrap="square" rtlCol="0">
-            <a:spAutoFit/>
-          </a:bodyPr>
-          <a:lstStyle/>
-          <a:p>
-            <a:r>
-              <a:rPr lang="en-US" dirty="0"/>
-              <a:t>Cloud Data Center</a:t>
-            </a:r>
-          </a:p>
-        </p:txBody>
-      </p:sp>
-      <p:cxnSp>
-        <p:nvCxnSpPr>
-          <p:cNvPr id="14" name="Straight Arrow Connector 13">
-            <a:extLst>
-              <a:ext uri="{FF2B5EF4-FFF2-40B4-BE49-F238E27FC236}">
-                <a16:creationId xmlns:a16="http://schemas.microsoft.com/office/drawing/2014/main" id="{24B08B47-BD59-4B82-B1A7-1E6D25A5BAEF}"/>
-              </a:ext>
-            </a:extLst>
-          </p:cNvPr>
-          <p:cNvCxnSpPr>
-            <a:stCxn id="12" idx="2"/>
-            <a:endCxn id="7" idx="0"/>
-          </p:cNvCxnSpPr>
-          <p:nvPr/>
-        </p:nvCxnSpPr>
-        <p:spPr>
-          <a:xfrm>
-            <a:off x="3675460" y="2060020"/>
-            <a:ext cx="504" cy="1273835"/>
-          </a:xfrm>
-          <a:prstGeom prst="straightConnector1">
-            <a:avLst/>
-          </a:prstGeom>
-          <a:ln>
-            <a:tailEnd type="triangle"/>
-          </a:ln>
-        </p:spPr>
-        <p:style>
-          <a:lnRef idx="1">
-            <a:schemeClr val="accent1"/>
-          </a:lnRef>
-          <a:fillRef idx="0">
-            <a:schemeClr val="accent1"/>
-          </a:fillRef>
-          <a:effectRef idx="0">
-            <a:schemeClr val="accent1"/>
-          </a:effectRef>
-          <a:fontRef idx="minor">
-            <a:schemeClr val="tx1"/>
-          </a:fontRef>
-        </p:style>
-      </p:cxnSp>
-      <p:cxnSp>
-        <p:nvCxnSpPr>
-          <p:cNvPr id="16" name="Straight Arrow Connector 15">
-            <a:extLst>
-              <a:ext uri="{FF2B5EF4-FFF2-40B4-BE49-F238E27FC236}">
-                <a16:creationId xmlns:a16="http://schemas.microsoft.com/office/drawing/2014/main" id="{B368F52D-1296-4B49-8558-48AEEBF38C6D}"/>
-              </a:ext>
-            </a:extLst>
-          </p:cNvPr>
-          <p:cNvCxnSpPr/>
-          <p:nvPr/>
-        </p:nvCxnSpPr>
-        <p:spPr>
-          <a:xfrm flipH="1">
-            <a:off x="1800225" y="4257185"/>
-            <a:ext cx="1550194" cy="1009161"/>
-          </a:xfrm>
-          <a:prstGeom prst="straightConnector1">
-            <a:avLst/>
-          </a:prstGeom>
-          <a:ln>
-            <a:tailEnd type="triangle"/>
-          </a:ln>
-        </p:spPr>
-        <p:style>
-          <a:lnRef idx="1">
-            <a:schemeClr val="accent1"/>
-          </a:lnRef>
-          <a:fillRef idx="0">
-            <a:schemeClr val="accent1"/>
-          </a:fillRef>
-          <a:effectRef idx="0">
-            <a:schemeClr val="accent1"/>
-          </a:effectRef>
-          <a:fontRef idx="minor">
-            <a:schemeClr val="tx1"/>
-          </a:fontRef>
-        </p:style>
-      </p:cxnSp>
-      <p:cxnSp>
-        <p:nvCxnSpPr>
-          <p:cNvPr id="18" name="Straight Arrow Connector 17">
-            <a:extLst>
-              <a:ext uri="{FF2B5EF4-FFF2-40B4-BE49-F238E27FC236}">
-                <a16:creationId xmlns:a16="http://schemas.microsoft.com/office/drawing/2014/main" id="{121AFE4B-6298-4593-AF02-7F278F1E0F1C}"/>
-              </a:ext>
-            </a:extLst>
-          </p:cNvPr>
-          <p:cNvCxnSpPr>
-            <a:endCxn id="9" idx="0"/>
-          </p:cNvCxnSpPr>
-          <p:nvPr/>
-        </p:nvCxnSpPr>
-        <p:spPr>
-          <a:xfrm>
-            <a:off x="3364706" y="4257185"/>
-            <a:ext cx="90722" cy="1009161"/>
-          </a:xfrm>
-          <a:prstGeom prst="straightConnector1">
-            <a:avLst/>
-          </a:prstGeom>
-          <a:ln>
-            <a:tailEnd type="triangle"/>
-          </a:ln>
-        </p:spPr>
-        <p:style>
-          <a:lnRef idx="1">
-            <a:schemeClr val="accent1"/>
-          </a:lnRef>
-          <a:fillRef idx="0">
-            <a:schemeClr val="accent1"/>
-          </a:fillRef>
-          <a:effectRef idx="0">
-            <a:schemeClr val="accent1"/>
-          </a:effectRef>
-          <a:fontRef idx="minor">
-            <a:schemeClr val="tx1"/>
-          </a:fontRef>
-        </p:style>
-      </p:cxnSp>
-      <p:cxnSp>
-        <p:nvCxnSpPr>
-          <p:cNvPr id="20" name="Straight Arrow Connector 19">
-            <a:extLst>
-              <a:ext uri="{FF2B5EF4-FFF2-40B4-BE49-F238E27FC236}">
-                <a16:creationId xmlns:a16="http://schemas.microsoft.com/office/drawing/2014/main" id="{9A54E0F9-4474-4694-82B0-59A40D8D17CC}"/>
-              </a:ext>
-            </a:extLst>
-          </p:cNvPr>
-          <p:cNvCxnSpPr/>
-          <p:nvPr/>
-        </p:nvCxnSpPr>
-        <p:spPr>
-          <a:xfrm>
-            <a:off x="3376584" y="4257185"/>
-            <a:ext cx="1452591" cy="1009161"/>
-          </a:xfrm>
-          <a:prstGeom prst="straightConnector1">
-            <a:avLst/>
-          </a:prstGeom>
-          <a:ln>
-            <a:tailEnd type="triangle"/>
-          </a:ln>
-        </p:spPr>
-        <p:style>
-          <a:lnRef idx="1">
-            <a:schemeClr val="accent1"/>
-          </a:lnRef>
-          <a:fillRef idx="0">
-            <a:schemeClr val="accent1"/>
-          </a:fillRef>
-          <a:effectRef idx="0">
-            <a:schemeClr val="accent1"/>
-          </a:effectRef>
-          <a:fontRef idx="minor">
-            <a:schemeClr val="tx1"/>
-          </a:fontRef>
-        </p:style>
-      </p:cxnSp>
-      <p:cxnSp>
-        <p:nvCxnSpPr>
-          <p:cNvPr id="22" name="Straight Connector 21">
-            <a:extLst>
-              <a:ext uri="{FF2B5EF4-FFF2-40B4-BE49-F238E27FC236}">
-                <a16:creationId xmlns:a16="http://schemas.microsoft.com/office/drawing/2014/main" id="{DA26E7AB-52F8-4FC6-AD2D-BD3EDD6929AE}"/>
-              </a:ext>
-            </a:extLst>
-          </p:cNvPr>
-          <p:cNvCxnSpPr/>
-          <p:nvPr/>
-        </p:nvCxnSpPr>
-        <p:spPr>
-          <a:xfrm>
-            <a:off x="364331" y="4586288"/>
-            <a:ext cx="10487025" cy="114300"/>
-          </a:xfrm>
-          <a:prstGeom prst="line">
-            <a:avLst/>
-          </a:prstGeom>
-        </p:spPr>
-        <p:style>
-          <a:lnRef idx="1">
-            <a:schemeClr val="accent1"/>
-          </a:lnRef>
-          <a:fillRef idx="0">
-            <a:schemeClr val="accent1"/>
-          </a:fillRef>
-          <a:effectRef idx="0">
-            <a:schemeClr val="accent1"/>
-          </a:effectRef>
-          <a:fontRef idx="minor">
-            <a:schemeClr val="tx1"/>
-          </a:fontRef>
-        </p:style>
-      </p:cxnSp>
-      <p:sp>
-        <p:nvSpPr>
-          <p:cNvPr id="23" name="Rectangle 22">
-            <a:extLst>
-              <a:ext uri="{FF2B5EF4-FFF2-40B4-BE49-F238E27FC236}">
-                <a16:creationId xmlns:a16="http://schemas.microsoft.com/office/drawing/2014/main" id="{65B3604A-19F1-42F7-8037-C7B0F0BFA0BE}"/>
-              </a:ext>
-            </a:extLst>
-          </p:cNvPr>
-          <p:cNvSpPr/>
-          <p:nvPr/>
-        </p:nvSpPr>
-        <p:spPr>
-          <a:xfrm>
-            <a:off x="164307" y="4955620"/>
-            <a:ext cx="10622756" cy="1657350"/>
-          </a:xfrm>
-          <a:prstGeom prst="rect">
-            <a:avLst/>
-          </a:prstGeom>
-          <a:solidFill>
-            <a:schemeClr val="bg1">
-              <a:lumMod val="75000"/>
-              <a:alpha val="35000"/>
-            </a:schemeClr>
-          </a:solidFill>
-        </p:spPr>
-        <p:style>
-          <a:lnRef idx="2">
-            <a:schemeClr val="accent1">
-              <a:shade val="50000"/>
-            </a:schemeClr>
-          </a:lnRef>
-          <a:fillRef idx="1">
-            <a:schemeClr val="accent1"/>
-          </a:fillRef>
-          <a:effectRef idx="0">
-            <a:schemeClr val="accent1"/>
-          </a:effectRef>
-          <a:fontRef idx="minor">
-            <a:schemeClr val="lt1"/>
-          </a:fontRef>
-        </p:style>
-        <p:txBody>
-          <a:bodyPr rtlCol="0" anchor="ctr"/>
-          <a:lstStyle/>
-          <a:p>
-            <a:pPr algn="ctr"/>
-            <a:endParaRPr lang="en-US"/>
-          </a:p>
-        </p:txBody>
-      </p:sp>
-      <p:sp>
-        <p:nvSpPr>
-          <p:cNvPr id="24" name="Rectangle 23">
-            <a:extLst>
-              <a:ext uri="{FF2B5EF4-FFF2-40B4-BE49-F238E27FC236}">
-                <a16:creationId xmlns:a16="http://schemas.microsoft.com/office/drawing/2014/main" id="{607F57A9-9F03-4BB2-BD36-E699A177FEC4}"/>
-              </a:ext>
-            </a:extLst>
-          </p:cNvPr>
-          <p:cNvSpPr/>
-          <p:nvPr/>
-        </p:nvSpPr>
-        <p:spPr>
-          <a:xfrm>
-            <a:off x="3381725" y="5556169"/>
-            <a:ext cx="7171643" cy="923330"/>
-          </a:xfrm>
-          <a:prstGeom prst="rect">
-            <a:avLst/>
-          </a:prstGeom>
-          <a:noFill/>
-        </p:spPr>
-        <p:txBody>
-          <a:bodyPr wrap="none" lIns="91440" tIns="45720" rIns="91440" bIns="45720">
-            <a:spAutoFit/>
-          </a:bodyPr>
-          <a:lstStyle/>
-          <a:p>
-            <a:pPr algn="ctr"/>
-            <a:r>
-              <a:rPr lang="en-US" sz="5400" b="0" cap="none" spc="0" dirty="0">
-                <a:ln w="0"/>
-                <a:solidFill>
-                  <a:schemeClr val="tx1"/>
-                </a:solidFill>
-                <a:effectLst>
-                  <a:outerShdw blurRad="38100" dist="19050" dir="2700000" algn="tl" rotWithShape="0">
-                    <a:schemeClr val="dk1">
-                      <a:alpha val="40000"/>
-                    </a:schemeClr>
-                  </a:outerShdw>
-                </a:effectLst>
-              </a:rPr>
-              <a:t>Embedded Development</a:t>
-            </a:r>
-          </a:p>
-        </p:txBody>
-      </p:sp>
-      <p:sp>
-        <p:nvSpPr>
-          <p:cNvPr id="25" name="Rectangle 24">
-            <a:extLst>
-              <a:ext uri="{FF2B5EF4-FFF2-40B4-BE49-F238E27FC236}">
-                <a16:creationId xmlns:a16="http://schemas.microsoft.com/office/drawing/2014/main" id="{ED906A83-922F-43FA-A7DF-0E1BF5C864F4}"/>
-              </a:ext>
-            </a:extLst>
-          </p:cNvPr>
-          <p:cNvSpPr/>
-          <p:nvPr/>
-        </p:nvSpPr>
-        <p:spPr>
-          <a:xfrm>
-            <a:off x="4851203" y="2060020"/>
-            <a:ext cx="5018489" cy="1754326"/>
-          </a:xfrm>
-          <a:prstGeom prst="rect">
-            <a:avLst/>
-          </a:prstGeom>
-          <a:noFill/>
-        </p:spPr>
-        <p:txBody>
-          <a:bodyPr wrap="none" lIns="91440" tIns="45720" rIns="91440" bIns="45720">
-            <a:spAutoFit/>
-          </a:bodyPr>
-          <a:lstStyle/>
-          <a:p>
-            <a:pPr algn="ctr"/>
-            <a:r>
-              <a:rPr lang="en-US" sz="5400" dirty="0">
-                <a:ln w="0"/>
-                <a:effectLst>
-                  <a:outerShdw blurRad="38100" dist="19050" dir="2700000" algn="tl" rotWithShape="0">
-                    <a:schemeClr val="dk1">
-                      <a:alpha val="40000"/>
-                    </a:schemeClr>
-                  </a:outerShdw>
-                </a:effectLst>
-              </a:rPr>
-              <a:t>Data Center Type</a:t>
-            </a:r>
-          </a:p>
-          <a:p>
-            <a:pPr algn="ctr"/>
-            <a:r>
-              <a:rPr lang="en-US" sz="5400" b="0" cap="none" spc="0" dirty="0">
-                <a:ln w="0"/>
-                <a:solidFill>
-                  <a:schemeClr val="tx1"/>
-                </a:solidFill>
-                <a:effectLst>
-                  <a:outerShdw blurRad="38100" dist="19050" dir="2700000" algn="tl" rotWithShape="0">
-                    <a:schemeClr val="dk1">
-                      <a:alpha val="40000"/>
-                    </a:schemeClr>
-                  </a:outerShdw>
-                </a:effectLst>
-              </a:rPr>
-              <a:t>Development</a:t>
-            </a:r>
           </a:p>
         </p:txBody>
       </p:sp>
     </p:spTree>
     <p:extLst>
       <p:ext uri="{BB962C8B-B14F-4D97-AF65-F5344CB8AC3E}">
-        <p14:creationId xmlns:p14="http://schemas.microsoft.com/office/powerpoint/2010/main" val="1894496019"/>
+        <p14:creationId xmlns:p14="http://schemas.microsoft.com/office/powerpoint/2010/main" val="1214547818"/>
       </p:ext>
     </p:extLst>
   </p:cSld>
@@ -5212,7 +7710,7 @@
           <p:cNvPr id="2" name="Title 1">
             <a:extLst>
               <a:ext uri="{FF2B5EF4-FFF2-40B4-BE49-F238E27FC236}">
-                <a16:creationId xmlns:a16="http://schemas.microsoft.com/office/drawing/2014/main" id="{B6667587-FF3A-4B83-993C-708AF6D18D6D}"/>
+                <a16:creationId xmlns:a16="http://schemas.microsoft.com/office/drawing/2014/main" id="{705B617F-A145-49DA-9F69-17B3DDAC746E}"/>
               </a:ext>
             </a:extLst>
           </p:cNvPr>
@@ -5225,999 +7723,79 @@
         </p:nvSpPr>
         <p:spPr/>
         <p:txBody>
-          <a:bodyPr>
-            <a:noAutofit/>
-          </a:bodyPr>
-          <a:lstStyle/>
-          <a:p>
-            <a:r>
-              <a:rPr lang="en-US" sz="3200" dirty="0"/>
-              <a:t>Role of Nano Data Center</a:t>
-            </a:r>
-            <a:br>
-              <a:rPr lang="en-US" sz="3200" dirty="0"/>
-            </a:br>
-            <a:r>
-              <a:rPr lang="en-US" sz="3200" dirty="0"/>
-              <a:t>Functions are added to an existing platform much like apps are to a cell phone</a:t>
-            </a:r>
-          </a:p>
-        </p:txBody>
-      </p:sp>
-      <p:pic>
-        <p:nvPicPr>
-          <p:cNvPr id="1026" name="Picture 2" descr="https://images-na.ssl-images-amazon.com/images/I/41CdYS1EvWL.jpg">
-            <a:extLst>
-              <a:ext uri="{FF2B5EF4-FFF2-40B4-BE49-F238E27FC236}">
-                <a16:creationId xmlns:a16="http://schemas.microsoft.com/office/drawing/2014/main" id="{8FB89234-EB35-49E5-896C-AA6CDC9B1A71}"/>
-              </a:ext>
-            </a:extLst>
-          </p:cNvPr>
-          <p:cNvPicPr>
-            <a:picLocks noChangeAspect="1" noChangeArrowheads="1"/>
-          </p:cNvPicPr>
-          <p:nvPr/>
-        </p:nvPicPr>
-        <p:blipFill>
-          <a:blip r:embed="rId2">
-            <a:extLst>
-              <a:ext uri="{28A0092B-C50C-407E-A947-70E740481C1C}">
-                <a14:useLocalDpi xmlns:a14="http://schemas.microsoft.com/office/drawing/2010/main" val="0"/>
-              </a:ext>
-            </a:extLst>
-          </a:blip>
-          <a:srcRect/>
-          <a:stretch>
-            <a:fillRect/>
-          </a:stretch>
-        </p:blipFill>
-        <p:spPr bwMode="auto">
-          <a:xfrm>
-            <a:off x="1221581" y="2434828"/>
-            <a:ext cx="1988344" cy="1988344"/>
-          </a:xfrm>
-          <a:prstGeom prst="rect">
-            <a:avLst/>
-          </a:prstGeom>
-          <a:noFill/>
-          <a:extLst>
-            <a:ext uri="{909E8E84-426E-40DD-AFC4-6F175D3DCCD1}">
-              <a14:hiddenFill xmlns:a14="http://schemas.microsoft.com/office/drawing/2010/main">
-                <a:solidFill>
-                  <a:srgbClr val="FFFFFF"/>
-                </a:solidFill>
-              </a14:hiddenFill>
-            </a:ext>
-          </a:extLst>
-        </p:spPr>
-      </p:pic>
-      <p:cxnSp>
-        <p:nvCxnSpPr>
-          <p:cNvPr id="5" name="Straight Arrow Connector 4">
-            <a:extLst>
-              <a:ext uri="{FF2B5EF4-FFF2-40B4-BE49-F238E27FC236}">
-                <a16:creationId xmlns:a16="http://schemas.microsoft.com/office/drawing/2014/main" id="{0827B729-042A-45A3-BEE9-7F9F73464563}"/>
-              </a:ext>
-            </a:extLst>
-          </p:cNvPr>
-          <p:cNvCxnSpPr/>
-          <p:nvPr/>
-        </p:nvCxnSpPr>
-        <p:spPr>
-          <a:xfrm flipV="1">
-            <a:off x="3486150" y="3371850"/>
-            <a:ext cx="2671763" cy="57150"/>
-          </a:xfrm>
-          <a:prstGeom prst="straightConnector1">
-            <a:avLst/>
-          </a:prstGeom>
-          <a:ln>
-            <a:tailEnd type="triangle"/>
-          </a:ln>
-        </p:spPr>
-        <p:style>
-          <a:lnRef idx="1">
-            <a:schemeClr val="accent1"/>
-          </a:lnRef>
-          <a:fillRef idx="0">
-            <a:schemeClr val="accent1"/>
-          </a:fillRef>
-          <a:effectRef idx="0">
-            <a:schemeClr val="accent1"/>
-          </a:effectRef>
-          <a:fontRef idx="minor">
-            <a:schemeClr val="tx1"/>
-          </a:fontRef>
-        </p:style>
-      </p:cxnSp>
-      <p:sp>
-        <p:nvSpPr>
-          <p:cNvPr id="7" name="TextBox 6">
-            <a:extLst>
-              <a:ext uri="{FF2B5EF4-FFF2-40B4-BE49-F238E27FC236}">
-                <a16:creationId xmlns:a16="http://schemas.microsoft.com/office/drawing/2014/main" id="{1BD6FF9F-56A4-4365-981A-29329C0FA676}"/>
-              </a:ext>
-            </a:extLst>
-          </p:cNvPr>
-          <p:cNvSpPr txBox="1"/>
-          <p:nvPr/>
-        </p:nvSpPr>
-        <p:spPr>
-          <a:xfrm>
-            <a:off x="6270373" y="2967335"/>
-            <a:ext cx="1616661" cy="923330"/>
-          </a:xfrm>
-          <a:prstGeom prst="rect">
-            <a:avLst/>
-          </a:prstGeom>
-          <a:noFill/>
-        </p:spPr>
-        <p:txBody>
-          <a:bodyPr wrap="none" rtlCol="0">
-            <a:spAutoFit/>
-          </a:bodyPr>
-          <a:lstStyle/>
-          <a:p>
-            <a:r>
-              <a:rPr lang="en-US" dirty="0"/>
-              <a:t>Cloud Interface</a:t>
-            </a:r>
-          </a:p>
-          <a:p>
-            <a:r>
-              <a:rPr lang="en-US" dirty="0"/>
-              <a:t>AMQP or </a:t>
-            </a:r>
-          </a:p>
-          <a:p>
-            <a:r>
-              <a:rPr lang="en-US" dirty="0"/>
-              <a:t>equivalent</a:t>
-            </a:r>
-          </a:p>
-        </p:txBody>
-      </p:sp>
-      <p:sp>
-        <p:nvSpPr>
-          <p:cNvPr id="8" name="TextBox 7">
-            <a:extLst>
-              <a:ext uri="{FF2B5EF4-FFF2-40B4-BE49-F238E27FC236}">
-                <a16:creationId xmlns:a16="http://schemas.microsoft.com/office/drawing/2014/main" id="{8FFF8D25-96FA-40B3-BCB7-E6B3BCE6F346}"/>
-              </a:ext>
-            </a:extLst>
-          </p:cNvPr>
-          <p:cNvSpPr txBox="1"/>
-          <p:nvPr/>
-        </p:nvSpPr>
-        <p:spPr>
-          <a:xfrm>
-            <a:off x="8434555" y="3662765"/>
-            <a:ext cx="1095043" cy="369332"/>
-          </a:xfrm>
-          <a:prstGeom prst="rect">
-            <a:avLst/>
-          </a:prstGeom>
-          <a:noFill/>
-        </p:spPr>
-        <p:txBody>
-          <a:bodyPr wrap="none" rtlCol="0">
-            <a:spAutoFit/>
-          </a:bodyPr>
-          <a:lstStyle/>
-          <a:p>
-            <a:r>
-              <a:rPr lang="en-US" dirty="0"/>
-              <a:t>Event Bus</a:t>
-            </a:r>
-          </a:p>
-        </p:txBody>
-      </p:sp>
-      <p:sp>
-        <p:nvSpPr>
-          <p:cNvPr id="9" name="TextBox 8">
-            <a:extLst>
-              <a:ext uri="{FF2B5EF4-FFF2-40B4-BE49-F238E27FC236}">
-                <a16:creationId xmlns:a16="http://schemas.microsoft.com/office/drawing/2014/main" id="{56926765-D0A2-4B92-9F59-BFADF4E2856E}"/>
-              </a:ext>
-            </a:extLst>
-          </p:cNvPr>
-          <p:cNvSpPr txBox="1"/>
-          <p:nvPr/>
-        </p:nvSpPr>
-        <p:spPr>
-          <a:xfrm>
-            <a:off x="9817179" y="3462827"/>
-            <a:ext cx="1300677" cy="646331"/>
-          </a:xfrm>
-          <a:prstGeom prst="rect">
-            <a:avLst/>
-          </a:prstGeom>
-          <a:noFill/>
-        </p:spPr>
-        <p:txBody>
-          <a:bodyPr wrap="none" rtlCol="0">
-            <a:spAutoFit/>
-          </a:bodyPr>
-          <a:lstStyle/>
-          <a:p>
-            <a:r>
-              <a:rPr lang="en-US" dirty="0"/>
-              <a:t>Device Data</a:t>
-            </a:r>
-          </a:p>
-          <a:p>
-            <a:r>
-              <a:rPr lang="en-US" dirty="0"/>
-              <a:t>Base</a:t>
-            </a:r>
-          </a:p>
-        </p:txBody>
-      </p:sp>
-      <p:cxnSp>
-        <p:nvCxnSpPr>
-          <p:cNvPr id="13" name="Straight Arrow Connector 12">
-            <a:extLst>
-              <a:ext uri="{FF2B5EF4-FFF2-40B4-BE49-F238E27FC236}">
-                <a16:creationId xmlns:a16="http://schemas.microsoft.com/office/drawing/2014/main" id="{BF72772D-A901-4AAD-A3BE-0F849DAA3754}"/>
-              </a:ext>
-            </a:extLst>
-          </p:cNvPr>
-          <p:cNvCxnSpPr/>
-          <p:nvPr/>
-        </p:nvCxnSpPr>
-        <p:spPr>
-          <a:xfrm>
-            <a:off x="7943499" y="3281742"/>
-            <a:ext cx="998548" cy="0"/>
-          </a:xfrm>
-          <a:prstGeom prst="straightConnector1">
-            <a:avLst/>
-          </a:prstGeom>
-          <a:ln>
-            <a:tailEnd type="triangle"/>
-          </a:ln>
-        </p:spPr>
-        <p:style>
-          <a:lnRef idx="1">
-            <a:schemeClr val="accent1"/>
-          </a:lnRef>
-          <a:fillRef idx="0">
-            <a:schemeClr val="accent1"/>
-          </a:fillRef>
-          <a:effectRef idx="0">
-            <a:schemeClr val="accent1"/>
-          </a:effectRef>
-          <a:fontRef idx="minor">
-            <a:schemeClr val="tx1"/>
-          </a:fontRef>
-        </p:style>
-      </p:cxnSp>
-      <p:cxnSp>
-        <p:nvCxnSpPr>
-          <p:cNvPr id="15" name="Straight Arrow Connector 14">
-            <a:extLst>
-              <a:ext uri="{FF2B5EF4-FFF2-40B4-BE49-F238E27FC236}">
-                <a16:creationId xmlns:a16="http://schemas.microsoft.com/office/drawing/2014/main" id="{905DBC55-125E-4508-A693-93D7B93A4CD4}"/>
-              </a:ext>
-            </a:extLst>
-          </p:cNvPr>
-          <p:cNvCxnSpPr/>
-          <p:nvPr/>
-        </p:nvCxnSpPr>
-        <p:spPr>
-          <a:xfrm>
-            <a:off x="8982076" y="3276133"/>
-            <a:ext cx="1345595" cy="0"/>
-          </a:xfrm>
-          <a:prstGeom prst="straightConnector1">
-            <a:avLst/>
-          </a:prstGeom>
-          <a:ln>
-            <a:tailEnd type="triangle"/>
-          </a:ln>
-        </p:spPr>
-        <p:style>
-          <a:lnRef idx="1">
-            <a:schemeClr val="accent1"/>
-          </a:lnRef>
-          <a:fillRef idx="0">
-            <a:schemeClr val="accent1"/>
-          </a:fillRef>
-          <a:effectRef idx="0">
-            <a:schemeClr val="accent1"/>
-          </a:effectRef>
-          <a:fontRef idx="minor">
-            <a:schemeClr val="tx1"/>
-          </a:fontRef>
-        </p:style>
-      </p:cxnSp>
-      <p:cxnSp>
-        <p:nvCxnSpPr>
-          <p:cNvPr id="17" name="Straight Arrow Connector 16">
-            <a:extLst>
-              <a:ext uri="{FF2B5EF4-FFF2-40B4-BE49-F238E27FC236}">
-                <a16:creationId xmlns:a16="http://schemas.microsoft.com/office/drawing/2014/main" id="{7C1CF89A-7358-4CA3-BD9E-5F1D67DCD621}"/>
-              </a:ext>
-            </a:extLst>
-          </p:cNvPr>
-          <p:cNvCxnSpPr>
-            <a:endCxn id="8" idx="0"/>
-          </p:cNvCxnSpPr>
-          <p:nvPr/>
-        </p:nvCxnSpPr>
-        <p:spPr>
-          <a:xfrm>
-            <a:off x="8982076" y="3326621"/>
-            <a:ext cx="1" cy="336144"/>
-          </a:xfrm>
-          <a:prstGeom prst="straightConnector1">
-            <a:avLst/>
-          </a:prstGeom>
-          <a:ln>
-            <a:tailEnd type="triangle"/>
-          </a:ln>
-        </p:spPr>
-        <p:style>
-          <a:lnRef idx="1">
-            <a:schemeClr val="accent1"/>
-          </a:lnRef>
-          <a:fillRef idx="0">
-            <a:schemeClr val="accent1"/>
-          </a:fillRef>
-          <a:effectRef idx="0">
-            <a:schemeClr val="accent1"/>
-          </a:effectRef>
-          <a:fontRef idx="minor">
-            <a:schemeClr val="tx1"/>
-          </a:fontRef>
-        </p:style>
-      </p:cxnSp>
-      <p:cxnSp>
-        <p:nvCxnSpPr>
-          <p:cNvPr id="19" name="Straight Arrow Connector 18">
-            <a:extLst>
-              <a:ext uri="{FF2B5EF4-FFF2-40B4-BE49-F238E27FC236}">
-                <a16:creationId xmlns:a16="http://schemas.microsoft.com/office/drawing/2014/main" id="{2A07A395-077E-485F-9381-454A6D452AAB}"/>
-              </a:ext>
-            </a:extLst>
-          </p:cNvPr>
-          <p:cNvCxnSpPr/>
-          <p:nvPr/>
-        </p:nvCxnSpPr>
-        <p:spPr>
-          <a:xfrm>
-            <a:off x="10327671" y="3276133"/>
-            <a:ext cx="0" cy="305734"/>
-          </a:xfrm>
-          <a:prstGeom prst="straightConnector1">
-            <a:avLst/>
-          </a:prstGeom>
-          <a:ln>
-            <a:tailEnd type="triangle"/>
-          </a:ln>
-        </p:spPr>
-        <p:style>
-          <a:lnRef idx="1">
-            <a:schemeClr val="accent1"/>
-          </a:lnRef>
-          <a:fillRef idx="0">
-            <a:schemeClr val="accent1"/>
-          </a:fillRef>
-          <a:effectRef idx="0">
-            <a:schemeClr val="accent1"/>
-          </a:effectRef>
-          <a:fontRef idx="minor">
-            <a:schemeClr val="tx1"/>
-          </a:fontRef>
-        </p:style>
-      </p:cxnSp>
-      <p:sp>
-        <p:nvSpPr>
-          <p:cNvPr id="20" name="TextBox 19">
-            <a:extLst>
-              <a:ext uri="{FF2B5EF4-FFF2-40B4-BE49-F238E27FC236}">
-                <a16:creationId xmlns:a16="http://schemas.microsoft.com/office/drawing/2014/main" id="{924BB0CD-3AF3-4979-9F2A-8412B30BF098}"/>
-              </a:ext>
-            </a:extLst>
-          </p:cNvPr>
-          <p:cNvSpPr txBox="1"/>
-          <p:nvPr/>
-        </p:nvSpPr>
-        <p:spPr>
-          <a:xfrm>
-            <a:off x="1396844" y="4773953"/>
-            <a:ext cx="869522" cy="646331"/>
-          </a:xfrm>
-          <a:prstGeom prst="rect">
-            <a:avLst/>
-          </a:prstGeom>
-          <a:solidFill>
-            <a:schemeClr val="bg2"/>
-          </a:solidFill>
-          <a:ln>
-            <a:solidFill>
-              <a:schemeClr val="tx1"/>
-            </a:solidFill>
-          </a:ln>
-        </p:spPr>
-        <p:txBody>
-          <a:bodyPr wrap="square" rtlCol="0">
-            <a:spAutoFit/>
-          </a:bodyPr>
-          <a:lstStyle/>
-          <a:p>
-            <a:r>
-              <a:rPr lang="en-US" dirty="0"/>
-              <a:t>Local Apps</a:t>
-            </a:r>
-          </a:p>
-        </p:txBody>
-      </p:sp>
-      <p:sp>
-        <p:nvSpPr>
-          <p:cNvPr id="21" name="TextBox 20">
-            <a:extLst>
-              <a:ext uri="{FF2B5EF4-FFF2-40B4-BE49-F238E27FC236}">
-                <a16:creationId xmlns:a16="http://schemas.microsoft.com/office/drawing/2014/main" id="{04B4C0FC-8F10-472A-A557-DBD0CB1C5B64}"/>
-              </a:ext>
-            </a:extLst>
-          </p:cNvPr>
-          <p:cNvSpPr txBox="1"/>
-          <p:nvPr/>
-        </p:nvSpPr>
-        <p:spPr>
-          <a:xfrm>
-            <a:off x="10226694" y="4881623"/>
-            <a:ext cx="1020985" cy="646331"/>
-          </a:xfrm>
-          <a:prstGeom prst="rect">
-            <a:avLst/>
-          </a:prstGeom>
-          <a:solidFill>
-            <a:schemeClr val="bg2"/>
-          </a:solidFill>
-        </p:spPr>
-        <p:txBody>
-          <a:bodyPr wrap="square" rtlCol="0">
-            <a:spAutoFit/>
-          </a:bodyPr>
-          <a:lstStyle/>
-          <a:p>
-            <a:r>
-              <a:rPr lang="en-US" dirty="0"/>
-              <a:t>Cloud Apps</a:t>
-            </a:r>
-          </a:p>
-        </p:txBody>
-      </p:sp>
-      <p:cxnSp>
-        <p:nvCxnSpPr>
-          <p:cNvPr id="23" name="Straight Arrow Connector 22">
-            <a:extLst>
-              <a:ext uri="{FF2B5EF4-FFF2-40B4-BE49-F238E27FC236}">
-                <a16:creationId xmlns:a16="http://schemas.microsoft.com/office/drawing/2014/main" id="{21C95D61-DE1C-475B-85E1-EAA9FCEA57D3}"/>
-              </a:ext>
-            </a:extLst>
-          </p:cNvPr>
-          <p:cNvCxnSpPr>
-            <a:cxnSpLocks/>
-          </p:cNvCxnSpPr>
-          <p:nvPr/>
-        </p:nvCxnSpPr>
-        <p:spPr>
-          <a:xfrm flipH="1" flipV="1">
-            <a:off x="9721810" y="4295851"/>
-            <a:ext cx="392691" cy="801268"/>
-          </a:xfrm>
-          <a:prstGeom prst="straightConnector1">
-            <a:avLst/>
-          </a:prstGeom>
-          <a:ln>
-            <a:tailEnd type="triangle"/>
-          </a:ln>
-        </p:spPr>
-        <p:style>
-          <a:lnRef idx="1">
-            <a:schemeClr val="accent1"/>
-          </a:lnRef>
-          <a:fillRef idx="0">
-            <a:schemeClr val="accent1"/>
-          </a:fillRef>
-          <a:effectRef idx="0">
-            <a:schemeClr val="accent1"/>
-          </a:effectRef>
-          <a:fontRef idx="minor">
-            <a:schemeClr val="tx1"/>
-          </a:fontRef>
-        </p:style>
-      </p:cxnSp>
-      <p:cxnSp>
-        <p:nvCxnSpPr>
-          <p:cNvPr id="25" name="Straight Arrow Connector 24">
-            <a:extLst>
-              <a:ext uri="{FF2B5EF4-FFF2-40B4-BE49-F238E27FC236}">
-                <a16:creationId xmlns:a16="http://schemas.microsoft.com/office/drawing/2014/main" id="{1ADA967D-D00B-451F-B5D6-D652DCDFB2AF}"/>
-              </a:ext>
-            </a:extLst>
-          </p:cNvPr>
-          <p:cNvCxnSpPr/>
-          <p:nvPr/>
-        </p:nvCxnSpPr>
-        <p:spPr>
-          <a:xfrm flipV="1">
-            <a:off x="1598798" y="4109158"/>
-            <a:ext cx="162684" cy="586258"/>
-          </a:xfrm>
-          <a:prstGeom prst="straightConnector1">
-            <a:avLst/>
-          </a:prstGeom>
-          <a:ln>
-            <a:tailEnd type="triangle"/>
-          </a:ln>
-        </p:spPr>
-        <p:style>
-          <a:lnRef idx="1">
-            <a:schemeClr val="accent1"/>
-          </a:lnRef>
-          <a:fillRef idx="0">
-            <a:schemeClr val="accent1"/>
-          </a:fillRef>
-          <a:effectRef idx="0">
-            <a:schemeClr val="accent1"/>
-          </a:effectRef>
-          <a:fontRef idx="minor">
-            <a:schemeClr val="tx1"/>
-          </a:fontRef>
-        </p:style>
-      </p:cxnSp>
-      <p:sp>
-        <p:nvSpPr>
-          <p:cNvPr id="26" name="TextBox 25">
-            <a:extLst>
-              <a:ext uri="{FF2B5EF4-FFF2-40B4-BE49-F238E27FC236}">
-                <a16:creationId xmlns:a16="http://schemas.microsoft.com/office/drawing/2014/main" id="{A2845178-5E8A-4954-A0F3-5B40D2F51DE4}"/>
-              </a:ext>
-            </a:extLst>
-          </p:cNvPr>
-          <p:cNvSpPr txBox="1"/>
-          <p:nvPr/>
-        </p:nvSpPr>
-        <p:spPr>
-          <a:xfrm>
-            <a:off x="428856" y="2377677"/>
-            <a:ext cx="5106631" cy="369332"/>
-          </a:xfrm>
-          <a:prstGeom prst="rect">
-            <a:avLst/>
-          </a:prstGeom>
-          <a:noFill/>
-        </p:spPr>
-        <p:txBody>
-          <a:bodyPr wrap="square" rtlCol="0">
-            <a:spAutoFit/>
-          </a:bodyPr>
-          <a:lstStyle/>
-          <a:p>
-            <a:r>
-              <a:rPr lang="en-US" dirty="0"/>
-              <a:t>Edge Device is a Nano Data Center</a:t>
-            </a:r>
-          </a:p>
-        </p:txBody>
-      </p:sp>
-      <p:sp>
-        <p:nvSpPr>
-          <p:cNvPr id="27" name="TextBox 26">
-            <a:extLst>
-              <a:ext uri="{FF2B5EF4-FFF2-40B4-BE49-F238E27FC236}">
-                <a16:creationId xmlns:a16="http://schemas.microsoft.com/office/drawing/2014/main" id="{B8B8CB3C-D53E-400F-86B5-7C433E4524BD}"/>
-              </a:ext>
-            </a:extLst>
-          </p:cNvPr>
-          <p:cNvSpPr txBox="1"/>
-          <p:nvPr/>
-        </p:nvSpPr>
-        <p:spPr>
-          <a:xfrm>
-            <a:off x="2933934" y="4891760"/>
-            <a:ext cx="1208088" cy="646331"/>
-          </a:xfrm>
-          <a:prstGeom prst="rect">
-            <a:avLst/>
-          </a:prstGeom>
-          <a:solidFill>
-            <a:schemeClr val="bg2"/>
-          </a:solidFill>
-          <a:ln>
-            <a:solidFill>
-              <a:schemeClr val="tx1"/>
-            </a:solidFill>
-          </a:ln>
-        </p:spPr>
-        <p:txBody>
-          <a:bodyPr wrap="none" rtlCol="0">
-            <a:spAutoFit/>
-          </a:bodyPr>
-          <a:lstStyle/>
-          <a:p>
-            <a:r>
-              <a:rPr lang="en-US" dirty="0"/>
-              <a:t>Local </a:t>
-            </a:r>
-          </a:p>
-          <a:p>
-            <a:r>
-              <a:rPr lang="en-US" dirty="0"/>
-              <a:t>Web Pages</a:t>
-            </a:r>
-          </a:p>
-        </p:txBody>
-      </p:sp>
-      <p:cxnSp>
-        <p:nvCxnSpPr>
-          <p:cNvPr id="29" name="Straight Arrow Connector 28">
-            <a:extLst>
-              <a:ext uri="{FF2B5EF4-FFF2-40B4-BE49-F238E27FC236}">
-                <a16:creationId xmlns:a16="http://schemas.microsoft.com/office/drawing/2014/main" id="{21163534-A7FA-442E-A126-9603C26141F7}"/>
-              </a:ext>
-            </a:extLst>
-          </p:cNvPr>
-          <p:cNvCxnSpPr/>
-          <p:nvPr/>
-        </p:nvCxnSpPr>
-        <p:spPr>
-          <a:xfrm flipH="1" flipV="1">
-            <a:off x="2754420" y="4109158"/>
-            <a:ext cx="455505" cy="664795"/>
-          </a:xfrm>
-          <a:prstGeom prst="straightConnector1">
-            <a:avLst/>
-          </a:prstGeom>
-          <a:ln>
-            <a:tailEnd type="triangle"/>
-          </a:ln>
-        </p:spPr>
-        <p:style>
-          <a:lnRef idx="1">
-            <a:schemeClr val="accent1"/>
-          </a:lnRef>
-          <a:fillRef idx="0">
-            <a:schemeClr val="accent1"/>
-          </a:fillRef>
-          <a:effectRef idx="0">
-            <a:schemeClr val="accent1"/>
-          </a:effectRef>
-          <a:fontRef idx="minor">
-            <a:schemeClr val="tx1"/>
-          </a:fontRef>
-        </p:style>
-      </p:cxnSp>
-      <p:cxnSp>
-        <p:nvCxnSpPr>
-          <p:cNvPr id="31" name="Straight Arrow Connector 30">
-            <a:extLst>
-              <a:ext uri="{FF2B5EF4-FFF2-40B4-BE49-F238E27FC236}">
-                <a16:creationId xmlns:a16="http://schemas.microsoft.com/office/drawing/2014/main" id="{545C6871-6EEC-4ED8-A451-6BEF7F801991}"/>
-              </a:ext>
-            </a:extLst>
-          </p:cNvPr>
-          <p:cNvCxnSpPr/>
-          <p:nvPr/>
-        </p:nvCxnSpPr>
-        <p:spPr>
-          <a:xfrm flipH="1">
-            <a:off x="2984422" y="1783921"/>
-            <a:ext cx="712447" cy="403907"/>
-          </a:xfrm>
-          <a:prstGeom prst="straightConnector1">
-            <a:avLst/>
-          </a:prstGeom>
-          <a:ln>
-            <a:tailEnd type="triangle"/>
-          </a:ln>
-        </p:spPr>
-        <p:style>
-          <a:lnRef idx="1">
-            <a:schemeClr val="accent1"/>
-          </a:lnRef>
-          <a:fillRef idx="0">
-            <a:schemeClr val="accent1"/>
-          </a:fillRef>
-          <a:effectRef idx="0">
-            <a:schemeClr val="accent1"/>
-          </a:effectRef>
-          <a:fontRef idx="minor">
-            <a:schemeClr val="tx1"/>
-          </a:fontRef>
-        </p:style>
-      </p:cxnSp>
-      <p:sp>
-        <p:nvSpPr>
-          <p:cNvPr id="1024" name="TextBox 1023">
-            <a:extLst>
-              <a:ext uri="{FF2B5EF4-FFF2-40B4-BE49-F238E27FC236}">
-                <a16:creationId xmlns:a16="http://schemas.microsoft.com/office/drawing/2014/main" id="{B18B3B58-D50D-40BD-8A90-75307B601036}"/>
-              </a:ext>
-            </a:extLst>
-          </p:cNvPr>
-          <p:cNvSpPr txBox="1"/>
-          <p:nvPr/>
-        </p:nvSpPr>
-        <p:spPr>
-          <a:xfrm>
-            <a:off x="3741747" y="1539758"/>
-            <a:ext cx="1292085" cy="369332"/>
-          </a:xfrm>
-          <a:prstGeom prst="rect">
-            <a:avLst/>
-          </a:prstGeom>
-          <a:solidFill>
-            <a:schemeClr val="bg2"/>
-          </a:solidFill>
-          <a:ln>
-            <a:solidFill>
-              <a:schemeClr val="accent1"/>
-            </a:solidFill>
-          </a:ln>
-        </p:spPr>
-        <p:txBody>
-          <a:bodyPr wrap="none" rtlCol="0">
-            <a:spAutoFit/>
-          </a:bodyPr>
-          <a:lstStyle/>
-          <a:p>
-            <a:r>
-              <a:rPr lang="en-US" dirty="0"/>
-              <a:t>Local Graph</a:t>
-            </a:r>
-          </a:p>
-        </p:txBody>
-      </p:sp>
-      <p:cxnSp>
-        <p:nvCxnSpPr>
-          <p:cNvPr id="1031" name="Straight Arrow Connector 1030">
-            <a:extLst>
-              <a:ext uri="{FF2B5EF4-FFF2-40B4-BE49-F238E27FC236}">
-                <a16:creationId xmlns:a16="http://schemas.microsoft.com/office/drawing/2014/main" id="{40D7793D-303C-4BED-8B2A-701EDE3CF5A1}"/>
-              </a:ext>
-            </a:extLst>
-          </p:cNvPr>
-          <p:cNvCxnSpPr/>
-          <p:nvPr/>
-        </p:nvCxnSpPr>
-        <p:spPr>
-          <a:xfrm flipH="1" flipV="1">
-            <a:off x="9258066" y="3977360"/>
-            <a:ext cx="463744" cy="318491"/>
-          </a:xfrm>
-          <a:prstGeom prst="straightConnector1">
-            <a:avLst/>
-          </a:prstGeom>
-          <a:ln>
-            <a:tailEnd type="triangle"/>
-          </a:ln>
-        </p:spPr>
-        <p:style>
-          <a:lnRef idx="1">
-            <a:schemeClr val="accent1"/>
-          </a:lnRef>
-          <a:fillRef idx="0">
-            <a:schemeClr val="accent1"/>
-          </a:fillRef>
-          <a:effectRef idx="0">
-            <a:schemeClr val="accent1"/>
-          </a:effectRef>
-          <a:fontRef idx="minor">
-            <a:schemeClr val="tx1"/>
-          </a:fontRef>
-        </p:style>
-      </p:cxnSp>
-      <p:cxnSp>
-        <p:nvCxnSpPr>
-          <p:cNvPr id="1033" name="Straight Arrow Connector 1032">
-            <a:extLst>
-              <a:ext uri="{FF2B5EF4-FFF2-40B4-BE49-F238E27FC236}">
-                <a16:creationId xmlns:a16="http://schemas.microsoft.com/office/drawing/2014/main" id="{B36E0A77-F732-4410-AA4B-D192939613AE}"/>
-              </a:ext>
-            </a:extLst>
-          </p:cNvPr>
-          <p:cNvCxnSpPr/>
-          <p:nvPr/>
-        </p:nvCxnSpPr>
-        <p:spPr>
-          <a:xfrm flipV="1">
-            <a:off x="9766690" y="4109158"/>
-            <a:ext cx="460004" cy="186693"/>
-          </a:xfrm>
-          <a:prstGeom prst="straightConnector1">
-            <a:avLst/>
-          </a:prstGeom>
-          <a:ln>
-            <a:tailEnd type="triangle"/>
-          </a:ln>
-        </p:spPr>
-        <p:style>
-          <a:lnRef idx="1">
-            <a:schemeClr val="accent1"/>
-          </a:lnRef>
-          <a:fillRef idx="0">
-            <a:schemeClr val="accent1"/>
-          </a:fillRef>
-          <a:effectRef idx="0">
-            <a:schemeClr val="accent1"/>
-          </a:effectRef>
-          <a:fontRef idx="minor">
-            <a:schemeClr val="tx1"/>
-          </a:fontRef>
-        </p:style>
-      </p:cxnSp>
-      <p:sp>
-        <p:nvSpPr>
-          <p:cNvPr id="1034" name="TextBox 1033">
-            <a:extLst>
-              <a:ext uri="{FF2B5EF4-FFF2-40B4-BE49-F238E27FC236}">
-                <a16:creationId xmlns:a16="http://schemas.microsoft.com/office/drawing/2014/main" id="{CCF1370F-9A55-4C77-A485-A9068A223234}"/>
-              </a:ext>
-            </a:extLst>
-          </p:cNvPr>
-          <p:cNvSpPr txBox="1"/>
-          <p:nvPr/>
-        </p:nvSpPr>
-        <p:spPr>
-          <a:xfrm>
-            <a:off x="8818631" y="1909090"/>
-            <a:ext cx="1509040" cy="369332"/>
-          </a:xfrm>
-          <a:prstGeom prst="rect">
-            <a:avLst/>
-          </a:prstGeom>
-          <a:solidFill>
-            <a:schemeClr val="bg2"/>
-          </a:solidFill>
-        </p:spPr>
-        <p:txBody>
-          <a:bodyPr wrap="square" rtlCol="0">
-            <a:spAutoFit/>
-          </a:bodyPr>
-          <a:lstStyle/>
-          <a:p>
-            <a:r>
-              <a:rPr lang="en-US" dirty="0"/>
-              <a:t>System Graph</a:t>
-            </a:r>
-          </a:p>
-        </p:txBody>
-      </p:sp>
-      <p:cxnSp>
-        <p:nvCxnSpPr>
-          <p:cNvPr id="1036" name="Straight Arrow Connector 1035">
-            <a:extLst>
-              <a:ext uri="{FF2B5EF4-FFF2-40B4-BE49-F238E27FC236}">
-                <a16:creationId xmlns:a16="http://schemas.microsoft.com/office/drawing/2014/main" id="{C51F5CC7-001A-4811-8584-EB04C7AE69FF}"/>
-              </a:ext>
-            </a:extLst>
-          </p:cNvPr>
-          <p:cNvCxnSpPr/>
-          <p:nvPr/>
-        </p:nvCxnSpPr>
-        <p:spPr>
-          <a:xfrm>
-            <a:off x="9329123" y="2337019"/>
-            <a:ext cx="0" cy="939113"/>
-          </a:xfrm>
-          <a:prstGeom prst="straightConnector1">
-            <a:avLst/>
-          </a:prstGeom>
-          <a:ln>
-            <a:tailEnd type="triangle"/>
-          </a:ln>
-        </p:spPr>
-        <p:style>
-          <a:lnRef idx="1">
-            <a:schemeClr val="accent1"/>
-          </a:lnRef>
-          <a:fillRef idx="0">
-            <a:schemeClr val="accent1"/>
-          </a:fillRef>
-          <a:effectRef idx="0">
-            <a:schemeClr val="accent1"/>
-          </a:effectRef>
-          <a:fontRef idx="minor">
-            <a:schemeClr val="tx1"/>
-          </a:fontRef>
-        </p:style>
-      </p:cxnSp>
-      <p:cxnSp>
-        <p:nvCxnSpPr>
-          <p:cNvPr id="1038" name="Straight Arrow Connector 1037">
-            <a:extLst>
-              <a:ext uri="{FF2B5EF4-FFF2-40B4-BE49-F238E27FC236}">
-                <a16:creationId xmlns:a16="http://schemas.microsoft.com/office/drawing/2014/main" id="{20252EEB-F78F-444D-9934-38451F5B2BF8}"/>
-              </a:ext>
-            </a:extLst>
-          </p:cNvPr>
-          <p:cNvCxnSpPr/>
-          <p:nvPr/>
-        </p:nvCxnSpPr>
-        <p:spPr>
-          <a:xfrm flipH="1" flipV="1">
-            <a:off x="3326621" y="4109158"/>
-            <a:ext cx="1060255" cy="586258"/>
-          </a:xfrm>
-          <a:prstGeom prst="straightConnector1">
-            <a:avLst/>
-          </a:prstGeom>
-          <a:ln>
-            <a:tailEnd type="triangle"/>
-          </a:ln>
-        </p:spPr>
-        <p:style>
-          <a:lnRef idx="1">
-            <a:schemeClr val="accent1"/>
-          </a:lnRef>
-          <a:fillRef idx="0">
-            <a:schemeClr val="accent1"/>
-          </a:fillRef>
-          <a:effectRef idx="0">
-            <a:schemeClr val="accent1"/>
-          </a:effectRef>
-          <a:fontRef idx="minor">
-            <a:schemeClr val="tx1"/>
-          </a:fontRef>
-        </p:style>
-      </p:cxnSp>
-      <p:sp>
-        <p:nvSpPr>
-          <p:cNvPr id="1039" name="TextBox 1038">
-            <a:extLst>
-              <a:ext uri="{FF2B5EF4-FFF2-40B4-BE49-F238E27FC236}">
-                <a16:creationId xmlns:a16="http://schemas.microsoft.com/office/drawing/2014/main" id="{03BD04DB-7BA0-44E6-B861-FAE31BE8089E}"/>
-              </a:ext>
-            </a:extLst>
-          </p:cNvPr>
-          <p:cNvSpPr txBox="1"/>
-          <p:nvPr/>
-        </p:nvSpPr>
-        <p:spPr>
-          <a:xfrm>
-            <a:off x="4633708" y="4773953"/>
-            <a:ext cx="1150508" cy="646331"/>
-          </a:xfrm>
-          <a:prstGeom prst="rect">
-            <a:avLst/>
-          </a:prstGeom>
-          <a:solidFill>
-            <a:schemeClr val="bg2"/>
-          </a:solidFill>
-          <a:ln>
-            <a:solidFill>
-              <a:schemeClr val="accent1"/>
-            </a:solidFill>
-          </a:ln>
-        </p:spPr>
-        <p:txBody>
-          <a:bodyPr wrap="none" rtlCol="0">
-            <a:spAutoFit/>
-          </a:bodyPr>
-          <a:lstStyle/>
-          <a:p>
-            <a:r>
-              <a:rPr lang="en-US" dirty="0"/>
-              <a:t>Local Web</a:t>
-            </a:r>
-          </a:p>
-          <a:p>
-            <a:r>
-              <a:rPr lang="en-US" dirty="0"/>
-              <a:t>Sockets</a:t>
-            </a:r>
+          <a:bodyPr/>
+          <a:lstStyle/>
+          <a:p>
+            <a:r>
+              <a:rPr lang="en-US" dirty="0"/>
+              <a:t>Tools Covered</a:t>
+            </a:r>
+          </a:p>
+        </p:txBody>
+      </p:sp>
+      <p:sp>
+        <p:nvSpPr>
+          <p:cNvPr id="3" name="Content Placeholder 2">
+            <a:extLst>
+              <a:ext uri="{FF2B5EF4-FFF2-40B4-BE49-F238E27FC236}">
+                <a16:creationId xmlns:a16="http://schemas.microsoft.com/office/drawing/2014/main" id="{73D27981-3447-4D81-B1C8-0AF81356D289}"/>
+              </a:ext>
+            </a:extLst>
+          </p:cNvPr>
+          <p:cNvSpPr>
+            <a:spLocks noGrp="1"/>
+          </p:cNvSpPr>
+          <p:nvPr>
+            <p:ph idx="1"/>
+          </p:nvPr>
+        </p:nvSpPr>
+        <p:spPr/>
+        <p:txBody>
+          <a:bodyPr/>
+          <a:lstStyle/>
+          <a:p>
+            <a:r>
+              <a:rPr lang="en-US" dirty="0"/>
+              <a:t>Riemann – Message Broker</a:t>
+            </a:r>
+          </a:p>
+          <a:p>
+            <a:r>
+              <a:rPr lang="en-US" dirty="0"/>
+              <a:t>Graphite – data store</a:t>
+            </a:r>
+          </a:p>
+          <a:p>
+            <a:r>
+              <a:rPr lang="en-US" dirty="0" err="1"/>
+              <a:t>Influxdb</a:t>
+            </a:r>
+            <a:r>
+              <a:rPr lang="en-US" dirty="0"/>
+              <a:t> – time series data base</a:t>
+            </a:r>
+          </a:p>
+          <a:p>
+            <a:r>
+              <a:rPr lang="en-US" dirty="0"/>
+              <a:t>Elastic Search – analyzing logs</a:t>
+            </a:r>
+          </a:p>
+          <a:p>
+            <a:r>
+              <a:rPr lang="en-US" dirty="0"/>
+              <a:t>Web Frame Work to Display Results</a:t>
+            </a:r>
+          </a:p>
+          <a:p>
+            <a:endParaRPr lang="en-US" dirty="0"/>
           </a:p>
         </p:txBody>
       </p:sp>
     </p:spTree>
     <p:extLst>
       <p:ext uri="{BB962C8B-B14F-4D97-AF65-F5344CB8AC3E}">
-        <p14:creationId xmlns:p14="http://schemas.microsoft.com/office/powerpoint/2010/main" val="1327253020"/>
+        <p14:creationId xmlns:p14="http://schemas.microsoft.com/office/powerpoint/2010/main" val="3428745118"/>
       </p:ext>
     </p:extLst>
   </p:cSld>
@@ -6249,7 +7827,7 @@
           <p:cNvPr id="2" name="Title 1">
             <a:extLst>
               <a:ext uri="{FF2B5EF4-FFF2-40B4-BE49-F238E27FC236}">
-                <a16:creationId xmlns:a16="http://schemas.microsoft.com/office/drawing/2014/main" id="{3BFEB767-B958-4488-BE2D-8164E3AA0A62}"/>
+                <a16:creationId xmlns:a16="http://schemas.microsoft.com/office/drawing/2014/main" id="{25D08B48-7A8C-4B37-A138-7671A65B1B9C}"/>
               </a:ext>
             </a:extLst>
           </p:cNvPr>
@@ -6267,102 +7845,51 @@
           <a:p>
             <a:r>
               <a:rPr lang="en-US" dirty="0"/>
-              <a:t>Role of Technicians</a:t>
-            </a:r>
-          </a:p>
-        </p:txBody>
-      </p:sp>
-      <p:sp>
-        <p:nvSpPr>
-          <p:cNvPr id="3" name="Content Placeholder 2">
-            <a:extLst>
-              <a:ext uri="{FF2B5EF4-FFF2-40B4-BE49-F238E27FC236}">
-                <a16:creationId xmlns:a16="http://schemas.microsoft.com/office/drawing/2014/main" id="{9B94BB28-C17D-4B8E-BF39-B7C0952F1819}"/>
-              </a:ext>
-            </a:extLst>
-          </p:cNvPr>
-          <p:cNvSpPr>
-            <a:spLocks noGrp="1"/>
-          </p:cNvSpPr>
-          <p:nvPr>
-            <p:ph idx="1"/>
-          </p:nvPr>
-        </p:nvSpPr>
-        <p:spPr/>
-        <p:txBody>
-          <a:bodyPr/>
-          <a:lstStyle/>
-          <a:p>
-            <a:r>
-              <a:rPr lang="en-US" dirty="0"/>
-              <a:t>Unlike Developers, Technicians need to be created very quickly.</a:t>
-            </a:r>
-          </a:p>
-          <a:p>
-            <a:r>
-              <a:rPr lang="en-US" dirty="0"/>
-              <a:t>Role of Technicians</a:t>
-            </a:r>
-          </a:p>
-          <a:p>
-            <a:pPr lvl="1"/>
-            <a:r>
-              <a:rPr lang="en-US" dirty="0"/>
-              <a:t>Assemble and Install Units</a:t>
-            </a:r>
-          </a:p>
-          <a:p>
-            <a:pPr lvl="1"/>
-            <a:r>
-              <a:rPr lang="en-US" dirty="0"/>
-              <a:t>Configure Units</a:t>
-            </a:r>
-          </a:p>
-          <a:p>
-            <a:pPr lvl="1"/>
-            <a:r>
-              <a:rPr lang="en-US" dirty="0"/>
-              <a:t>Run Diagnostics and do servicing.</a:t>
-            </a:r>
-          </a:p>
-          <a:p>
-            <a:r>
-              <a:rPr lang="en-US" dirty="0"/>
-              <a:t>Ideally the end users should be the technicians or “lite technicians”.</a:t>
-            </a:r>
-          </a:p>
-          <a:p>
-            <a:r>
-              <a:rPr lang="en-US" dirty="0"/>
-              <a:t>Without organic technicians, the following results</a:t>
-            </a:r>
-          </a:p>
-          <a:p>
-            <a:pPr lvl="1"/>
-            <a:r>
-              <a:rPr lang="en-US" dirty="0"/>
-              <a:t>High paid consultants or consulting services</a:t>
-            </a:r>
-          </a:p>
-          <a:p>
-            <a:pPr lvl="1"/>
-            <a:r>
-              <a:rPr lang="en-US" dirty="0"/>
-              <a:t>Law suits from unhappy customers</a:t>
-            </a:r>
-          </a:p>
-          <a:p>
-            <a:pPr marL="457200" lvl="1" indent="0">
-              <a:buNone/>
-            </a:pPr>
-            <a:endParaRPr lang="en-US" dirty="0"/>
-          </a:p>
-        </p:txBody>
-      </p:sp>
+              <a:t>Event Router Reimann</a:t>
+            </a:r>
+          </a:p>
+        </p:txBody>
+      </p:sp>
+      <p:pic>
+        <p:nvPicPr>
+          <p:cNvPr id="5" name="Picture 4">
+            <a:extLst>
+              <a:ext uri="{FF2B5EF4-FFF2-40B4-BE49-F238E27FC236}">
+                <a16:creationId xmlns:a16="http://schemas.microsoft.com/office/drawing/2014/main" id="{A159B846-341A-4550-94DB-FC69360C5408}"/>
+              </a:ext>
+            </a:extLst>
+          </p:cNvPr>
+          <p:cNvPicPr>
+            <a:picLocks noChangeAspect="1"/>
+          </p:cNvPicPr>
+          <p:nvPr/>
+        </p:nvPicPr>
+        <p:blipFill>
+          <a:blip r:embed="rId2">
+            <a:extLst>
+              <a:ext uri="{28A0092B-C50C-407E-A947-70E740481C1C}">
+                <a14:useLocalDpi xmlns:a14="http://schemas.microsoft.com/office/drawing/2010/main" val="0"/>
+              </a:ext>
+            </a:extLst>
+          </a:blip>
+          <a:stretch>
+            <a:fillRect/>
+          </a:stretch>
+        </p:blipFill>
+        <p:spPr>
+          <a:xfrm>
+            <a:off x="2110975" y="2146379"/>
+            <a:ext cx="5555461" cy="1836579"/>
+          </a:xfrm>
+          <a:prstGeom prst="rect">
+            <a:avLst/>
+          </a:prstGeom>
+        </p:spPr>
+      </p:pic>
     </p:spTree>
     <p:extLst>
       <p:ext uri="{BB962C8B-B14F-4D97-AF65-F5344CB8AC3E}">
-        <p14:creationId xmlns:p14="http://schemas.microsoft.com/office/powerpoint/2010/main" val="705311635"/>
+        <p14:creationId xmlns:p14="http://schemas.microsoft.com/office/powerpoint/2010/main" val="3116867283"/>
       </p:ext>
     </p:extLst>
   </p:cSld>
@@ -6394,7 +7921,7 @@
           <p:cNvPr id="2" name="Title 1">
             <a:extLst>
               <a:ext uri="{FF2B5EF4-FFF2-40B4-BE49-F238E27FC236}">
-                <a16:creationId xmlns:a16="http://schemas.microsoft.com/office/drawing/2014/main" id="{6391EA38-8D1F-4A7F-8F57-ABBE7F431C14}"/>
+                <a16:creationId xmlns:a16="http://schemas.microsoft.com/office/drawing/2014/main" id="{B809D00B-1D10-4907-911B-9DD7151A088B}"/>
               </a:ext>
             </a:extLst>
           </p:cNvPr>
@@ -6412,22 +7939,37 @@
           <a:p>
             <a:r>
               <a:rPr lang="en-US" dirty="0"/>
-              <a:t>These products require customer technicians</a:t>
+              <a:t>Data Store and Visualization</a:t>
+            </a:r>
+            <a:br>
+              <a:rPr lang="en-US" dirty="0"/>
+            </a:br>
+            <a:r>
+              <a:rPr lang="en-US" dirty="0"/>
+              <a:t>Graphite Data Base and </a:t>
+            </a:r>
+            <a:r>
+              <a:rPr lang="en-US" dirty="0" err="1"/>
+              <a:t>Grafana</a:t>
+            </a:r>
+            <a:r>
+              <a:rPr lang="en-US" dirty="0"/>
+              <a:t> Web Server </a:t>
             </a:r>
           </a:p>
         </p:txBody>
       </p:sp>
       <p:pic>
         <p:nvPicPr>
-          <p:cNvPr id="4" name="Picture 6" descr="https://images-na.ssl-images-amazon.com/images/I/51FiLzLAw6L._SL1083_.jpg">
-            <a:extLst>
-              <a:ext uri="{FF2B5EF4-FFF2-40B4-BE49-F238E27FC236}">
-                <a16:creationId xmlns:a16="http://schemas.microsoft.com/office/drawing/2014/main" id="{695733D4-99C9-40BF-BDDA-FC6D9D9D7059}"/>
+          <p:cNvPr id="5" name="Picture 4">
+            <a:extLst>
+              <a:ext uri="{FF2B5EF4-FFF2-40B4-BE49-F238E27FC236}">
+                <a16:creationId xmlns:a16="http://schemas.microsoft.com/office/drawing/2014/main" id="{B92A2DA1-F92C-4B87-80BF-3D9F1F5BFE91}"/>
               </a:ext>
             </a:extLst>
           </p:cNvPr>
           <p:cNvPicPr>
-            <a:picLocks noChangeAspect="1" noChangeArrowheads="1"/>
+            <a:picLocks noChangeAspect="1"/>
           </p:cNvPicPr>
           <p:nvPr/>
         </p:nvPicPr>
@@ -6439,82 +7981,24 @@
               </a:ext>
             </a:extLst>
           </a:blip>
-          <a:srcRect/>
           <a:stretch>
             <a:fillRect/>
           </a:stretch>
         </p:blipFill>
-        <p:spPr bwMode="auto">
+        <p:spPr>
           <a:xfrm>
-            <a:off x="6322263" y="1282949"/>
-            <a:ext cx="5350625" cy="5410744"/>
+            <a:off x="1577637" y="2531024"/>
+            <a:ext cx="5524979" cy="1257409"/>
           </a:xfrm>
           <a:prstGeom prst="rect">
             <a:avLst/>
           </a:prstGeom>
-          <a:noFill/>
-          <a:extLst>
-            <a:ext uri="{909E8E84-426E-40DD-AFC4-6F175D3DCCD1}">
-              <a14:hiddenFill xmlns:a14="http://schemas.microsoft.com/office/drawing/2010/main">
-                <a:solidFill>
-                  <a:srgbClr val="FFFFFF"/>
-                </a:solidFill>
-              </a14:hiddenFill>
-            </a:ext>
-          </a:extLst>
-        </p:spPr>
-      </p:pic>
-      <p:pic>
-        <p:nvPicPr>
-          <p:cNvPr id="5" name="Picture 4" descr="https://images-na.ssl-images-amazon.com/images/I/811fOwFLH0L._SL1500_.jpg">
-            <a:extLst>
-              <a:ext uri="{FF2B5EF4-FFF2-40B4-BE49-F238E27FC236}">
-                <a16:creationId xmlns:a16="http://schemas.microsoft.com/office/drawing/2014/main" id="{0B171BE5-7BB3-4D58-9FFF-2C0405DF5F34}"/>
-              </a:ext>
-            </a:extLst>
-          </p:cNvPr>
-          <p:cNvPicPr>
-            <a:picLocks noChangeAspect="1" noChangeArrowheads="1"/>
-          </p:cNvPicPr>
-          <p:nvPr/>
-        </p:nvPicPr>
-        <p:blipFill>
-          <a:blip r:embed="rId3">
-            <a:extLst>
-              <a:ext uri="{28A0092B-C50C-407E-A947-70E740481C1C}">
-                <a14:useLocalDpi xmlns:a14="http://schemas.microsoft.com/office/drawing/2010/main" val="0"/>
-              </a:ext>
-            </a:extLst>
-          </a:blip>
-          <a:srcRect/>
-          <a:stretch>
-            <a:fillRect/>
-          </a:stretch>
-        </p:blipFill>
-        <p:spPr bwMode="auto">
-          <a:xfrm>
-            <a:off x="1276350" y="2069307"/>
-            <a:ext cx="3684588" cy="3684588"/>
-          </a:xfrm>
-          <a:prstGeom prst="rect">
-            <a:avLst/>
-          </a:prstGeom>
-          <a:noFill/>
-          <a:extLst>
-            <a:ext uri="{909E8E84-426E-40DD-AFC4-6F175D3DCCD1}">
-              <a14:hiddenFill xmlns:a14="http://schemas.microsoft.com/office/drawing/2010/main">
-                <a:solidFill>
-                  <a:srgbClr val="FFFFFF"/>
-                </a:solidFill>
-              </a14:hiddenFill>
-            </a:ext>
-          </a:extLst>
         </p:spPr>
       </p:pic>
     </p:spTree>
     <p:extLst>
       <p:ext uri="{BB962C8B-B14F-4D97-AF65-F5344CB8AC3E}">
-        <p14:creationId xmlns:p14="http://schemas.microsoft.com/office/powerpoint/2010/main" val="2787985180"/>
+        <p14:creationId xmlns:p14="http://schemas.microsoft.com/office/powerpoint/2010/main" val="2377112325"/>
       </p:ext>
     </p:extLst>
   </p:cSld>
@@ -6543,10 +8027,10 @@
       </p:grpSpPr>
       <p:sp>
         <p:nvSpPr>
-          <p:cNvPr id="4" name="Title 3">
-            <a:extLst>
-              <a:ext uri="{FF2B5EF4-FFF2-40B4-BE49-F238E27FC236}">
-                <a16:creationId xmlns:a16="http://schemas.microsoft.com/office/drawing/2014/main" id="{78388626-0EAA-4D9E-8CF3-7A4BF2BFC268}"/>
+          <p:cNvPr id="2" name="Title 1">
+            <a:extLst>
+              <a:ext uri="{FF2B5EF4-FFF2-40B4-BE49-F238E27FC236}">
+                <a16:creationId xmlns:a16="http://schemas.microsoft.com/office/drawing/2014/main" id="{D09C3FFA-B9BF-4623-AE64-338B935AA418}"/>
               </a:ext>
             </a:extLst>
           </p:cNvPr>
@@ -6564,149 +8048,51 @@
           <a:p>
             <a:r>
               <a:rPr lang="en-US" dirty="0"/>
-              <a:t>Three Tracks </a:t>
-            </a:r>
-          </a:p>
-        </p:txBody>
-      </p:sp>
-      <p:sp>
-        <p:nvSpPr>
-          <p:cNvPr id="5" name="Text Placeholder 4">
-            <a:extLst>
-              <a:ext uri="{FF2B5EF4-FFF2-40B4-BE49-F238E27FC236}">
-                <a16:creationId xmlns:a16="http://schemas.microsoft.com/office/drawing/2014/main" id="{B802BDC1-5A25-4D7D-978B-1F054F1981D9}"/>
-              </a:ext>
-            </a:extLst>
-          </p:cNvPr>
-          <p:cNvSpPr>
-            <a:spLocks noGrp="1"/>
-          </p:cNvSpPr>
-          <p:nvPr>
-            <p:ph type="body" idx="1"/>
-          </p:nvPr>
-        </p:nvSpPr>
-        <p:spPr/>
-        <p:txBody>
-          <a:bodyPr/>
-          <a:lstStyle/>
-          <a:p>
-            <a:r>
-              <a:rPr lang="en-US" dirty="0"/>
-              <a:t>Nano Data Center Track</a:t>
-            </a:r>
-          </a:p>
-        </p:txBody>
-      </p:sp>
-      <p:sp>
-        <p:nvSpPr>
-          <p:cNvPr id="6" name="Content Placeholder 5">
-            <a:extLst>
-              <a:ext uri="{FF2B5EF4-FFF2-40B4-BE49-F238E27FC236}">
-                <a16:creationId xmlns:a16="http://schemas.microsoft.com/office/drawing/2014/main" id="{2071BCA4-6F34-4A21-A98D-0D45ACE3E9B1}"/>
-              </a:ext>
-            </a:extLst>
-          </p:cNvPr>
-          <p:cNvSpPr>
-            <a:spLocks noGrp="1"/>
-          </p:cNvSpPr>
-          <p:nvPr>
-            <p:ph sz="half" idx="2"/>
-          </p:nvPr>
-        </p:nvSpPr>
-        <p:spPr/>
-        <p:txBody>
-          <a:bodyPr>
-            <a:normAutofit fontScale="92500"/>
-          </a:bodyPr>
-          <a:lstStyle/>
-          <a:p>
-            <a:r>
-              <a:rPr lang="en-US" dirty="0"/>
-              <a:t>This section is concerned with the concept behind data centers and the software that is used in the is used in the Nano Data Center. </a:t>
-            </a:r>
-          </a:p>
-          <a:p>
-            <a:r>
-              <a:rPr lang="en-US" dirty="0"/>
-              <a:t>After the Nano Data Center, the IOT infrastructure will be presented. </a:t>
-            </a:r>
-          </a:p>
-        </p:txBody>
-      </p:sp>
-      <p:sp>
-        <p:nvSpPr>
-          <p:cNvPr id="7" name="Text Placeholder 6">
-            <a:extLst>
-              <a:ext uri="{FF2B5EF4-FFF2-40B4-BE49-F238E27FC236}">
-                <a16:creationId xmlns:a16="http://schemas.microsoft.com/office/drawing/2014/main" id="{7328707C-63D5-4903-A919-42CC19089D22}"/>
-              </a:ext>
-            </a:extLst>
-          </p:cNvPr>
-          <p:cNvSpPr>
-            <a:spLocks noGrp="1"/>
-          </p:cNvSpPr>
-          <p:nvPr>
-            <p:ph type="body" sz="quarter" idx="3"/>
-          </p:nvPr>
-        </p:nvSpPr>
-        <p:spPr/>
-        <p:txBody>
-          <a:bodyPr/>
-          <a:lstStyle/>
-          <a:p>
-            <a:r>
-              <a:rPr lang="en-US" dirty="0"/>
-              <a:t>Embedded Track</a:t>
-            </a:r>
-          </a:p>
-        </p:txBody>
-      </p:sp>
-      <p:sp>
-        <p:nvSpPr>
-          <p:cNvPr id="8" name="Content Placeholder 7">
-            <a:extLst>
-              <a:ext uri="{FF2B5EF4-FFF2-40B4-BE49-F238E27FC236}">
-                <a16:creationId xmlns:a16="http://schemas.microsoft.com/office/drawing/2014/main" id="{81A8AD15-0BD0-4237-B893-3AB87CBBB2FA}"/>
-              </a:ext>
-            </a:extLst>
-          </p:cNvPr>
-          <p:cNvSpPr>
-            <a:spLocks noGrp="1"/>
-          </p:cNvSpPr>
-          <p:nvPr>
-            <p:ph sz="quarter" idx="4"/>
-          </p:nvPr>
-        </p:nvSpPr>
-        <p:spPr/>
-        <p:txBody>
-          <a:bodyPr>
-            <a:normAutofit fontScale="92500"/>
-          </a:bodyPr>
-          <a:lstStyle/>
-          <a:p>
-            <a:r>
-              <a:rPr lang="en-US" dirty="0"/>
-              <a:t>All IOT projects are welcome to being discussed.  Our first task will be to turn the vending machine shell to an IOT vending machine</a:t>
-            </a:r>
-          </a:p>
-          <a:p>
-            <a:r>
-              <a:rPr lang="en-US" dirty="0"/>
-              <a:t>The project will be run like as a company would design and put the unit into production.</a:t>
-            </a:r>
-          </a:p>
-          <a:p>
-            <a:r>
-              <a:rPr lang="en-US" dirty="0"/>
-              <a:t>Areas such manufacturing and servicing will be addressed</a:t>
-            </a:r>
-          </a:p>
-        </p:txBody>
-      </p:sp>
+              <a:t>Time Series Database</a:t>
+            </a:r>
+          </a:p>
+        </p:txBody>
+      </p:sp>
+      <p:pic>
+        <p:nvPicPr>
+          <p:cNvPr id="7" name="Picture 6">
+            <a:extLst>
+              <a:ext uri="{FF2B5EF4-FFF2-40B4-BE49-F238E27FC236}">
+                <a16:creationId xmlns:a16="http://schemas.microsoft.com/office/drawing/2014/main" id="{630D0E5B-46DE-489B-BDE2-FFDEFBB0B1E6}"/>
+              </a:ext>
+            </a:extLst>
+          </p:cNvPr>
+          <p:cNvPicPr>
+            <a:picLocks noChangeAspect="1"/>
+          </p:cNvPicPr>
+          <p:nvPr/>
+        </p:nvPicPr>
+        <p:blipFill>
+          <a:blip r:embed="rId2">
+            <a:extLst>
+              <a:ext uri="{28A0092B-C50C-407E-A947-70E740481C1C}">
+                <a14:useLocalDpi xmlns:a14="http://schemas.microsoft.com/office/drawing/2010/main" val="0"/>
+              </a:ext>
+            </a:extLst>
+          </a:blip>
+          <a:stretch>
+            <a:fillRect/>
+          </a:stretch>
+        </p:blipFill>
+        <p:spPr>
+          <a:xfrm>
+            <a:off x="2614174" y="1107782"/>
+            <a:ext cx="7482326" cy="4988217"/>
+          </a:xfrm>
+          <a:prstGeom prst="rect">
+            <a:avLst/>
+          </a:prstGeom>
+        </p:spPr>
+      </p:pic>
     </p:spTree>
     <p:extLst>
       <p:ext uri="{BB962C8B-B14F-4D97-AF65-F5344CB8AC3E}">
-        <p14:creationId xmlns:p14="http://schemas.microsoft.com/office/powerpoint/2010/main" val="4089451878"/>
+        <p14:creationId xmlns:p14="http://schemas.microsoft.com/office/powerpoint/2010/main" val="3695871877"/>
       </p:ext>
     </p:extLst>
   </p:cSld>

--- a/presentations/session_1/Components of a Data Center [Autosaved].pptx
+++ b/presentations/session_1/Components of a Data Center [Autosaved].pptx
@@ -284,7 +284,7 @@
           <a:p>
             <a:fld id="{4B04329C-8883-4FAC-A93E-C3F36DF5B3DE}" type="datetimeFigureOut">
               <a:rPr lang="en-US" smtClean="0"/>
-              <a:t>2/2/2018</a:t>
+              <a:t>2/5/2018</a:t>
             </a:fld>
             <a:endParaRPr lang="en-US"/>
           </a:p>
@@ -482,7 +482,7 @@
           <a:p>
             <a:fld id="{4B04329C-8883-4FAC-A93E-C3F36DF5B3DE}" type="datetimeFigureOut">
               <a:rPr lang="en-US" smtClean="0"/>
-              <a:t>2/2/2018</a:t>
+              <a:t>2/5/2018</a:t>
             </a:fld>
             <a:endParaRPr lang="en-US"/>
           </a:p>
@@ -690,7 +690,7 @@
           <a:p>
             <a:fld id="{4B04329C-8883-4FAC-A93E-C3F36DF5B3DE}" type="datetimeFigureOut">
               <a:rPr lang="en-US" smtClean="0"/>
-              <a:t>2/2/2018</a:t>
+              <a:t>2/5/2018</a:t>
             </a:fld>
             <a:endParaRPr lang="en-US"/>
           </a:p>
@@ -888,7 +888,7 @@
           <a:p>
             <a:fld id="{4B04329C-8883-4FAC-A93E-C3F36DF5B3DE}" type="datetimeFigureOut">
               <a:rPr lang="en-US" smtClean="0"/>
-              <a:t>2/2/2018</a:t>
+              <a:t>2/5/2018</a:t>
             </a:fld>
             <a:endParaRPr lang="en-US"/>
           </a:p>
@@ -1163,7 +1163,7 @@
           <a:p>
             <a:fld id="{4B04329C-8883-4FAC-A93E-C3F36DF5B3DE}" type="datetimeFigureOut">
               <a:rPr lang="en-US" smtClean="0"/>
-              <a:t>2/2/2018</a:t>
+              <a:t>2/5/2018</a:t>
             </a:fld>
             <a:endParaRPr lang="en-US"/>
           </a:p>
@@ -1428,7 +1428,7 @@
           <a:p>
             <a:fld id="{4B04329C-8883-4FAC-A93E-C3F36DF5B3DE}" type="datetimeFigureOut">
               <a:rPr lang="en-US" smtClean="0"/>
-              <a:t>2/2/2018</a:t>
+              <a:t>2/5/2018</a:t>
             </a:fld>
             <a:endParaRPr lang="en-US"/>
           </a:p>
@@ -1840,7 +1840,7 @@
           <a:p>
             <a:fld id="{4B04329C-8883-4FAC-A93E-C3F36DF5B3DE}" type="datetimeFigureOut">
               <a:rPr lang="en-US" smtClean="0"/>
-              <a:t>2/2/2018</a:t>
+              <a:t>2/5/2018</a:t>
             </a:fld>
             <a:endParaRPr lang="en-US"/>
           </a:p>
@@ -1981,7 +1981,7 @@
           <a:p>
             <a:fld id="{4B04329C-8883-4FAC-A93E-C3F36DF5B3DE}" type="datetimeFigureOut">
               <a:rPr lang="en-US" smtClean="0"/>
-              <a:t>2/2/2018</a:t>
+              <a:t>2/5/2018</a:t>
             </a:fld>
             <a:endParaRPr lang="en-US"/>
           </a:p>
@@ -2094,7 +2094,7 @@
           <a:p>
             <a:fld id="{4B04329C-8883-4FAC-A93E-C3F36DF5B3DE}" type="datetimeFigureOut">
               <a:rPr lang="en-US" smtClean="0"/>
-              <a:t>2/2/2018</a:t>
+              <a:t>2/5/2018</a:t>
             </a:fld>
             <a:endParaRPr lang="en-US"/>
           </a:p>
@@ -2405,7 +2405,7 @@
           <a:p>
             <a:fld id="{4B04329C-8883-4FAC-A93E-C3F36DF5B3DE}" type="datetimeFigureOut">
               <a:rPr lang="en-US" smtClean="0"/>
-              <a:t>2/2/2018</a:t>
+              <a:t>2/5/2018</a:t>
             </a:fld>
             <a:endParaRPr lang="en-US"/>
           </a:p>
@@ -2693,7 +2693,7 @@
           <a:p>
             <a:fld id="{4B04329C-8883-4FAC-A93E-C3F36DF5B3DE}" type="datetimeFigureOut">
               <a:rPr lang="en-US" smtClean="0"/>
-              <a:t>2/2/2018</a:t>
+              <a:t>2/5/2018</a:t>
             </a:fld>
             <a:endParaRPr lang="en-US"/>
           </a:p>
@@ -2934,7 +2934,7 @@
           <a:p>
             <a:fld id="{4B04329C-8883-4FAC-A93E-C3F36DF5B3DE}" type="datetimeFigureOut">
               <a:rPr lang="en-US" smtClean="0"/>
-              <a:t>2/2/2018</a:t>
+              <a:t>2/5/2018</a:t>
             </a:fld>
             <a:endParaRPr lang="en-US"/>
           </a:p>
@@ -4259,6 +4259,92 @@
           </a:fontRef>
         </p:style>
       </p:cxnSp>
+      <p:cxnSp>
+        <p:nvCxnSpPr>
+          <p:cNvPr id="12" name="Straight Arrow Connector 11">
+            <a:extLst>
+              <a:ext uri="{FF2B5EF4-FFF2-40B4-BE49-F238E27FC236}">
+                <a16:creationId xmlns:a16="http://schemas.microsoft.com/office/drawing/2014/main" id="{A4D6AC42-B77E-49E8-82CA-896EA37C7895}"/>
+              </a:ext>
+            </a:extLst>
+          </p:cNvPr>
+          <p:cNvCxnSpPr/>
+          <p:nvPr/>
+        </p:nvCxnSpPr>
+        <p:spPr>
+          <a:xfrm>
+            <a:off x="947253" y="2060020"/>
+            <a:ext cx="932035" cy="618886"/>
+          </a:xfrm>
+          <a:prstGeom prst="straightConnector1">
+            <a:avLst/>
+          </a:prstGeom>
+          <a:ln>
+            <a:tailEnd type="triangle"/>
+          </a:ln>
+        </p:spPr>
+        <p:style>
+          <a:lnRef idx="1">
+            <a:schemeClr val="accent1"/>
+          </a:lnRef>
+          <a:fillRef idx="0">
+            <a:schemeClr val="accent1"/>
+          </a:fillRef>
+          <a:effectRef idx="0">
+            <a:schemeClr val="accent1"/>
+          </a:effectRef>
+          <a:fontRef idx="minor">
+            <a:schemeClr val="tx1"/>
+          </a:fontRef>
+        </p:style>
+      </p:cxnSp>
+      <p:sp>
+        <p:nvSpPr>
+          <p:cNvPr id="16" name="TextBox 15">
+            <a:extLst>
+              <a:ext uri="{FF2B5EF4-FFF2-40B4-BE49-F238E27FC236}">
+                <a16:creationId xmlns:a16="http://schemas.microsoft.com/office/drawing/2014/main" id="{4B3C78EA-A8AA-4268-BE2B-F4DEB4FA92A7}"/>
+              </a:ext>
+            </a:extLst>
+          </p:cNvPr>
+          <p:cNvSpPr txBox="1"/>
+          <p:nvPr/>
+        </p:nvSpPr>
+        <p:spPr>
+          <a:xfrm>
+            <a:off x="307882" y="1371615"/>
+            <a:ext cx="926087" cy="923330"/>
+          </a:xfrm>
+          <a:prstGeom prst="rect">
+            <a:avLst/>
+          </a:prstGeom>
+          <a:noFill/>
+        </p:spPr>
+        <p:txBody>
+          <a:bodyPr wrap="none" rtlCol="0">
+            <a:spAutoFit/>
+          </a:bodyPr>
+          <a:lstStyle/>
+          <a:p>
+            <a:r>
+              <a:rPr lang="en-US" dirty="0"/>
+              <a:t>Various</a:t>
+            </a:r>
+          </a:p>
+          <a:p>
+            <a:r>
+              <a:rPr lang="en-US" dirty="0"/>
+              <a:t>Event</a:t>
+            </a:r>
+          </a:p>
+          <a:p>
+            <a:r>
+              <a:rPr lang="en-US" dirty="0"/>
+              <a:t>streams</a:t>
+            </a:r>
+          </a:p>
+        </p:txBody>
+      </p:sp>
     </p:spTree>
     <p:extLst>
       <p:ext uri="{BB962C8B-B14F-4D97-AF65-F5344CB8AC3E}">
